--- a/Day1/ex1-2_transformation/ex1-2_transformation.pptx
+++ b/Day1/ex1-2_transformation/ex1-2_transformation.pptx
@@ -5,7 +5,7 @@
     <p:sldMasterId id="2147483831" r:id="rId1"/>
   </p:sldMasterIdLst>
   <p:notesMasterIdLst>
-    <p:notesMasterId r:id="rId18"/>
+    <p:notesMasterId r:id="rId20"/>
   </p:notesMasterIdLst>
   <p:sldIdLst>
     <p:sldId id="256" r:id="rId2"/>
@@ -14,16 +14,18 @@
     <p:sldId id="260" r:id="rId5"/>
     <p:sldId id="261" r:id="rId6"/>
     <p:sldId id="276" r:id="rId7"/>
-    <p:sldId id="278" r:id="rId8"/>
-    <p:sldId id="264" r:id="rId9"/>
-    <p:sldId id="279" r:id="rId10"/>
+    <p:sldId id="264" r:id="rId8"/>
+    <p:sldId id="278" r:id="rId9"/>
+    <p:sldId id="285" r:id="rId10"/>
     <p:sldId id="280" r:id="rId11"/>
-    <p:sldId id="281" r:id="rId12"/>
+    <p:sldId id="279" r:id="rId12"/>
     <p:sldId id="267" r:id="rId13"/>
-    <p:sldId id="282" r:id="rId14"/>
+    <p:sldId id="281" r:id="rId14"/>
     <p:sldId id="283" r:id="rId15"/>
-    <p:sldId id="272" r:id="rId16"/>
-    <p:sldId id="284" r:id="rId17"/>
+    <p:sldId id="282" r:id="rId16"/>
+    <p:sldId id="272" r:id="rId17"/>
+    <p:sldId id="284" r:id="rId18"/>
+    <p:sldId id="286" r:id="rId19"/>
   </p:sldIdLst>
   <p:sldSz cx="9144000" cy="6858000" type="screen4x3"/>
   <p:notesSz cx="6858000" cy="9144000"/>
@@ -130,6 +132,621 @@
 </p:presentation>
 </file>
 
+<file path=ppt/revisionInfo.xml><?xml version="1.0" encoding="utf-8"?>
+<p1510:revInfo xmlns:a="http://schemas.openxmlformats.org/drawingml/2006/main" xmlns:r="http://schemas.openxmlformats.org/officeDocument/2006/relationships" xmlns:p1510="http://schemas.microsoft.com/office/powerpoint/2015/10/main">
+  <p1510:revLst>
+    <p1510:client id="{F49FFAA2-E859-4AF1-9BFA-4B5928811525}" v="12" dt="2022-09-14T08:41:05.876"/>
+  </p1510:revLst>
+</p1510:revInfo>
+</file>
+
+<file path=ppt/changesInfos/changesInfo1.xml><?xml version="1.0" encoding="utf-8"?>
+<pc:chgInfo xmlns:a="http://schemas.openxmlformats.org/drawingml/2006/main" xmlns:r="http://schemas.openxmlformats.org/officeDocument/2006/relationships" xmlns:ac="http://schemas.microsoft.com/office/drawing/2013/main/command" xmlns:pc="http://schemas.microsoft.com/office/powerpoint/2013/main/command">
+  <pc:docChgLst>
+    <pc:chgData name="이종은" userId="5cabcc43-02d4-48e1-8252-8be248ae0561" providerId="ADAL" clId="{F49FFAA2-E859-4AF1-9BFA-4B5928811525}"/>
+    <pc:docChg chg="undo custSel addSld modSld sldOrd">
+      <pc:chgData name="이종은" userId="5cabcc43-02d4-48e1-8252-8be248ae0561" providerId="ADAL" clId="{F49FFAA2-E859-4AF1-9BFA-4B5928811525}" dt="2022-09-14T08:41:25.284" v="252" actId="20577"/>
+      <pc:docMkLst>
+        <pc:docMk/>
+      </pc:docMkLst>
+      <pc:sldChg chg="addSp delSp modSp mod">
+        <pc:chgData name="이종은" userId="5cabcc43-02d4-48e1-8252-8be248ae0561" providerId="ADAL" clId="{F49FFAA2-E859-4AF1-9BFA-4B5928811525}" dt="2022-09-14T07:39:10.097" v="10" actId="14100"/>
+        <pc:sldMkLst>
+          <pc:docMk/>
+          <pc:sldMk cId="1455713041" sldId="260"/>
+        </pc:sldMkLst>
+        <pc:picChg chg="add mod ord">
+          <ac:chgData name="이종은" userId="5cabcc43-02d4-48e1-8252-8be248ae0561" providerId="ADAL" clId="{F49FFAA2-E859-4AF1-9BFA-4B5928811525}" dt="2022-09-14T07:38:54.700" v="7" actId="171"/>
+          <ac:picMkLst>
+            <pc:docMk/>
+            <pc:sldMk cId="1455713041" sldId="260"/>
+            <ac:picMk id="5" creationId="{084129CD-AD03-A919-A7B4-0A92BB3701A0}"/>
+          </ac:picMkLst>
+        </pc:picChg>
+        <pc:picChg chg="del">
+          <ac:chgData name="이종은" userId="5cabcc43-02d4-48e1-8252-8be248ae0561" providerId="ADAL" clId="{F49FFAA2-E859-4AF1-9BFA-4B5928811525}" dt="2022-09-14T07:38:48.319" v="0" actId="478"/>
+          <ac:picMkLst>
+            <pc:docMk/>
+            <pc:sldMk cId="1455713041" sldId="260"/>
+            <ac:picMk id="7" creationId="{00000000-0000-0000-0000-000000000000}"/>
+          </ac:picMkLst>
+        </pc:picChg>
+        <pc:cxnChg chg="mod">
+          <ac:chgData name="이종은" userId="5cabcc43-02d4-48e1-8252-8be248ae0561" providerId="ADAL" clId="{F49FFAA2-E859-4AF1-9BFA-4B5928811525}" dt="2022-09-14T07:39:10.097" v="10" actId="14100"/>
+          <ac:cxnSpMkLst>
+            <pc:docMk/>
+            <pc:sldMk cId="1455713041" sldId="260"/>
+            <ac:cxnSpMk id="10" creationId="{00000000-0000-0000-0000-000000000000}"/>
+          </ac:cxnSpMkLst>
+        </pc:cxnChg>
+        <pc:cxnChg chg="mod">
+          <ac:chgData name="이종은" userId="5cabcc43-02d4-48e1-8252-8be248ae0561" providerId="ADAL" clId="{F49FFAA2-E859-4AF1-9BFA-4B5928811525}" dt="2022-09-14T07:39:07.721" v="9" actId="14100"/>
+          <ac:cxnSpMkLst>
+            <pc:docMk/>
+            <pc:sldMk cId="1455713041" sldId="260"/>
+            <ac:cxnSpMk id="12" creationId="{00000000-0000-0000-0000-000000000000}"/>
+          </ac:cxnSpMkLst>
+        </pc:cxnChg>
+      </pc:sldChg>
+      <pc:sldChg chg="addSp delSp modSp mod">
+        <pc:chgData name="이종은" userId="5cabcc43-02d4-48e1-8252-8be248ae0561" providerId="ADAL" clId="{F49FFAA2-E859-4AF1-9BFA-4B5928811525}" dt="2022-09-14T07:40:42.942" v="36" actId="14100"/>
+        <pc:sldMkLst>
+          <pc:docMk/>
+          <pc:sldMk cId="3917931949" sldId="261"/>
+        </pc:sldMkLst>
+        <pc:spChg chg="mod">
+          <ac:chgData name="이종은" userId="5cabcc43-02d4-48e1-8252-8be248ae0561" providerId="ADAL" clId="{F49FFAA2-E859-4AF1-9BFA-4B5928811525}" dt="2022-09-14T07:40:39.623" v="35" actId="1076"/>
+          <ac:spMkLst>
+            <pc:docMk/>
+            <pc:sldMk cId="3917931949" sldId="261"/>
+            <ac:spMk id="11" creationId="{00000000-0000-0000-0000-000000000000}"/>
+          </ac:spMkLst>
+        </pc:spChg>
+        <pc:spChg chg="mod">
+          <ac:chgData name="이종은" userId="5cabcc43-02d4-48e1-8252-8be248ae0561" providerId="ADAL" clId="{F49FFAA2-E859-4AF1-9BFA-4B5928811525}" dt="2022-09-14T07:40:23.321" v="30" actId="1076"/>
+          <ac:spMkLst>
+            <pc:docMk/>
+            <pc:sldMk cId="3917931949" sldId="261"/>
+            <ac:spMk id="14" creationId="{00000000-0000-0000-0000-000000000000}"/>
+          </ac:spMkLst>
+        </pc:spChg>
+        <pc:picChg chg="del">
+          <ac:chgData name="이종은" userId="5cabcc43-02d4-48e1-8252-8be248ae0561" providerId="ADAL" clId="{F49FFAA2-E859-4AF1-9BFA-4B5928811525}" dt="2022-09-14T07:39:47.200" v="11" actId="478"/>
+          <ac:picMkLst>
+            <pc:docMk/>
+            <pc:sldMk cId="3917931949" sldId="261"/>
+            <ac:picMk id="4" creationId="{00000000-0000-0000-0000-000000000000}"/>
+          </ac:picMkLst>
+        </pc:picChg>
+        <pc:picChg chg="add mod ord">
+          <ac:chgData name="이종은" userId="5cabcc43-02d4-48e1-8252-8be248ae0561" providerId="ADAL" clId="{F49FFAA2-E859-4AF1-9BFA-4B5928811525}" dt="2022-09-14T07:40:00.034" v="25" actId="171"/>
+          <ac:picMkLst>
+            <pc:docMk/>
+            <pc:sldMk cId="3917931949" sldId="261"/>
+            <ac:picMk id="7" creationId="{6D0DCC3D-E289-10BB-54EC-7ADED9A38528}"/>
+          </ac:picMkLst>
+        </pc:picChg>
+        <pc:cxnChg chg="mod">
+          <ac:chgData name="이종은" userId="5cabcc43-02d4-48e1-8252-8be248ae0561" providerId="ADAL" clId="{F49FFAA2-E859-4AF1-9BFA-4B5928811525}" dt="2022-09-14T07:40:33.079" v="32" actId="1076"/>
+          <ac:cxnSpMkLst>
+            <pc:docMk/>
+            <pc:sldMk cId="3917931949" sldId="261"/>
+            <ac:cxnSpMk id="6" creationId="{00000000-0000-0000-0000-000000000000}"/>
+          </ac:cxnSpMkLst>
+        </pc:cxnChg>
+        <pc:cxnChg chg="mod">
+          <ac:chgData name="이종은" userId="5cabcc43-02d4-48e1-8252-8be248ae0561" providerId="ADAL" clId="{F49FFAA2-E859-4AF1-9BFA-4B5928811525}" dt="2022-09-14T07:40:42.942" v="36" actId="14100"/>
+          <ac:cxnSpMkLst>
+            <pc:docMk/>
+            <pc:sldMk cId="3917931949" sldId="261"/>
+            <ac:cxnSpMk id="12" creationId="{00000000-0000-0000-0000-000000000000}"/>
+          </ac:cxnSpMkLst>
+        </pc:cxnChg>
+        <pc:cxnChg chg="mod">
+          <ac:chgData name="이종은" userId="5cabcc43-02d4-48e1-8252-8be248ae0561" providerId="ADAL" clId="{F49FFAA2-E859-4AF1-9BFA-4B5928811525}" dt="2022-09-14T07:40:17.855" v="28" actId="14100"/>
+          <ac:cxnSpMkLst>
+            <pc:docMk/>
+            <pc:sldMk cId="3917931949" sldId="261"/>
+            <ac:cxnSpMk id="13" creationId="{00000000-0000-0000-0000-000000000000}"/>
+          </ac:cxnSpMkLst>
+        </pc:cxnChg>
+        <pc:cxnChg chg="mod">
+          <ac:chgData name="이종은" userId="5cabcc43-02d4-48e1-8252-8be248ae0561" providerId="ADAL" clId="{F49FFAA2-E859-4AF1-9BFA-4B5928811525}" dt="2022-09-14T07:40:25.764" v="31" actId="14100"/>
+          <ac:cxnSpMkLst>
+            <pc:docMk/>
+            <pc:sldMk cId="3917931949" sldId="261"/>
+            <ac:cxnSpMk id="15" creationId="{00000000-0000-0000-0000-000000000000}"/>
+          </ac:cxnSpMkLst>
+        </pc:cxnChg>
+      </pc:sldChg>
+      <pc:sldChg chg="addSp delSp modSp mod ord">
+        <pc:chgData name="이종은" userId="5cabcc43-02d4-48e1-8252-8be248ae0561" providerId="ADAL" clId="{F49FFAA2-E859-4AF1-9BFA-4B5928811525}" dt="2022-09-14T08:07:40.498" v="64" actId="1076"/>
+        <pc:sldMkLst>
+          <pc:docMk/>
+          <pc:sldMk cId="1582764446" sldId="264"/>
+        </pc:sldMkLst>
+        <pc:spChg chg="add mod">
+          <ac:chgData name="이종은" userId="5cabcc43-02d4-48e1-8252-8be248ae0561" providerId="ADAL" clId="{F49FFAA2-E859-4AF1-9BFA-4B5928811525}" dt="2022-09-14T08:07:40.498" v="64" actId="1076"/>
+          <ac:spMkLst>
+            <pc:docMk/>
+            <pc:sldMk cId="1582764446" sldId="264"/>
+            <ac:spMk id="8" creationId="{D5BEBFE3-1011-5DC5-0059-EB3551F5AEFC}"/>
+          </ac:spMkLst>
+        </pc:spChg>
+        <pc:picChg chg="del">
+          <ac:chgData name="이종은" userId="5cabcc43-02d4-48e1-8252-8be248ae0561" providerId="ADAL" clId="{F49FFAA2-E859-4AF1-9BFA-4B5928811525}" dt="2022-09-14T08:06:25.895" v="48" actId="478"/>
+          <ac:picMkLst>
+            <pc:docMk/>
+            <pc:sldMk cId="1582764446" sldId="264"/>
+            <ac:picMk id="4" creationId="{00000000-0000-0000-0000-000000000000}"/>
+          </ac:picMkLst>
+        </pc:picChg>
+        <pc:picChg chg="add mod">
+          <ac:chgData name="이종은" userId="5cabcc43-02d4-48e1-8252-8be248ae0561" providerId="ADAL" clId="{F49FFAA2-E859-4AF1-9BFA-4B5928811525}" dt="2022-09-14T08:07:37.410" v="63" actId="1076"/>
+          <ac:picMkLst>
+            <pc:docMk/>
+            <pc:sldMk cId="1582764446" sldId="264"/>
+            <ac:picMk id="6" creationId="{00CC4BF8-5356-45B6-0C73-BA2F9E112147}"/>
+          </ac:picMkLst>
+        </pc:picChg>
+      </pc:sldChg>
+      <pc:sldChg chg="addSp modSp mod ord">
+        <pc:chgData name="이종은" userId="5cabcc43-02d4-48e1-8252-8be248ae0561" providerId="ADAL" clId="{F49FFAA2-E859-4AF1-9BFA-4B5928811525}" dt="2022-09-14T08:22:27.275" v="181" actId="1076"/>
+        <pc:sldMkLst>
+          <pc:docMk/>
+          <pc:sldMk cId="2602312986" sldId="267"/>
+        </pc:sldMkLst>
+        <pc:spChg chg="add mod">
+          <ac:chgData name="이종은" userId="5cabcc43-02d4-48e1-8252-8be248ae0561" providerId="ADAL" clId="{F49FFAA2-E859-4AF1-9BFA-4B5928811525}" dt="2022-09-14T08:22:27.275" v="181" actId="1076"/>
+          <ac:spMkLst>
+            <pc:docMk/>
+            <pc:sldMk cId="2602312986" sldId="267"/>
+            <ac:spMk id="6" creationId="{33205EB0-234F-12BD-0F47-D158B75491BD}"/>
+          </ac:spMkLst>
+        </pc:spChg>
+        <pc:picChg chg="mod">
+          <ac:chgData name="이종은" userId="5cabcc43-02d4-48e1-8252-8be248ae0561" providerId="ADAL" clId="{F49FFAA2-E859-4AF1-9BFA-4B5928811525}" dt="2022-09-14T08:22:21.641" v="180" actId="1076"/>
+          <ac:picMkLst>
+            <pc:docMk/>
+            <pc:sldMk cId="2602312986" sldId="267"/>
+            <ac:picMk id="5" creationId="{00000000-0000-0000-0000-000000000000}"/>
+          </ac:picMkLst>
+        </pc:picChg>
+      </pc:sldChg>
+      <pc:sldChg chg="addSp delSp modSp mod">
+        <pc:chgData name="이종은" userId="5cabcc43-02d4-48e1-8252-8be248ae0561" providerId="ADAL" clId="{F49FFAA2-E859-4AF1-9BFA-4B5928811525}" dt="2022-09-14T08:38:38.900" v="219" actId="1076"/>
+        <pc:sldMkLst>
+          <pc:docMk/>
+          <pc:sldMk cId="1366967681" sldId="272"/>
+        </pc:sldMkLst>
+        <pc:picChg chg="add mod">
+          <ac:chgData name="이종은" userId="5cabcc43-02d4-48e1-8252-8be248ae0561" providerId="ADAL" clId="{F49FFAA2-E859-4AF1-9BFA-4B5928811525}" dt="2022-09-14T08:38:38.900" v="219" actId="1076"/>
+          <ac:picMkLst>
+            <pc:docMk/>
+            <pc:sldMk cId="1366967681" sldId="272"/>
+            <ac:picMk id="4" creationId="{6DCA1075-5187-1719-B391-10C602184E15}"/>
+          </ac:picMkLst>
+        </pc:picChg>
+        <pc:picChg chg="del mod">
+          <ac:chgData name="이종은" userId="5cabcc43-02d4-48e1-8252-8be248ae0561" providerId="ADAL" clId="{F49FFAA2-E859-4AF1-9BFA-4B5928811525}" dt="2022-09-14T08:38:32.707" v="216" actId="478"/>
+          <ac:picMkLst>
+            <pc:docMk/>
+            <pc:sldMk cId="1366967681" sldId="272"/>
+            <ac:picMk id="6" creationId="{00000000-0000-0000-0000-000000000000}"/>
+          </ac:picMkLst>
+        </pc:picChg>
+      </pc:sldChg>
+      <pc:sldChg chg="addSp delSp modSp mod">
+        <pc:chgData name="이종은" userId="5cabcc43-02d4-48e1-8252-8be248ae0561" providerId="ADAL" clId="{F49FFAA2-E859-4AF1-9BFA-4B5928811525}" dt="2022-09-14T07:53:27.359" v="47" actId="20577"/>
+        <pc:sldMkLst>
+          <pc:docMk/>
+          <pc:sldMk cId="4236646421" sldId="276"/>
+        </pc:sldMkLst>
+        <pc:spChg chg="mod">
+          <ac:chgData name="이종은" userId="5cabcc43-02d4-48e1-8252-8be248ae0561" providerId="ADAL" clId="{F49FFAA2-E859-4AF1-9BFA-4B5928811525}" dt="2022-09-14T07:53:27.359" v="47" actId="20577"/>
+          <ac:spMkLst>
+            <pc:docMk/>
+            <pc:sldMk cId="4236646421" sldId="276"/>
+            <ac:spMk id="3" creationId="{25774E92-9B95-4123-B29D-F5E0D6956FCA}"/>
+          </ac:spMkLst>
+        </pc:spChg>
+        <pc:picChg chg="del">
+          <ac:chgData name="이종은" userId="5cabcc43-02d4-48e1-8252-8be248ae0561" providerId="ADAL" clId="{F49FFAA2-E859-4AF1-9BFA-4B5928811525}" dt="2022-09-14T07:52:50.357" v="37" actId="478"/>
+          <ac:picMkLst>
+            <pc:docMk/>
+            <pc:sldMk cId="4236646421" sldId="276"/>
+            <ac:picMk id="4" creationId="{00000000-0000-0000-0000-000000000000}"/>
+          </ac:picMkLst>
+        </pc:picChg>
+        <pc:picChg chg="add mod">
+          <ac:chgData name="이종은" userId="5cabcc43-02d4-48e1-8252-8be248ae0561" providerId="ADAL" clId="{F49FFAA2-E859-4AF1-9BFA-4B5928811525}" dt="2022-09-14T07:52:58.536" v="42" actId="1076"/>
+          <ac:picMkLst>
+            <pc:docMk/>
+            <pc:sldMk cId="4236646421" sldId="276"/>
+            <ac:picMk id="6" creationId="{110A5551-40AD-449F-6328-EA990D4E601B}"/>
+          </ac:picMkLst>
+        </pc:picChg>
+      </pc:sldChg>
+      <pc:sldChg chg="delSp modSp mod">
+        <pc:chgData name="이종은" userId="5cabcc43-02d4-48e1-8252-8be248ae0561" providerId="ADAL" clId="{F49FFAA2-E859-4AF1-9BFA-4B5928811525}" dt="2022-09-14T08:07:32.832" v="60" actId="1076"/>
+        <pc:sldMkLst>
+          <pc:docMk/>
+          <pc:sldMk cId="4253465744" sldId="278"/>
+        </pc:sldMkLst>
+        <pc:spChg chg="del">
+          <ac:chgData name="이종은" userId="5cabcc43-02d4-48e1-8252-8be248ae0561" providerId="ADAL" clId="{F49FFAA2-E859-4AF1-9BFA-4B5928811525}" dt="2022-09-14T08:07:27.656" v="56" actId="21"/>
+          <ac:spMkLst>
+            <pc:docMk/>
+            <pc:sldMk cId="4253465744" sldId="278"/>
+            <ac:spMk id="9" creationId="{B16A8EC2-8A6D-44D2-9EDE-EF34BC7617C6}"/>
+          </ac:spMkLst>
+        </pc:spChg>
+        <pc:picChg chg="mod">
+          <ac:chgData name="이종은" userId="5cabcc43-02d4-48e1-8252-8be248ae0561" providerId="ADAL" clId="{F49FFAA2-E859-4AF1-9BFA-4B5928811525}" dt="2022-09-14T08:07:32.832" v="60" actId="1076"/>
+          <ac:picMkLst>
+            <pc:docMk/>
+            <pc:sldMk cId="4253465744" sldId="278"/>
+            <ac:picMk id="3" creationId="{00000000-0000-0000-0000-000000000000}"/>
+          </ac:picMkLst>
+        </pc:picChg>
+      </pc:sldChg>
+      <pc:sldChg chg="addSp delSp modSp mod ord">
+        <pc:chgData name="이종은" userId="5cabcc43-02d4-48e1-8252-8be248ae0561" providerId="ADAL" clId="{F49FFAA2-E859-4AF1-9BFA-4B5928811525}" dt="2022-09-14T08:09:36.758" v="105" actId="1076"/>
+        <pc:sldMkLst>
+          <pc:docMk/>
+          <pc:sldMk cId="767917582" sldId="279"/>
+        </pc:sldMkLst>
+        <pc:spChg chg="del">
+          <ac:chgData name="이종은" userId="5cabcc43-02d4-48e1-8252-8be248ae0561" providerId="ADAL" clId="{F49FFAA2-E859-4AF1-9BFA-4B5928811525}" dt="2022-09-14T08:07:56.071" v="69" actId="21"/>
+          <ac:spMkLst>
+            <pc:docMk/>
+            <pc:sldMk cId="767917582" sldId="279"/>
+            <ac:spMk id="5" creationId="{00000000-0000-0000-0000-000000000000}"/>
+          </ac:spMkLst>
+        </pc:spChg>
+        <pc:spChg chg="del">
+          <ac:chgData name="이종은" userId="5cabcc43-02d4-48e1-8252-8be248ae0561" providerId="ADAL" clId="{F49FFAA2-E859-4AF1-9BFA-4B5928811525}" dt="2022-09-14T08:07:56.071" v="69" actId="21"/>
+          <ac:spMkLst>
+            <pc:docMk/>
+            <pc:sldMk cId="767917582" sldId="279"/>
+            <ac:spMk id="6" creationId="{00000000-0000-0000-0000-000000000000}"/>
+          </ac:spMkLst>
+        </pc:spChg>
+        <pc:spChg chg="add del">
+          <ac:chgData name="이종은" userId="5cabcc43-02d4-48e1-8252-8be248ae0561" providerId="ADAL" clId="{F49FFAA2-E859-4AF1-9BFA-4B5928811525}" dt="2022-09-14T08:07:56.071" v="69" actId="21"/>
+          <ac:spMkLst>
+            <pc:docMk/>
+            <pc:sldMk cId="767917582" sldId="279"/>
+            <ac:spMk id="9" creationId="{B16A8EC2-8A6D-44D2-9EDE-EF34BC7617C6}"/>
+          </ac:spMkLst>
+        </pc:spChg>
+        <pc:picChg chg="mod">
+          <ac:chgData name="이종은" userId="5cabcc43-02d4-48e1-8252-8be248ae0561" providerId="ADAL" clId="{F49FFAA2-E859-4AF1-9BFA-4B5928811525}" dt="2022-09-14T08:09:36.758" v="105" actId="1076"/>
+          <ac:picMkLst>
+            <pc:docMk/>
+            <pc:sldMk cId="767917582" sldId="279"/>
+            <ac:picMk id="7" creationId="{00000000-0000-0000-0000-000000000000}"/>
+          </ac:picMkLst>
+        </pc:picChg>
+      </pc:sldChg>
+      <pc:sldChg chg="addSp delSp modSp mod ord">
+        <pc:chgData name="이종은" userId="5cabcc43-02d4-48e1-8252-8be248ae0561" providerId="ADAL" clId="{F49FFAA2-E859-4AF1-9BFA-4B5928811525}" dt="2022-09-14T08:14:42.256" v="140" actId="20577"/>
+        <pc:sldMkLst>
+          <pc:docMk/>
+          <pc:sldMk cId="2509231647" sldId="280"/>
+        </pc:sldMkLst>
+        <pc:spChg chg="mod">
+          <ac:chgData name="이종은" userId="5cabcc43-02d4-48e1-8252-8be248ae0561" providerId="ADAL" clId="{F49FFAA2-E859-4AF1-9BFA-4B5928811525}" dt="2022-09-14T08:14:42.256" v="140" actId="20577"/>
+          <ac:spMkLst>
+            <pc:docMk/>
+            <pc:sldMk cId="2509231647" sldId="280"/>
+            <ac:spMk id="2" creationId="{32A4EF47-FCCA-4723-AF28-1B2DE76CE7E9}"/>
+          </ac:spMkLst>
+        </pc:spChg>
+        <pc:spChg chg="add del">
+          <ac:chgData name="이종은" userId="5cabcc43-02d4-48e1-8252-8be248ae0561" providerId="ADAL" clId="{F49FFAA2-E859-4AF1-9BFA-4B5928811525}" dt="2022-09-14T08:08:09.436" v="71" actId="22"/>
+          <ac:spMkLst>
+            <pc:docMk/>
+            <pc:sldMk cId="2509231647" sldId="280"/>
+            <ac:spMk id="6" creationId="{EDAE89BF-B252-4CCD-2074-2A709EF6B877}"/>
+          </ac:spMkLst>
+        </pc:spChg>
+        <pc:spChg chg="mod">
+          <ac:chgData name="이종은" userId="5cabcc43-02d4-48e1-8252-8be248ae0561" providerId="ADAL" clId="{F49FFAA2-E859-4AF1-9BFA-4B5928811525}" dt="2022-09-14T08:09:28.339" v="100" actId="1035"/>
+          <ac:spMkLst>
+            <pc:docMk/>
+            <pc:sldMk cId="2509231647" sldId="280"/>
+            <ac:spMk id="8" creationId="{00000000-0000-0000-0000-000000000000}"/>
+          </ac:spMkLst>
+        </pc:spChg>
+        <pc:spChg chg="del mod">
+          <ac:chgData name="이종은" userId="5cabcc43-02d4-48e1-8252-8be248ae0561" providerId="ADAL" clId="{F49FFAA2-E859-4AF1-9BFA-4B5928811525}" dt="2022-09-14T08:08:47.122" v="82" actId="478"/>
+          <ac:spMkLst>
+            <pc:docMk/>
+            <pc:sldMk cId="2509231647" sldId="280"/>
+            <ac:spMk id="11" creationId="{00000000-0000-0000-0000-000000000000}"/>
+          </ac:spMkLst>
+        </pc:spChg>
+        <pc:spChg chg="add del">
+          <ac:chgData name="이종은" userId="5cabcc43-02d4-48e1-8252-8be248ae0561" providerId="ADAL" clId="{F49FFAA2-E859-4AF1-9BFA-4B5928811525}" dt="2022-09-14T08:08:09.436" v="71" actId="22"/>
+          <ac:spMkLst>
+            <pc:docMk/>
+            <pc:sldMk cId="2509231647" sldId="280"/>
+            <ac:spMk id="12" creationId="{6D839DBB-AA73-56BC-732C-991F656095C8}"/>
+          </ac:spMkLst>
+        </pc:spChg>
+        <pc:spChg chg="add del">
+          <ac:chgData name="이종은" userId="5cabcc43-02d4-48e1-8252-8be248ae0561" providerId="ADAL" clId="{F49FFAA2-E859-4AF1-9BFA-4B5928811525}" dt="2022-09-14T08:08:09.436" v="71" actId="22"/>
+          <ac:spMkLst>
+            <pc:docMk/>
+            <pc:sldMk cId="2509231647" sldId="280"/>
+            <ac:spMk id="15" creationId="{11BF2F91-E8AF-AB58-AFC4-717933DA8E86}"/>
+          </ac:spMkLst>
+        </pc:spChg>
+        <pc:spChg chg="add mod">
+          <ac:chgData name="이종은" userId="5cabcc43-02d4-48e1-8252-8be248ae0561" providerId="ADAL" clId="{F49FFAA2-E859-4AF1-9BFA-4B5928811525}" dt="2022-09-14T08:09:16.042" v="89" actId="1076"/>
+          <ac:spMkLst>
+            <pc:docMk/>
+            <pc:sldMk cId="2509231647" sldId="280"/>
+            <ac:spMk id="17" creationId="{C2899139-778B-81BD-B62E-A5549B36EC38}"/>
+          </ac:spMkLst>
+        </pc:spChg>
+        <pc:spChg chg="add mod">
+          <ac:chgData name="이종은" userId="5cabcc43-02d4-48e1-8252-8be248ae0561" providerId="ADAL" clId="{F49FFAA2-E859-4AF1-9BFA-4B5928811525}" dt="2022-09-14T08:09:22.508" v="90" actId="1076"/>
+          <ac:spMkLst>
+            <pc:docMk/>
+            <pc:sldMk cId="2509231647" sldId="280"/>
+            <ac:spMk id="19" creationId="{61BE171F-CFC4-FEE5-60A4-A98751F1D8CE}"/>
+          </ac:spMkLst>
+        </pc:spChg>
+        <pc:spChg chg="add mod">
+          <ac:chgData name="이종은" userId="5cabcc43-02d4-48e1-8252-8be248ae0561" providerId="ADAL" clId="{F49FFAA2-E859-4AF1-9BFA-4B5928811525}" dt="2022-09-14T08:09:22.508" v="90" actId="1076"/>
+          <ac:spMkLst>
+            <pc:docMk/>
+            <pc:sldMk cId="2509231647" sldId="280"/>
+            <ac:spMk id="21" creationId="{05F908AB-5C17-A4E6-1A63-2BF155DC023E}"/>
+          </ac:spMkLst>
+        </pc:spChg>
+        <pc:picChg chg="mod">
+          <ac:chgData name="이종은" userId="5cabcc43-02d4-48e1-8252-8be248ae0561" providerId="ADAL" clId="{F49FFAA2-E859-4AF1-9BFA-4B5928811525}" dt="2022-09-14T08:09:28.339" v="100" actId="1035"/>
+          <ac:picMkLst>
+            <pc:docMk/>
+            <pc:sldMk cId="2509231647" sldId="280"/>
+            <ac:picMk id="5" creationId="{00000000-0000-0000-0000-000000000000}"/>
+          </ac:picMkLst>
+        </pc:picChg>
+        <pc:cxnChg chg="mod">
+          <ac:chgData name="이종은" userId="5cabcc43-02d4-48e1-8252-8be248ae0561" providerId="ADAL" clId="{F49FFAA2-E859-4AF1-9BFA-4B5928811525}" dt="2022-09-14T08:09:28.339" v="100" actId="1035"/>
+          <ac:cxnSpMkLst>
+            <pc:docMk/>
+            <pc:sldMk cId="2509231647" sldId="280"/>
+            <ac:cxnSpMk id="7" creationId="{00000000-0000-0000-0000-000000000000}"/>
+          </ac:cxnSpMkLst>
+        </pc:cxnChg>
+        <pc:cxnChg chg="del mod">
+          <ac:chgData name="이종은" userId="5cabcc43-02d4-48e1-8252-8be248ae0561" providerId="ADAL" clId="{F49FFAA2-E859-4AF1-9BFA-4B5928811525}" dt="2022-09-14T08:08:45.862" v="81" actId="478"/>
+          <ac:cxnSpMkLst>
+            <pc:docMk/>
+            <pc:sldMk cId="2509231647" sldId="280"/>
+            <ac:cxnSpMk id="10" creationId="{00000000-0000-0000-0000-000000000000}"/>
+          </ac:cxnSpMkLst>
+        </pc:cxnChg>
+        <pc:cxnChg chg="del mod">
+          <ac:chgData name="이종은" userId="5cabcc43-02d4-48e1-8252-8be248ae0561" providerId="ADAL" clId="{F49FFAA2-E859-4AF1-9BFA-4B5928811525}" dt="2022-09-14T08:08:45.296" v="80" actId="478"/>
+          <ac:cxnSpMkLst>
+            <pc:docMk/>
+            <pc:sldMk cId="2509231647" sldId="280"/>
+            <ac:cxnSpMk id="13" creationId="{00000000-0000-0000-0000-000000000000}"/>
+          </ac:cxnSpMkLst>
+        </pc:cxnChg>
+      </pc:sldChg>
+      <pc:sldChg chg="delSp modSp mod">
+        <pc:chgData name="이종은" userId="5cabcc43-02d4-48e1-8252-8be248ae0561" providerId="ADAL" clId="{F49FFAA2-E859-4AF1-9BFA-4B5928811525}" dt="2022-09-14T08:24:04.832" v="195" actId="1076"/>
+        <pc:sldMkLst>
+          <pc:docMk/>
+          <pc:sldMk cId="221037909" sldId="281"/>
+        </pc:sldMkLst>
+        <pc:spChg chg="del">
+          <ac:chgData name="이종은" userId="5cabcc43-02d4-48e1-8252-8be248ae0561" providerId="ADAL" clId="{F49FFAA2-E859-4AF1-9BFA-4B5928811525}" dt="2022-09-14T08:19:16.741" v="174" actId="21"/>
+          <ac:spMkLst>
+            <pc:docMk/>
+            <pc:sldMk cId="221037909" sldId="281"/>
+            <ac:spMk id="9" creationId="{B16A8EC2-8A6D-44D2-9EDE-EF34BC7617C6}"/>
+          </ac:spMkLst>
+        </pc:spChg>
+        <pc:picChg chg="mod">
+          <ac:chgData name="이종은" userId="5cabcc43-02d4-48e1-8252-8be248ae0561" providerId="ADAL" clId="{F49FFAA2-E859-4AF1-9BFA-4B5928811525}" dt="2022-09-14T08:24:04.832" v="195" actId="1076"/>
+          <ac:picMkLst>
+            <pc:docMk/>
+            <pc:sldMk cId="221037909" sldId="281"/>
+            <ac:picMk id="4" creationId="{00000000-0000-0000-0000-000000000000}"/>
+          </ac:picMkLst>
+        </pc:picChg>
+      </pc:sldChg>
+      <pc:sldChg chg="delSp modSp mod">
+        <pc:chgData name="이종은" userId="5cabcc43-02d4-48e1-8252-8be248ae0561" providerId="ADAL" clId="{F49FFAA2-E859-4AF1-9BFA-4B5928811525}" dt="2022-09-14T08:24:01.461" v="194" actId="1076"/>
+        <pc:sldMkLst>
+          <pc:docMk/>
+          <pc:sldMk cId="253288570" sldId="282"/>
+        </pc:sldMkLst>
+        <pc:spChg chg="del">
+          <ac:chgData name="이종은" userId="5cabcc43-02d4-48e1-8252-8be248ae0561" providerId="ADAL" clId="{F49FFAA2-E859-4AF1-9BFA-4B5928811525}" dt="2022-09-14T08:23:41.674" v="186" actId="21"/>
+          <ac:spMkLst>
+            <pc:docMk/>
+            <pc:sldMk cId="253288570" sldId="282"/>
+            <ac:spMk id="9" creationId="{B16A8EC2-8A6D-44D2-9EDE-EF34BC7617C6}"/>
+          </ac:spMkLst>
+        </pc:spChg>
+        <pc:picChg chg="mod">
+          <ac:chgData name="이종은" userId="5cabcc43-02d4-48e1-8252-8be248ae0561" providerId="ADAL" clId="{F49FFAA2-E859-4AF1-9BFA-4B5928811525}" dt="2022-09-14T08:24:01.461" v="194" actId="1076"/>
+          <ac:picMkLst>
+            <pc:docMk/>
+            <pc:sldMk cId="253288570" sldId="282"/>
+            <ac:picMk id="3" creationId="{00000000-0000-0000-0000-000000000000}"/>
+          </ac:picMkLst>
+        </pc:picChg>
+      </pc:sldChg>
+      <pc:sldChg chg="addSp modSp mod ord">
+        <pc:chgData name="이종은" userId="5cabcc43-02d4-48e1-8252-8be248ae0561" providerId="ADAL" clId="{F49FFAA2-E859-4AF1-9BFA-4B5928811525}" dt="2022-09-14T08:27:24.299" v="215" actId="1076"/>
+        <pc:sldMkLst>
+          <pc:docMk/>
+          <pc:sldMk cId="885004291" sldId="283"/>
+        </pc:sldMkLst>
+        <pc:spChg chg="add mod">
+          <ac:chgData name="이종은" userId="5cabcc43-02d4-48e1-8252-8be248ae0561" providerId="ADAL" clId="{F49FFAA2-E859-4AF1-9BFA-4B5928811525}" dt="2022-09-14T08:23:55.097" v="190" actId="1076"/>
+          <ac:spMkLst>
+            <pc:docMk/>
+            <pc:sldMk cId="885004291" sldId="283"/>
+            <ac:spMk id="6" creationId="{508781E6-9AA7-F88B-2E00-AD240E39FBFA}"/>
+          </ac:spMkLst>
+        </pc:spChg>
+        <pc:picChg chg="mod">
+          <ac:chgData name="이종은" userId="5cabcc43-02d4-48e1-8252-8be248ae0561" providerId="ADAL" clId="{F49FFAA2-E859-4AF1-9BFA-4B5928811525}" dt="2022-09-14T08:23:50.766" v="189" actId="1076"/>
+          <ac:picMkLst>
+            <pc:docMk/>
+            <pc:sldMk cId="885004291" sldId="283"/>
+            <ac:picMk id="4" creationId="{00000000-0000-0000-0000-000000000000}"/>
+          </ac:picMkLst>
+        </pc:picChg>
+        <pc:picChg chg="add mod">
+          <ac:chgData name="이종은" userId="5cabcc43-02d4-48e1-8252-8be248ae0561" providerId="ADAL" clId="{F49FFAA2-E859-4AF1-9BFA-4B5928811525}" dt="2022-09-14T08:27:24.299" v="215" actId="1076"/>
+          <ac:picMkLst>
+            <pc:docMk/>
+            <pc:sldMk cId="885004291" sldId="283"/>
+            <ac:picMk id="1026" creationId="{F573AAE8-94E2-D2C8-E869-41E2CC89782E}"/>
+          </ac:picMkLst>
+        </pc:picChg>
+      </pc:sldChg>
+      <pc:sldChg chg="addSp delSp modSp mod">
+        <pc:chgData name="이종은" userId="5cabcc43-02d4-48e1-8252-8be248ae0561" providerId="ADAL" clId="{F49FFAA2-E859-4AF1-9BFA-4B5928811525}" dt="2022-09-14T08:41:12.549" v="235" actId="478"/>
+        <pc:sldMkLst>
+          <pc:docMk/>
+          <pc:sldMk cId="661258395" sldId="284"/>
+        </pc:sldMkLst>
+        <pc:picChg chg="del">
+          <ac:chgData name="이종은" userId="5cabcc43-02d4-48e1-8252-8be248ae0561" providerId="ADAL" clId="{F49FFAA2-E859-4AF1-9BFA-4B5928811525}" dt="2022-09-14T08:24:56.264" v="196" actId="478"/>
+          <ac:picMkLst>
+            <pc:docMk/>
+            <pc:sldMk cId="661258395" sldId="284"/>
+            <ac:picMk id="4" creationId="{00000000-0000-0000-0000-000000000000}"/>
+          </ac:picMkLst>
+        </pc:picChg>
+        <pc:picChg chg="add mod">
+          <ac:chgData name="이종은" userId="5cabcc43-02d4-48e1-8252-8be248ae0561" providerId="ADAL" clId="{F49FFAA2-E859-4AF1-9BFA-4B5928811525}" dt="2022-09-14T08:39:27.310" v="229" actId="1076"/>
+          <ac:picMkLst>
+            <pc:docMk/>
+            <pc:sldMk cId="661258395" sldId="284"/>
+            <ac:picMk id="4" creationId="{3690436A-4064-6879-185E-30BA8DA01522}"/>
+          </ac:picMkLst>
+        </pc:picChg>
+        <pc:picChg chg="del mod">
+          <ac:chgData name="이종은" userId="5cabcc43-02d4-48e1-8252-8be248ae0561" providerId="ADAL" clId="{F49FFAA2-E859-4AF1-9BFA-4B5928811525}" dt="2022-09-14T08:39:00.442" v="223" actId="478"/>
+          <ac:picMkLst>
+            <pc:docMk/>
+            <pc:sldMk cId="661258395" sldId="284"/>
+            <ac:picMk id="5" creationId="{00000000-0000-0000-0000-000000000000}"/>
+          </ac:picMkLst>
+        </pc:picChg>
+        <pc:picChg chg="add del mod">
+          <ac:chgData name="이종은" userId="5cabcc43-02d4-48e1-8252-8be248ae0561" providerId="ADAL" clId="{F49FFAA2-E859-4AF1-9BFA-4B5928811525}" dt="2022-09-14T08:38:56.449" v="220" actId="478"/>
+          <ac:picMkLst>
+            <pc:docMk/>
+            <pc:sldMk cId="661258395" sldId="284"/>
+            <ac:picMk id="6" creationId="{D64149B5-D269-0EE4-6214-E5C2F89B549B}"/>
+          </ac:picMkLst>
+        </pc:picChg>
+        <pc:picChg chg="add mod">
+          <ac:chgData name="이종은" userId="5cabcc43-02d4-48e1-8252-8be248ae0561" providerId="ADAL" clId="{F49FFAA2-E859-4AF1-9BFA-4B5928811525}" dt="2022-09-14T08:39:30.378" v="230" actId="1076"/>
+          <ac:picMkLst>
+            <pc:docMk/>
+            <pc:sldMk cId="661258395" sldId="284"/>
+            <ac:picMk id="8" creationId="{98BF8CA8-2D9D-4721-2083-17CD3C7AD7FE}"/>
+          </ac:picMkLst>
+        </pc:picChg>
+        <pc:picChg chg="add del">
+          <ac:chgData name="이종은" userId="5cabcc43-02d4-48e1-8252-8be248ae0561" providerId="ADAL" clId="{F49FFAA2-E859-4AF1-9BFA-4B5928811525}" dt="2022-09-14T08:41:12.549" v="235" actId="478"/>
+          <ac:picMkLst>
+            <pc:docMk/>
+            <pc:sldMk cId="661258395" sldId="284"/>
+            <ac:picMk id="10" creationId="{6297BBC8-3B2B-C137-D7CC-2B934FFE5B6F}"/>
+          </ac:picMkLst>
+        </pc:picChg>
+      </pc:sldChg>
+      <pc:sldChg chg="delSp modSp add mod">
+        <pc:chgData name="이종은" userId="5cabcc43-02d4-48e1-8252-8be248ae0561" providerId="ADAL" clId="{F49FFAA2-E859-4AF1-9BFA-4B5928811525}" dt="2022-09-14T08:15:39.691" v="171" actId="113"/>
+        <pc:sldMkLst>
+          <pc:docMk/>
+          <pc:sldMk cId="2251233726" sldId="285"/>
+        </pc:sldMkLst>
+        <pc:spChg chg="mod">
+          <ac:chgData name="이종은" userId="5cabcc43-02d4-48e1-8252-8be248ae0561" providerId="ADAL" clId="{F49FFAA2-E859-4AF1-9BFA-4B5928811525}" dt="2022-09-14T08:15:39.691" v="171" actId="113"/>
+          <ac:spMkLst>
+            <pc:docMk/>
+            <pc:sldMk cId="2251233726" sldId="285"/>
+            <ac:spMk id="3" creationId="{25774E92-9B95-4123-B29D-F5E0D6956FCA}"/>
+          </ac:spMkLst>
+        </pc:spChg>
+        <pc:spChg chg="del mod">
+          <ac:chgData name="이종은" userId="5cabcc43-02d4-48e1-8252-8be248ae0561" providerId="ADAL" clId="{F49FFAA2-E859-4AF1-9BFA-4B5928811525}" dt="2022-09-14T08:14:05.803" v="109" actId="478"/>
+          <ac:spMkLst>
+            <pc:docMk/>
+            <pc:sldMk cId="2251233726" sldId="285"/>
+            <ac:spMk id="8" creationId="{D5BEBFE3-1011-5DC5-0059-EB3551F5AEFC}"/>
+          </ac:spMkLst>
+        </pc:spChg>
+        <pc:picChg chg="del">
+          <ac:chgData name="이종은" userId="5cabcc43-02d4-48e1-8252-8be248ae0561" providerId="ADAL" clId="{F49FFAA2-E859-4AF1-9BFA-4B5928811525}" dt="2022-09-14T08:14:04.388" v="107" actId="478"/>
+          <ac:picMkLst>
+            <pc:docMk/>
+            <pc:sldMk cId="2251233726" sldId="285"/>
+            <ac:picMk id="6" creationId="{00CC4BF8-5356-45B6-0C73-BA2F9E112147}"/>
+          </ac:picMkLst>
+        </pc:picChg>
+      </pc:sldChg>
+      <pc:sldChg chg="addSp delSp modSp add mod">
+        <pc:chgData name="이종은" userId="5cabcc43-02d4-48e1-8252-8be248ae0561" providerId="ADAL" clId="{F49FFAA2-E859-4AF1-9BFA-4B5928811525}" dt="2022-09-14T08:41:25.284" v="252" actId="20577"/>
+        <pc:sldMkLst>
+          <pc:docMk/>
+          <pc:sldMk cId="797651847" sldId="286"/>
+        </pc:sldMkLst>
+        <pc:spChg chg="mod">
+          <ac:chgData name="이종은" userId="5cabcc43-02d4-48e1-8252-8be248ae0561" providerId="ADAL" clId="{F49FFAA2-E859-4AF1-9BFA-4B5928811525}" dt="2022-09-14T08:41:25.284" v="252" actId="20577"/>
+          <ac:spMkLst>
+            <pc:docMk/>
+            <pc:sldMk cId="797651847" sldId="286"/>
+            <ac:spMk id="2" creationId="{00000000-0000-0000-0000-000000000000}"/>
+          </ac:spMkLst>
+        </pc:spChg>
+        <pc:picChg chg="del">
+          <ac:chgData name="이종은" userId="5cabcc43-02d4-48e1-8252-8be248ae0561" providerId="ADAL" clId="{F49FFAA2-E859-4AF1-9BFA-4B5928811525}" dt="2022-09-14T08:41:13.887" v="236" actId="478"/>
+          <ac:picMkLst>
+            <pc:docMk/>
+            <pc:sldMk cId="797651847" sldId="286"/>
+            <ac:picMk id="4" creationId="{3690436A-4064-6879-185E-30BA8DA01522}"/>
+          </ac:picMkLst>
+        </pc:picChg>
+        <pc:picChg chg="del">
+          <ac:chgData name="이종은" userId="5cabcc43-02d4-48e1-8252-8be248ae0561" providerId="ADAL" clId="{F49FFAA2-E859-4AF1-9BFA-4B5928811525}" dt="2022-09-14T08:41:14.342" v="237" actId="478"/>
+          <ac:picMkLst>
+            <pc:docMk/>
+            <pc:sldMk cId="797651847" sldId="286"/>
+            <ac:picMk id="8" creationId="{98BF8CA8-2D9D-4721-2083-17CD3C7AD7FE}"/>
+          </ac:picMkLst>
+        </pc:picChg>
+        <pc:picChg chg="add del mod">
+          <ac:chgData name="이종은" userId="5cabcc43-02d4-48e1-8252-8be248ae0561" providerId="ADAL" clId="{F49FFAA2-E859-4AF1-9BFA-4B5928811525}" dt="2022-09-14T08:41:16.577" v="238" actId="1076"/>
+          <ac:picMkLst>
+            <pc:docMk/>
+            <pc:sldMk cId="797651847" sldId="286"/>
+            <ac:picMk id="10" creationId="{6297BBC8-3B2B-C137-D7CC-2B934FFE5B6F}"/>
+          </ac:picMkLst>
+        </pc:picChg>
+      </pc:sldChg>
+    </pc:docChg>
+  </pc:docChgLst>
+</pc:chgInfo>
+</file>
+
 <file path=ppt/notesMasters/notesMaster1.xml><?xml version="1.0" encoding="utf-8"?>
 <p:notesMaster xmlns:a="http://schemas.openxmlformats.org/drawingml/2006/main" xmlns:r="http://schemas.openxmlformats.org/officeDocument/2006/relationships" xmlns:p="http://schemas.openxmlformats.org/presentationml/2006/main">
   <p:cSld>
@@ -212,7 +829,7 @@
           <a:p>
             <a:fld id="{2810F96D-AAED-46B4-9287-2FCAFDFE893C}" type="datetimeFigureOut">
               <a:rPr lang="ko-KR" altLang="en-US" smtClean="0"/>
-              <a:t>2019-04-23</a:t>
+              <a:t>2022-09-14</a:t>
             </a:fld>
             <a:endParaRPr lang="ko-KR" altLang="en-US"/>
           </a:p>
@@ -618,7 +1235,7 @@
           <a:p>
             <a:fld id="{F8D5ED43-C055-4AE5-84AD-C613D5669DDC}" type="datetimeFigureOut">
               <a:rPr lang="ko-KR" altLang="en-US" smtClean="0"/>
-              <a:t>2019-04-23</a:t>
+              <a:t>2022-09-14</a:t>
             </a:fld>
             <a:endParaRPr lang="ko-KR" altLang="en-US"/>
           </a:p>
@@ -860,7 +1477,7 @@
           <a:p>
             <a:fld id="{F8D5ED43-C055-4AE5-84AD-C613D5669DDC}" type="datetimeFigureOut">
               <a:rPr lang="ko-KR" altLang="en-US" smtClean="0"/>
-              <a:t>2019-04-23</a:t>
+              <a:t>2022-09-14</a:t>
             </a:fld>
             <a:endParaRPr lang="ko-KR" altLang="en-US"/>
           </a:p>
@@ -1044,7 +1661,7 @@
           <a:p>
             <a:fld id="{F8D5ED43-C055-4AE5-84AD-C613D5669DDC}" type="datetimeFigureOut">
               <a:rPr lang="ko-KR" altLang="en-US" smtClean="0"/>
-              <a:t>2019-04-23</a:t>
+              <a:t>2022-09-14</a:t>
             </a:fld>
             <a:endParaRPr lang="ko-KR" altLang="en-US"/>
           </a:p>
@@ -1278,7 +1895,7 @@
           <a:p>
             <a:fld id="{F8D5ED43-C055-4AE5-84AD-C613D5669DDC}" type="datetimeFigureOut">
               <a:rPr lang="ko-KR" altLang="en-US" smtClean="0"/>
-              <a:t>2019-04-23</a:t>
+              <a:t>2022-09-14</a:t>
             </a:fld>
             <a:endParaRPr lang="ko-KR" altLang="en-US"/>
           </a:p>
@@ -1569,7 +2186,7 @@
           <a:p>
             <a:fld id="{F8D5ED43-C055-4AE5-84AD-C613D5669DDC}" type="datetimeFigureOut">
               <a:rPr lang="ko-KR" altLang="en-US" smtClean="0"/>
-              <a:t>2019-04-23</a:t>
+              <a:t>2022-09-14</a:t>
             </a:fld>
             <a:endParaRPr lang="ko-KR" altLang="en-US"/>
           </a:p>
@@ -1837,7 +2454,7 @@
           <a:p>
             <a:fld id="{F8D5ED43-C055-4AE5-84AD-C613D5669DDC}" type="datetimeFigureOut">
               <a:rPr lang="ko-KR" altLang="en-US" smtClean="0"/>
-              <a:t>2019-04-23</a:t>
+              <a:t>2022-09-14</a:t>
             </a:fld>
             <a:endParaRPr lang="ko-KR" altLang="en-US"/>
           </a:p>
@@ -2284,7 +2901,7 @@
           <a:p>
             <a:fld id="{F8D5ED43-C055-4AE5-84AD-C613D5669DDC}" type="datetimeFigureOut">
               <a:rPr lang="ko-KR" altLang="en-US" smtClean="0"/>
-              <a:t>2019-04-23</a:t>
+              <a:t>2022-09-14</a:t>
             </a:fld>
             <a:endParaRPr lang="ko-KR" altLang="en-US"/>
           </a:p>
@@ -2433,7 +3050,7 @@
           <a:p>
             <a:fld id="{F8D5ED43-C055-4AE5-84AD-C613D5669DDC}" type="datetimeFigureOut">
               <a:rPr lang="ko-KR" altLang="en-US" smtClean="0"/>
-              <a:t>2019-04-23</a:t>
+              <a:t>2022-09-14</a:t>
             </a:fld>
             <a:endParaRPr lang="ko-KR" altLang="en-US"/>
           </a:p>
@@ -2528,7 +3145,7 @@
           <a:p>
             <a:fld id="{F8D5ED43-C055-4AE5-84AD-C613D5669DDC}" type="datetimeFigureOut">
               <a:rPr lang="ko-KR" altLang="en-US" smtClean="0"/>
-              <a:t>2019-04-23</a:t>
+              <a:t>2022-09-14</a:t>
             </a:fld>
             <a:endParaRPr lang="ko-KR" altLang="en-US"/>
           </a:p>
@@ -2781,7 +3398,7 @@
           <a:p>
             <a:fld id="{F8D5ED43-C055-4AE5-84AD-C613D5669DDC}" type="datetimeFigureOut">
               <a:rPr lang="ko-KR" altLang="en-US" smtClean="0"/>
-              <a:t>2019-04-23</a:t>
+              <a:t>2022-09-14</a:t>
             </a:fld>
             <a:endParaRPr lang="ko-KR" altLang="en-US"/>
           </a:p>
@@ -3226,7 +3843,7 @@
           <a:p>
             <a:fld id="{F8D5ED43-C055-4AE5-84AD-C613D5669DDC}" type="datetimeFigureOut">
               <a:rPr lang="ko-KR" altLang="en-US" smtClean="0"/>
-              <a:t>2019-04-23</a:t>
+              <a:t>2022-09-14</a:t>
             </a:fld>
             <a:endParaRPr lang="ko-KR" altLang="en-US"/>
           </a:p>
@@ -3589,7 +4206,7 @@
           <a:p>
             <a:fld id="{F8D5ED43-C055-4AE5-84AD-C613D5669DDC}" type="datetimeFigureOut">
               <a:rPr lang="ko-KR" altLang="en-US" smtClean="0"/>
-              <a:t>2019-04-23</a:t>
+              <a:t>2022-09-14</a:t>
             </a:fld>
             <a:endParaRPr lang="ko-KR" altLang="en-US"/>
           </a:p>
@@ -4043,7 +4660,7 @@
           <p:cNvPr id="2" name="제목 1">
             <a:extLst>
               <a:ext uri="{FF2B5EF4-FFF2-40B4-BE49-F238E27FC236}">
-                <a16:creationId xmlns:a16="http://schemas.microsoft.com/office/drawing/2014/main" xmlns="" id="{4B3D17DA-BD87-4AE7-8278-816CB9EB3AE9}"/>
+                <a16:creationId xmlns:a16="http://schemas.microsoft.com/office/drawing/2014/main" id="{4B3D17DA-BD87-4AE7-8278-816CB9EB3AE9}"/>
               </a:ext>
             </a:extLst>
           </p:cNvPr>
@@ -4080,7 +4697,7 @@
           <p:cNvPr id="3" name="부제목 2">
             <a:extLst>
               <a:ext uri="{FF2B5EF4-FFF2-40B4-BE49-F238E27FC236}">
-                <a16:creationId xmlns:a16="http://schemas.microsoft.com/office/drawing/2014/main" xmlns="" id="{765BB252-D4A2-475F-82DF-FE843024CC79}"/>
+                <a16:creationId xmlns:a16="http://schemas.microsoft.com/office/drawing/2014/main" id="{765BB252-D4A2-475F-82DF-FE843024CC79}"/>
               </a:ext>
             </a:extLst>
           </p:cNvPr>
@@ -4139,7 +4756,7 @@
           <p:cNvPr id="2" name="제목 1">
             <a:extLst>
               <a:ext uri="{FF2B5EF4-FFF2-40B4-BE49-F238E27FC236}">
-                <a16:creationId xmlns:a16="http://schemas.microsoft.com/office/drawing/2014/main" xmlns="" id="{32A4EF47-FCCA-4723-AF28-1B2DE76CE7E9}"/>
+                <a16:creationId xmlns:a16="http://schemas.microsoft.com/office/drawing/2014/main" id="{32A4EF47-FCCA-4723-AF28-1B2DE76CE7E9}"/>
               </a:ext>
             </a:extLst>
           </p:cNvPr>
@@ -4158,12 +4775,8 @@
           <a:lstStyle/>
           <a:p>
             <a:r>
-              <a:rPr lang="en-US" altLang="ko-KR" dirty="0" smtClean="0"/>
-              <a:t>Rotation (</a:t>
-            </a:r>
-            <a:r>
               <a:rPr lang="en-US" altLang="ko-KR" dirty="0"/>
-              <a:t>by Image center)</a:t>
+              <a:t>Rotation (AROUND Image center)</a:t>
             </a:r>
             <a:endParaRPr lang="ko-KR" altLang="en-US" dirty="0"/>
           </a:p>
@@ -4174,7 +4787,7 @@
           <p:cNvPr id="3" name="내용 개체 틀 2">
             <a:extLst>
               <a:ext uri="{FF2B5EF4-FFF2-40B4-BE49-F238E27FC236}">
-                <a16:creationId xmlns:a16="http://schemas.microsoft.com/office/drawing/2014/main" xmlns="" id="{25774E92-9B95-4123-B29D-F5E0D6956FCA}"/>
+                <a16:creationId xmlns:a16="http://schemas.microsoft.com/office/drawing/2014/main" id="{25774E92-9B95-4123-B29D-F5E0D6956FCA}"/>
               </a:ext>
             </a:extLst>
           </p:cNvPr>
@@ -4216,7 +4829,7 @@
         </p:blipFill>
         <p:spPr>
           <a:xfrm>
-            <a:off x="1967017" y="1863401"/>
+            <a:off x="1937306" y="3468070"/>
             <a:ext cx="5472336" cy="2986462"/>
           </a:xfrm>
           <a:prstGeom prst="rect">
@@ -4232,7 +4845,7 @@
         </p:nvCxnSpPr>
         <p:spPr>
           <a:xfrm>
-            <a:off x="2276017" y="4655853"/>
+            <a:off x="2246306" y="6260522"/>
             <a:ext cx="5087099" cy="0"/>
           </a:xfrm>
           <a:prstGeom prst="line">
@@ -4262,7 +4875,7 @@
         </p:nvSpPr>
         <p:spPr>
           <a:xfrm>
-            <a:off x="5682057" y="4092512"/>
+            <a:off x="5652346" y="5697181"/>
             <a:ext cx="2276018" cy="369332"/>
           </a:xfrm>
           <a:prstGeom prst="rect">
@@ -4277,7 +4890,7 @@
           <a:lstStyle/>
           <a:p>
             <a:r>
-              <a:rPr lang="en-US" altLang="ko-KR" dirty="0" smtClean="0">
+              <a:rPr lang="en-US" altLang="ko-KR" dirty="0">
                 <a:solidFill>
                   <a:srgbClr val="FF0000"/>
                 </a:solidFill>
@@ -4292,179 +4905,14 @@
           </a:p>
         </p:txBody>
       </p:sp>
-      <p:cxnSp>
-        <p:nvCxnSpPr>
-          <p:cNvPr id="10" name="직선 연결선 9"/>
-          <p:cNvCxnSpPr/>
-          <p:nvPr/>
-        </p:nvCxnSpPr>
-        <p:spPr>
-          <a:xfrm>
-            <a:off x="2307962" y="4819567"/>
-            <a:ext cx="1213876" cy="0"/>
-          </a:xfrm>
-          <a:prstGeom prst="line">
-            <a:avLst/>
-          </a:prstGeom>
-        </p:spPr>
-        <p:style>
-          <a:lnRef idx="1">
-            <a:schemeClr val="accent1"/>
-          </a:lnRef>
-          <a:fillRef idx="0">
-            <a:schemeClr val="accent1"/>
-          </a:fillRef>
-          <a:effectRef idx="0">
-            <a:schemeClr val="accent1"/>
-          </a:effectRef>
-          <a:fontRef idx="minor">
-            <a:schemeClr val="tx1"/>
-          </a:fontRef>
-        </p:style>
-      </p:cxnSp>
-      <p:sp>
-        <p:nvSpPr>
-          <p:cNvPr id="11" name="TextBox 10"/>
-          <p:cNvSpPr txBox="1"/>
-          <p:nvPr/>
-        </p:nvSpPr>
-        <p:spPr>
-          <a:xfrm>
-            <a:off x="2033109" y="5296829"/>
-            <a:ext cx="2276018" cy="369332"/>
-          </a:xfrm>
-          <a:prstGeom prst="rect">
-            <a:avLst/>
-          </a:prstGeom>
-          <a:noFill/>
-        </p:spPr>
-        <p:txBody>
-          <a:bodyPr wrap="square" rtlCol="0">
-            <a:spAutoFit/>
-          </a:bodyPr>
-          <a:lstStyle/>
-          <a:p>
-            <a:pPr algn="ctr"/>
-            <a:r>
-              <a:rPr lang="en-US" altLang="ko-KR" dirty="0" smtClean="0">
-                <a:solidFill>
-                  <a:srgbClr val="FF0000"/>
-                </a:solidFill>
-              </a:rPr>
-              <a:t>We need this</a:t>
-            </a:r>
-            <a:endParaRPr lang="ko-KR" altLang="en-US" dirty="0">
-              <a:solidFill>
-                <a:srgbClr val="FF0000"/>
-              </a:solidFill>
-            </a:endParaRPr>
-          </a:p>
-        </p:txBody>
-      </p:sp>
-      <p:cxnSp>
-        <p:nvCxnSpPr>
-          <p:cNvPr id="13" name="직선 화살표 연결선 12"/>
-          <p:cNvCxnSpPr>
-            <a:stCxn id="11" idx="0"/>
-          </p:cNvCxnSpPr>
-          <p:nvPr/>
-        </p:nvCxnSpPr>
-        <p:spPr>
-          <a:xfrm flipH="1" flipV="1">
-            <a:off x="2914900" y="4819567"/>
-            <a:ext cx="256218" cy="477262"/>
-          </a:xfrm>
-          <a:prstGeom prst="straightConnector1">
-            <a:avLst/>
-          </a:prstGeom>
-          <a:ln>
-            <a:tailEnd type="triangle"/>
-          </a:ln>
-        </p:spPr>
-        <p:style>
-          <a:lnRef idx="1">
-            <a:schemeClr val="accent1"/>
-          </a:lnRef>
-          <a:fillRef idx="0">
-            <a:schemeClr val="accent1"/>
-          </a:fillRef>
-          <a:effectRef idx="0">
-            <a:schemeClr val="accent1"/>
-          </a:effectRef>
-          <a:fontRef idx="minor">
-            <a:schemeClr val="tx1"/>
-          </a:fontRef>
-        </p:style>
-      </p:cxnSp>
-    </p:spTree>
-    <p:extLst>
-      <p:ext uri="{BB962C8B-B14F-4D97-AF65-F5344CB8AC3E}">
-        <p14:creationId xmlns:p14="http://schemas.microsoft.com/office/powerpoint/2010/main" val="2509231647"/>
-      </p:ext>
-    </p:extLst>
-  </p:cSld>
-  <p:clrMapOvr>
-    <a:masterClrMapping/>
-  </p:clrMapOvr>
-</p:sld>
-</file>
-
-<file path=ppt/slides/slide11.xml><?xml version="1.0" encoding="utf-8"?>
-<p:sld xmlns:a="http://schemas.openxmlformats.org/drawingml/2006/main" xmlns:r="http://schemas.openxmlformats.org/officeDocument/2006/relationships" xmlns:p="http://schemas.openxmlformats.org/presentationml/2006/main">
-  <p:cSld>
-    <p:spTree>
-      <p:nvGrpSpPr>
-        <p:cNvPr id="1" name=""/>
-        <p:cNvGrpSpPr/>
-        <p:nvPr/>
-      </p:nvGrpSpPr>
-      <p:grpSpPr>
-        <a:xfrm>
-          <a:off x="0" y="0"/>
-          <a:ext cx="0" cy="0"/>
-          <a:chOff x="0" y="0"/>
-          <a:chExt cx="0" cy="0"/>
-        </a:xfrm>
-      </p:grpSpPr>
-      <p:sp>
-        <p:nvSpPr>
-          <p:cNvPr id="2" name="제목 1">
-            <a:extLst>
-              <a:ext uri="{FF2B5EF4-FFF2-40B4-BE49-F238E27FC236}">
-                <a16:creationId xmlns:a16="http://schemas.microsoft.com/office/drawing/2014/main" xmlns="" id="{32A4EF47-FCCA-4723-AF28-1B2DE76CE7E9}"/>
-              </a:ext>
-            </a:extLst>
-          </p:cNvPr>
-          <p:cNvSpPr>
-            <a:spLocks noGrp="1"/>
-          </p:cNvSpPr>
-          <p:nvPr>
-            <p:ph type="title"/>
-          </p:nvPr>
-        </p:nvSpPr>
-        <p:spPr/>
-        <p:txBody>
-          <a:bodyPr>
-            <a:normAutofit fontScale="90000"/>
-          </a:bodyPr>
-          <a:lstStyle/>
-          <a:p>
-            <a:r>
-              <a:rPr lang="en-US" altLang="ko-KR" dirty="0" smtClean="0"/>
-              <a:t>Scaling</a:t>
-            </a:r>
-            <a:endParaRPr lang="ko-KR" altLang="en-US" dirty="0"/>
-          </a:p>
-        </p:txBody>
-      </p:sp>
-      <mc:AlternateContent xmlns:mc="http://schemas.openxmlformats.org/markup-compatibility/2006">
-        <mc:Choice xmlns:a14="http://schemas.microsoft.com/office/drawing/2010/main" Requires="a14">
+      <mc:AlternateContent xmlns:mc="http://schemas.openxmlformats.org/markup-compatibility/2006" xmlns:a14="http://schemas.microsoft.com/office/drawing/2010/main">
+        <mc:Choice Requires="a14">
           <p:sp>
             <p:nvSpPr>
-              <p:cNvPr id="9" name="TextBox 8">
+              <p:cNvPr id="17" name="TextBox 16">
                 <a:extLst>
                   <a:ext uri="{FF2B5EF4-FFF2-40B4-BE49-F238E27FC236}">
-                    <a16:creationId xmlns:a16="http://schemas.microsoft.com/office/drawing/2014/main" xmlns="" id="{B16A8EC2-8A6D-44D2-9EDE-EF34BC7617C6}"/>
+                    <a16:creationId xmlns:a16="http://schemas.microsoft.com/office/drawing/2014/main" id="{C2899139-778B-81BD-B62E-A5549B36EC38}"/>
                   </a:ext>
                 </a:extLst>
               </p:cNvPr>
@@ -4473,2127 +4921,8 @@
             </p:nvSpPr>
             <p:spPr>
               <a:xfrm>
-                <a:off x="3406865" y="1316859"/>
-                <a:ext cx="2282355" cy="1526700"/>
-              </a:xfrm>
-              <a:prstGeom prst="rect">
-                <a:avLst/>
-              </a:prstGeom>
-              <a:noFill/>
-            </p:spPr>
-            <p:txBody>
-              <a:bodyPr wrap="none" rtlCol="0">
-                <a:spAutoFit/>
-              </a:bodyPr>
-              <a:lstStyle/>
-              <a:p>
-                <a:pPr algn="ctr"/>
-                <a:r>
-                  <a:rPr lang="en-US" altLang="ko-KR" dirty="0"/>
-                  <a:t>Transformation matrix</a:t>
-                </a:r>
-              </a:p>
-              <a:p>
-                <a:pPr algn="ctr"/>
-                <a:endParaRPr lang="en-US" altLang="ko-KR" dirty="0"/>
-              </a:p>
-              <a:p>
-                <a14:m>
-                  <m:oMathPara xmlns:m="http://schemas.openxmlformats.org/officeDocument/2006/math">
-                    <m:oMathParaPr>
-                      <m:jc m:val="centerGroup"/>
-                    </m:oMathParaPr>
-                    <m:oMath xmlns:m="http://schemas.openxmlformats.org/officeDocument/2006/math">
-                      <m:d>
-                        <m:dPr>
-                          <m:begChr m:val="["/>
-                          <m:endChr m:val="]"/>
-                          <m:ctrlPr>
-                            <a:rPr lang="en-US" altLang="ko-KR" i="1">
-                              <a:latin typeface="Cambria Math" panose="02040503050406030204" pitchFamily="18" charset="0"/>
-                            </a:rPr>
-                          </m:ctrlPr>
-                        </m:dPr>
-                        <m:e>
-                          <m:m>
-                            <m:mPr>
-                              <m:mcs>
-                                <m:mc>
-                                  <m:mcPr>
-                                    <m:count m:val="3"/>
-                                    <m:mcJc m:val="center"/>
-                                  </m:mcPr>
-                                </m:mc>
-                              </m:mcs>
-                              <m:ctrlPr>
-                                <a:rPr lang="en-US" altLang="ko-KR" i="1">
-                                  <a:latin typeface="Cambria Math" panose="02040503050406030204" pitchFamily="18" charset="0"/>
-                                </a:rPr>
-                              </m:ctrlPr>
-                            </m:mPr>
-                            <m:mr>
-                              <m:e>
-                                <m:sSub>
-                                  <m:sSubPr>
-                                    <m:ctrlPr>
-                                      <a:rPr lang="en-US" altLang="ko-KR" i="1">
-                                        <a:latin typeface="Cambria Math" panose="02040503050406030204" pitchFamily="18" charset="0"/>
-                                      </a:rPr>
-                                    </m:ctrlPr>
-                                  </m:sSubPr>
-                                  <m:e>
-                                    <m:r>
-                                      <a:rPr lang="en-US" altLang="ko-KR" i="1">
-                                        <a:latin typeface="Cambria Math" panose="02040503050406030204" pitchFamily="18" charset="0"/>
-                                      </a:rPr>
-                                      <m:t>𝑠</m:t>
-                                    </m:r>
-                                  </m:e>
-                                  <m:sub>
-                                    <m:r>
-                                      <a:rPr lang="en-US" altLang="ko-KR" i="1">
-                                        <a:latin typeface="Cambria Math" panose="02040503050406030204" pitchFamily="18" charset="0"/>
-                                      </a:rPr>
-                                      <m:t>𝑥</m:t>
-                                    </m:r>
-                                  </m:sub>
-                                </m:sSub>
-                              </m:e>
-                              <m:e>
-                                <m:r>
-                                  <a:rPr lang="en-US" altLang="ko-KR" i="1">
-                                    <a:latin typeface="Cambria Math" panose="02040503050406030204" pitchFamily="18" charset="0"/>
-                                  </a:rPr>
-                                  <m:t>0</m:t>
-                                </m:r>
-                              </m:e>
-                              <m:e>
-                                <m:r>
-                                  <a:rPr lang="en-US" altLang="ko-KR" i="1">
-                                    <a:latin typeface="Cambria Math" panose="02040503050406030204" pitchFamily="18" charset="0"/>
-                                  </a:rPr>
-                                  <m:t>0</m:t>
-                                </m:r>
-                              </m:e>
-                            </m:mr>
-                            <m:mr>
-                              <m:e>
-                                <m:r>
-                                  <a:rPr lang="en-US" altLang="ko-KR" i="1">
-                                    <a:latin typeface="Cambria Math" panose="02040503050406030204" pitchFamily="18" charset="0"/>
-                                  </a:rPr>
-                                  <m:t>0</m:t>
-                                </m:r>
-                              </m:e>
-                              <m:e>
-                                <m:sSub>
-                                  <m:sSubPr>
-                                    <m:ctrlPr>
-                                      <a:rPr lang="en-US" altLang="ko-KR" i="1">
-                                        <a:latin typeface="Cambria Math" panose="02040503050406030204" pitchFamily="18" charset="0"/>
-                                      </a:rPr>
-                                    </m:ctrlPr>
-                                  </m:sSubPr>
-                                  <m:e>
-                                    <m:r>
-                                      <a:rPr lang="en-US" altLang="ko-KR" i="1">
-                                        <a:latin typeface="Cambria Math" panose="02040503050406030204" pitchFamily="18" charset="0"/>
-                                      </a:rPr>
-                                      <m:t>𝑠</m:t>
-                                    </m:r>
-                                  </m:e>
-                                  <m:sub>
-                                    <m:r>
-                                      <a:rPr lang="en-US" altLang="ko-KR" i="1">
-                                        <a:latin typeface="Cambria Math" panose="02040503050406030204" pitchFamily="18" charset="0"/>
-                                      </a:rPr>
-                                      <m:t>𝑦</m:t>
-                                    </m:r>
-                                  </m:sub>
-                                </m:sSub>
-                              </m:e>
-                              <m:e>
-                                <m:r>
-                                  <a:rPr lang="en-US" altLang="ko-KR" i="1">
-                                    <a:latin typeface="Cambria Math" panose="02040503050406030204" pitchFamily="18" charset="0"/>
-                                  </a:rPr>
-                                  <m:t>0</m:t>
-                                </m:r>
-                              </m:e>
-                            </m:mr>
-                            <m:mr>
-                              <m:e>
-                                <m:r>
-                                  <a:rPr lang="en-US" altLang="ko-KR" i="1">
-                                    <a:latin typeface="Cambria Math" panose="02040503050406030204" pitchFamily="18" charset="0"/>
-                                  </a:rPr>
-                                  <m:t>0</m:t>
-                                </m:r>
-                              </m:e>
-                              <m:e>
-                                <m:r>
-                                  <a:rPr lang="en-US" altLang="ko-KR" i="1">
-                                    <a:latin typeface="Cambria Math" panose="02040503050406030204" pitchFamily="18" charset="0"/>
-                                  </a:rPr>
-                                  <m:t>0</m:t>
-                                </m:r>
-                              </m:e>
-                              <m:e>
-                                <m:r>
-                                  <a:rPr lang="en-US" altLang="ko-KR" i="1">
-                                    <a:latin typeface="Cambria Math" panose="02040503050406030204" pitchFamily="18" charset="0"/>
-                                  </a:rPr>
-                                  <m:t>1</m:t>
-                                </m:r>
-                              </m:e>
-                            </m:mr>
-                          </m:m>
-                        </m:e>
-                      </m:d>
-                      <m:r>
-                        <m:rPr>
-                          <m:nor/>
-                        </m:rPr>
-                        <a:rPr lang="ko-KR" altLang="en-US" dirty="0"/>
-                        <m:t> </m:t>
-                      </m:r>
-                    </m:oMath>
-                  </m:oMathPara>
-                </a14:m>
-                <a:endParaRPr lang="ko-KR" altLang="en-US" dirty="0"/>
-              </a:p>
-            </p:txBody>
-          </p:sp>
-        </mc:Choice>
-        <mc:Fallback>
-          <p:sp>
-            <p:nvSpPr>
-              <p:cNvPr id="9" name="TextBox 8">
-                <a:extLst>
-                  <a:ext uri="{FF2B5EF4-FFF2-40B4-BE49-F238E27FC236}">
-                    <a16:creationId xmlns:a16="http://schemas.microsoft.com/office/drawing/2014/main" xmlns:a14="http://schemas.microsoft.com/office/drawing/2010/main" xmlns="" id="{B16A8EC2-8A6D-44D2-9EDE-EF34BC7617C6}"/>
-                  </a:ext>
-                </a:extLst>
-              </p:cNvPr>
-              <p:cNvSpPr txBox="1">
-                <a:spLocks noRot="1" noChangeAspect="1" noMove="1" noResize="1" noEditPoints="1" noAdjustHandles="1" noChangeArrowheads="1" noChangeShapeType="1" noTextEdit="1"/>
-              </p:cNvSpPr>
-              <p:nvPr/>
-            </p:nvSpPr>
-            <p:spPr>
-              <a:xfrm>
-                <a:off x="3406865" y="1316859"/>
-                <a:ext cx="2282355" cy="1526700"/>
-              </a:xfrm>
-              <a:prstGeom prst="rect">
-                <a:avLst/>
-              </a:prstGeom>
-              <a:blipFill rotWithShape="0">
-                <a:blip r:embed="rId2"/>
-                <a:stretch>
-                  <a:fillRect l="-2139" t="-2000" r="-1872"/>
-                </a:stretch>
-              </a:blipFill>
-            </p:spPr>
-            <p:txBody>
-              <a:bodyPr/>
-              <a:lstStyle/>
-              <a:p>
-                <a:r>
-                  <a:rPr lang="ko-KR" altLang="en-US">
-                    <a:noFill/>
-                  </a:rPr>
-                  <a:t> </a:t>
-                </a:r>
-              </a:p>
-            </p:txBody>
-          </p:sp>
-        </mc:Fallback>
-      </mc:AlternateContent>
-      <p:pic>
-        <p:nvPicPr>
-          <p:cNvPr id="4" name="그림 3"/>
-          <p:cNvPicPr>
-            <a:picLocks noChangeAspect="1"/>
-          </p:cNvPicPr>
-          <p:nvPr/>
-        </p:nvPicPr>
-        <p:blipFill rotWithShape="1">
-          <a:blip r:embed="rId3">
-            <a:extLst>
-              <a:ext uri="{28A0092B-C50C-407E-A947-70E740481C1C}">
-                <a14:useLocalDpi xmlns:a14="http://schemas.microsoft.com/office/drawing/2010/main" val="0"/>
-              </a:ext>
-            </a:extLst>
-          </a:blip>
-          <a:srcRect t="23052" b="19519"/>
-          <a:stretch/>
-        </p:blipFill>
-        <p:spPr>
-          <a:xfrm>
-            <a:off x="1621956" y="2994759"/>
-            <a:ext cx="5852172" cy="2499627"/>
-          </a:xfrm>
-          <a:prstGeom prst="rect">
-            <a:avLst/>
-          </a:prstGeom>
-        </p:spPr>
-      </p:pic>
-    </p:spTree>
-    <p:extLst>
-      <p:ext uri="{BB962C8B-B14F-4D97-AF65-F5344CB8AC3E}">
-        <p14:creationId xmlns:p14="http://schemas.microsoft.com/office/powerpoint/2010/main" val="221037909"/>
-      </p:ext>
-    </p:extLst>
-  </p:cSld>
-  <p:clrMapOvr>
-    <a:masterClrMapping/>
-  </p:clrMapOvr>
-</p:sld>
-</file>
-
-<file path=ppt/slides/slide12.xml><?xml version="1.0" encoding="utf-8"?>
-<p:sld xmlns:a="http://schemas.openxmlformats.org/drawingml/2006/main" xmlns:r="http://schemas.openxmlformats.org/officeDocument/2006/relationships" xmlns:p="http://schemas.openxmlformats.org/presentationml/2006/main">
-  <p:cSld>
-    <p:spTree>
-      <p:nvGrpSpPr>
-        <p:cNvPr id="1" name=""/>
-        <p:cNvGrpSpPr/>
-        <p:nvPr/>
-      </p:nvGrpSpPr>
-      <p:grpSpPr>
-        <a:xfrm>
-          <a:off x="0" y="0"/>
-          <a:ext cx="0" cy="0"/>
-          <a:chOff x="0" y="0"/>
-          <a:chExt cx="0" cy="0"/>
-        </a:xfrm>
-      </p:grpSpPr>
-      <p:sp>
-        <p:nvSpPr>
-          <p:cNvPr id="2" name="제목 1">
-            <a:extLst>
-              <a:ext uri="{FF2B5EF4-FFF2-40B4-BE49-F238E27FC236}">
-                <a16:creationId xmlns:a16="http://schemas.microsoft.com/office/drawing/2014/main" xmlns="" id="{32A4EF47-FCCA-4723-AF28-1B2DE76CE7E9}"/>
-              </a:ext>
-            </a:extLst>
-          </p:cNvPr>
-          <p:cNvSpPr>
-            <a:spLocks noGrp="1"/>
-          </p:cNvSpPr>
-          <p:nvPr>
-            <p:ph type="title"/>
-          </p:nvPr>
-        </p:nvSpPr>
-        <p:spPr/>
-        <p:txBody>
-          <a:bodyPr>
-            <a:normAutofit fontScale="90000"/>
-          </a:bodyPr>
-          <a:lstStyle/>
-          <a:p>
-            <a:r>
-              <a:rPr lang="en-US" altLang="ko-KR" dirty="0"/>
-              <a:t>Scaling</a:t>
-            </a:r>
-            <a:endParaRPr lang="ko-KR" altLang="en-US" dirty="0"/>
-          </a:p>
-        </p:txBody>
-      </p:sp>
-      <p:sp>
-        <p:nvSpPr>
-          <p:cNvPr id="3" name="내용 개체 틀 2">
-            <a:extLst>
-              <a:ext uri="{FF2B5EF4-FFF2-40B4-BE49-F238E27FC236}">
-                <a16:creationId xmlns:a16="http://schemas.microsoft.com/office/drawing/2014/main" xmlns="" id="{25774E92-9B95-4123-B29D-F5E0D6956FCA}"/>
-              </a:ext>
-            </a:extLst>
-          </p:cNvPr>
-          <p:cNvSpPr>
-            <a:spLocks noGrp="1"/>
-          </p:cNvSpPr>
-          <p:nvPr>
-            <p:ph idx="1"/>
-          </p:nvPr>
-        </p:nvSpPr>
-        <p:spPr/>
-        <p:txBody>
-          <a:bodyPr>
-            <a:normAutofit/>
-          </a:bodyPr>
-          <a:lstStyle/>
-          <a:p>
-            <a:r>
-              <a:rPr lang="en-US" altLang="ko-KR" sz="2000" dirty="0"/>
-              <a:t>Define transformation matrix</a:t>
-            </a:r>
-            <a:endParaRPr lang="ko-KR" altLang="en-US" sz="2000" dirty="0"/>
-          </a:p>
-        </p:txBody>
-      </p:sp>
-      <p:pic>
-        <p:nvPicPr>
-          <p:cNvPr id="5" name="그림 4"/>
-          <p:cNvPicPr>
-            <a:picLocks noChangeAspect="1"/>
-          </p:cNvPicPr>
-          <p:nvPr/>
-        </p:nvPicPr>
-        <p:blipFill>
-          <a:blip r:embed="rId2"/>
-          <a:stretch>
-            <a:fillRect/>
-          </a:stretch>
-        </p:blipFill>
-        <p:spPr>
-          <a:xfrm>
-            <a:off x="1353943" y="2683215"/>
-            <a:ext cx="6057089" cy="1554723"/>
-          </a:xfrm>
-          <a:prstGeom prst="rect">
-            <a:avLst/>
-          </a:prstGeom>
-        </p:spPr>
-      </p:pic>
-    </p:spTree>
-    <p:extLst>
-      <p:ext uri="{BB962C8B-B14F-4D97-AF65-F5344CB8AC3E}">
-        <p14:creationId xmlns:p14="http://schemas.microsoft.com/office/powerpoint/2010/main" val="2602312986"/>
-      </p:ext>
-    </p:extLst>
-  </p:cSld>
-  <p:clrMapOvr>
-    <a:masterClrMapping/>
-  </p:clrMapOvr>
-</p:sld>
-</file>
-
-<file path=ppt/slides/slide13.xml><?xml version="1.0" encoding="utf-8"?>
-<p:sld xmlns:a="http://schemas.openxmlformats.org/drawingml/2006/main" xmlns:r="http://schemas.openxmlformats.org/officeDocument/2006/relationships" xmlns:p="http://schemas.openxmlformats.org/presentationml/2006/main">
-  <p:cSld>
-    <p:spTree>
-      <p:nvGrpSpPr>
-        <p:cNvPr id="1" name=""/>
-        <p:cNvGrpSpPr/>
-        <p:nvPr/>
-      </p:nvGrpSpPr>
-      <p:grpSpPr>
-        <a:xfrm>
-          <a:off x="0" y="0"/>
-          <a:ext cx="0" cy="0"/>
-          <a:chOff x="0" y="0"/>
-          <a:chExt cx="0" cy="0"/>
-        </a:xfrm>
-      </p:grpSpPr>
-      <p:sp>
-        <p:nvSpPr>
-          <p:cNvPr id="2" name="제목 1">
-            <a:extLst>
-              <a:ext uri="{FF2B5EF4-FFF2-40B4-BE49-F238E27FC236}">
-                <a16:creationId xmlns:a16="http://schemas.microsoft.com/office/drawing/2014/main" xmlns="" id="{32A4EF47-FCCA-4723-AF28-1B2DE76CE7E9}"/>
-              </a:ext>
-            </a:extLst>
-          </p:cNvPr>
-          <p:cNvSpPr>
-            <a:spLocks noGrp="1"/>
-          </p:cNvSpPr>
-          <p:nvPr>
-            <p:ph type="title"/>
-          </p:nvPr>
-        </p:nvSpPr>
-        <p:spPr/>
-        <p:txBody>
-          <a:bodyPr>
-            <a:normAutofit fontScale="90000"/>
-          </a:bodyPr>
-          <a:lstStyle/>
-          <a:p>
-            <a:r>
-              <a:rPr lang="en-US" altLang="ko-KR" dirty="0" smtClean="0"/>
-              <a:t>Shearing</a:t>
-            </a:r>
-            <a:endParaRPr lang="ko-KR" altLang="en-US" dirty="0"/>
-          </a:p>
-        </p:txBody>
-      </p:sp>
-      <mc:AlternateContent xmlns:mc="http://schemas.openxmlformats.org/markup-compatibility/2006">
-        <mc:Choice xmlns:a14="http://schemas.microsoft.com/office/drawing/2010/main" Requires="a14">
-          <p:sp>
-            <p:nvSpPr>
-              <p:cNvPr id="9" name="TextBox 8">
-                <a:extLst>
-                  <a:ext uri="{FF2B5EF4-FFF2-40B4-BE49-F238E27FC236}">
-                    <a16:creationId xmlns:a16="http://schemas.microsoft.com/office/drawing/2014/main" xmlns="" id="{B16A8EC2-8A6D-44D2-9EDE-EF34BC7617C6}"/>
-                  </a:ext>
-                </a:extLst>
-              </p:cNvPr>
-              <p:cNvSpPr txBox="1"/>
-              <p:nvPr/>
-            </p:nvSpPr>
-            <p:spPr>
-              <a:xfrm>
-                <a:off x="3406865" y="1316859"/>
-                <a:ext cx="2282355" cy="1526700"/>
-              </a:xfrm>
-              <a:prstGeom prst="rect">
-                <a:avLst/>
-              </a:prstGeom>
-              <a:noFill/>
-            </p:spPr>
-            <p:txBody>
-              <a:bodyPr wrap="none" rtlCol="0">
-                <a:spAutoFit/>
-              </a:bodyPr>
-              <a:lstStyle/>
-              <a:p>
-                <a:pPr algn="ctr"/>
-                <a:r>
-                  <a:rPr lang="en-US" altLang="ko-KR" dirty="0"/>
-                  <a:t>Transformation matrix</a:t>
-                </a:r>
-              </a:p>
-              <a:p>
-                <a:pPr algn="ctr"/>
-                <a:endParaRPr lang="en-US" altLang="ko-KR" dirty="0"/>
-              </a:p>
-              <a:p>
-                <a14:m>
-                  <m:oMathPara xmlns:m="http://schemas.openxmlformats.org/officeDocument/2006/math">
-                    <m:oMathParaPr>
-                      <m:jc m:val="centerGroup"/>
-                    </m:oMathParaPr>
-                    <m:oMath xmlns:m="http://schemas.openxmlformats.org/officeDocument/2006/math">
-                      <m:d>
-                        <m:dPr>
-                          <m:begChr m:val="["/>
-                          <m:endChr m:val="]"/>
-                          <m:ctrlPr>
-                            <a:rPr lang="en-US" altLang="ko-KR" i="1">
-                              <a:latin typeface="Cambria Math" panose="02040503050406030204" pitchFamily="18" charset="0"/>
-                            </a:rPr>
-                          </m:ctrlPr>
-                        </m:dPr>
-                        <m:e>
-                          <m:m>
-                            <m:mPr>
-                              <m:mcs>
-                                <m:mc>
-                                  <m:mcPr>
-                                    <m:count m:val="3"/>
-                                    <m:mcJc m:val="center"/>
-                                  </m:mcPr>
-                                </m:mc>
-                              </m:mcs>
-                              <m:ctrlPr>
-                                <a:rPr lang="en-US" altLang="ko-KR" i="1">
-                                  <a:latin typeface="Cambria Math" panose="02040503050406030204" pitchFamily="18" charset="0"/>
-                                </a:rPr>
-                              </m:ctrlPr>
-                            </m:mPr>
-                            <m:mr>
-                              <m:e>
-                                <m:r>
-                                  <a:rPr lang="en-US" altLang="ko-KR" i="1">
-                                    <a:latin typeface="Cambria Math" panose="02040503050406030204" pitchFamily="18" charset="0"/>
-                                  </a:rPr>
-                                  <m:t>1</m:t>
-                                </m:r>
-                              </m:e>
-                              <m:e>
-                                <m:r>
-                                  <a:rPr lang="en-US" altLang="ko-KR" i="1">
-                                    <a:latin typeface="Cambria Math" panose="02040503050406030204" pitchFamily="18" charset="0"/>
-                                  </a:rPr>
-                                  <m:t>𝑠</m:t>
-                                </m:r>
-                                <m:sSub>
-                                  <m:sSubPr>
-                                    <m:ctrlPr>
-                                      <a:rPr lang="en-US" altLang="ko-KR" i="1">
-                                        <a:latin typeface="Cambria Math" panose="02040503050406030204" pitchFamily="18" charset="0"/>
-                                      </a:rPr>
-                                    </m:ctrlPr>
-                                  </m:sSubPr>
-                                  <m:e>
-                                    <m:r>
-                                      <a:rPr lang="en-US" altLang="ko-KR" i="1">
-                                        <a:latin typeface="Cambria Math" panose="02040503050406030204" pitchFamily="18" charset="0"/>
-                                      </a:rPr>
-                                      <m:t>h</m:t>
-                                    </m:r>
-                                  </m:e>
-                                  <m:sub>
-                                    <m:r>
-                                      <a:rPr lang="en-US" altLang="ko-KR" i="1">
-                                        <a:latin typeface="Cambria Math" panose="02040503050406030204" pitchFamily="18" charset="0"/>
-                                      </a:rPr>
-                                      <m:t>𝑦</m:t>
-                                    </m:r>
-                                  </m:sub>
-                                </m:sSub>
-                              </m:e>
-                              <m:e>
-                                <m:r>
-                                  <a:rPr lang="en-US" altLang="ko-KR" i="1">
-                                    <a:latin typeface="Cambria Math" panose="02040503050406030204" pitchFamily="18" charset="0"/>
-                                  </a:rPr>
-                                  <m:t>0</m:t>
-                                </m:r>
-                              </m:e>
-                            </m:mr>
-                            <m:mr>
-                              <m:e>
-                                <m:r>
-                                  <a:rPr lang="en-US" altLang="ko-KR" i="1">
-                                    <a:latin typeface="Cambria Math" panose="02040503050406030204" pitchFamily="18" charset="0"/>
-                                  </a:rPr>
-                                  <m:t>𝑠</m:t>
-                                </m:r>
-                                <m:sSub>
-                                  <m:sSubPr>
-                                    <m:ctrlPr>
-                                      <a:rPr lang="en-US" altLang="ko-KR" i="1">
-                                        <a:latin typeface="Cambria Math" panose="02040503050406030204" pitchFamily="18" charset="0"/>
-                                      </a:rPr>
-                                    </m:ctrlPr>
-                                  </m:sSubPr>
-                                  <m:e>
-                                    <m:r>
-                                      <a:rPr lang="en-US" altLang="ko-KR" i="1">
-                                        <a:latin typeface="Cambria Math" panose="02040503050406030204" pitchFamily="18" charset="0"/>
-                                      </a:rPr>
-                                      <m:t>h</m:t>
-                                    </m:r>
-                                  </m:e>
-                                  <m:sub>
-                                    <m:r>
-                                      <a:rPr lang="en-US" altLang="ko-KR" i="1">
-                                        <a:latin typeface="Cambria Math" panose="02040503050406030204" pitchFamily="18" charset="0"/>
-                                      </a:rPr>
-                                      <m:t>𝑥</m:t>
-                                    </m:r>
-                                  </m:sub>
-                                </m:sSub>
-                              </m:e>
-                              <m:e>
-                                <m:r>
-                                  <a:rPr lang="en-US" altLang="ko-KR" i="1">
-                                    <a:latin typeface="Cambria Math" panose="02040503050406030204" pitchFamily="18" charset="0"/>
-                                  </a:rPr>
-                                  <m:t>1</m:t>
-                                </m:r>
-                              </m:e>
-                              <m:e>
-                                <m:r>
-                                  <a:rPr lang="en-US" altLang="ko-KR" i="1">
-                                    <a:latin typeface="Cambria Math" panose="02040503050406030204" pitchFamily="18" charset="0"/>
-                                  </a:rPr>
-                                  <m:t>0</m:t>
-                                </m:r>
-                              </m:e>
-                            </m:mr>
-                            <m:mr>
-                              <m:e>
-                                <m:r>
-                                  <a:rPr lang="en-US" altLang="ko-KR" i="1">
-                                    <a:latin typeface="Cambria Math" panose="02040503050406030204" pitchFamily="18" charset="0"/>
-                                  </a:rPr>
-                                  <m:t>0</m:t>
-                                </m:r>
-                              </m:e>
-                              <m:e>
-                                <m:r>
-                                  <a:rPr lang="en-US" altLang="ko-KR" i="1">
-                                    <a:latin typeface="Cambria Math" panose="02040503050406030204" pitchFamily="18" charset="0"/>
-                                  </a:rPr>
-                                  <m:t>0</m:t>
-                                </m:r>
-                              </m:e>
-                              <m:e>
-                                <m:r>
-                                  <a:rPr lang="en-US" altLang="ko-KR" i="1">
-                                    <a:latin typeface="Cambria Math" panose="02040503050406030204" pitchFamily="18" charset="0"/>
-                                  </a:rPr>
-                                  <m:t>1</m:t>
-                                </m:r>
-                              </m:e>
-                            </m:mr>
-                          </m:m>
-                        </m:e>
-                      </m:d>
-                      <m:r>
-                        <m:rPr>
-                          <m:nor/>
-                        </m:rPr>
-                        <a:rPr lang="ko-KR" altLang="en-US" dirty="0"/>
-                        <m:t> </m:t>
-                      </m:r>
-                    </m:oMath>
-                  </m:oMathPara>
-                </a14:m>
-                <a:endParaRPr lang="ko-KR" altLang="en-US" dirty="0"/>
-              </a:p>
-            </p:txBody>
-          </p:sp>
-        </mc:Choice>
-        <mc:Fallback>
-          <p:sp>
-            <p:nvSpPr>
-              <p:cNvPr id="9" name="TextBox 8">
-                <a:extLst>
-                  <a:ext uri="{FF2B5EF4-FFF2-40B4-BE49-F238E27FC236}">
-                    <a16:creationId xmlns:a16="http://schemas.microsoft.com/office/drawing/2014/main" xmlns:a14="http://schemas.microsoft.com/office/drawing/2010/main" xmlns="" id="{B16A8EC2-8A6D-44D2-9EDE-EF34BC7617C6}"/>
-                  </a:ext>
-                </a:extLst>
-              </p:cNvPr>
-              <p:cNvSpPr txBox="1">
-                <a:spLocks noRot="1" noChangeAspect="1" noMove="1" noResize="1" noEditPoints="1" noAdjustHandles="1" noChangeArrowheads="1" noChangeShapeType="1" noTextEdit="1"/>
-              </p:cNvSpPr>
-              <p:nvPr/>
-            </p:nvSpPr>
-            <p:spPr>
-              <a:xfrm>
-                <a:off x="3406865" y="1316859"/>
-                <a:ext cx="2282355" cy="1526700"/>
-              </a:xfrm>
-              <a:prstGeom prst="rect">
-                <a:avLst/>
-              </a:prstGeom>
-              <a:blipFill rotWithShape="0">
-                <a:blip r:embed="rId2"/>
-                <a:stretch>
-                  <a:fillRect l="-2139" t="-2000" r="-1872"/>
-                </a:stretch>
-              </a:blipFill>
-            </p:spPr>
-            <p:txBody>
-              <a:bodyPr/>
-              <a:lstStyle/>
-              <a:p>
-                <a:r>
-                  <a:rPr lang="ko-KR" altLang="en-US">
-                    <a:noFill/>
-                  </a:rPr>
-                  <a:t> </a:t>
-                </a:r>
-              </a:p>
-            </p:txBody>
-          </p:sp>
-        </mc:Fallback>
-      </mc:AlternateContent>
-      <p:pic>
-        <p:nvPicPr>
-          <p:cNvPr id="3" name="그림 2"/>
-          <p:cNvPicPr>
-            <a:picLocks noChangeAspect="1"/>
-          </p:cNvPicPr>
-          <p:nvPr/>
-        </p:nvPicPr>
-        <p:blipFill rotWithShape="1">
-          <a:blip r:embed="rId3">
-            <a:extLst>
-              <a:ext uri="{28A0092B-C50C-407E-A947-70E740481C1C}">
-                <a14:useLocalDpi xmlns:a14="http://schemas.microsoft.com/office/drawing/2010/main" val="0"/>
-              </a:ext>
-            </a:extLst>
-          </a:blip>
-          <a:srcRect t="23602" b="19061"/>
-          <a:stretch/>
-        </p:blipFill>
-        <p:spPr>
-          <a:xfrm>
-            <a:off x="1621956" y="3082606"/>
-            <a:ext cx="5852172" cy="2495634"/>
-          </a:xfrm>
-          <a:prstGeom prst="rect">
-            <a:avLst/>
-          </a:prstGeom>
-        </p:spPr>
-      </p:pic>
-    </p:spTree>
-    <p:extLst>
-      <p:ext uri="{BB962C8B-B14F-4D97-AF65-F5344CB8AC3E}">
-        <p14:creationId xmlns:p14="http://schemas.microsoft.com/office/powerpoint/2010/main" val="253288570"/>
-      </p:ext>
-    </p:extLst>
-  </p:cSld>
-  <p:clrMapOvr>
-    <a:masterClrMapping/>
-  </p:clrMapOvr>
-</p:sld>
-</file>
-
-<file path=ppt/slides/slide14.xml><?xml version="1.0" encoding="utf-8"?>
-<p:sld xmlns:a="http://schemas.openxmlformats.org/drawingml/2006/main" xmlns:r="http://schemas.openxmlformats.org/officeDocument/2006/relationships" xmlns:p="http://schemas.openxmlformats.org/presentationml/2006/main">
-  <p:cSld>
-    <p:spTree>
-      <p:nvGrpSpPr>
-        <p:cNvPr id="1" name=""/>
-        <p:cNvGrpSpPr/>
-        <p:nvPr/>
-      </p:nvGrpSpPr>
-      <p:grpSpPr>
-        <a:xfrm>
-          <a:off x="0" y="0"/>
-          <a:ext cx="0" cy="0"/>
-          <a:chOff x="0" y="0"/>
-          <a:chExt cx="0" cy="0"/>
-        </a:xfrm>
-      </p:grpSpPr>
-      <p:sp>
-        <p:nvSpPr>
-          <p:cNvPr id="2" name="제목 1">
-            <a:extLst>
-              <a:ext uri="{FF2B5EF4-FFF2-40B4-BE49-F238E27FC236}">
-                <a16:creationId xmlns:a16="http://schemas.microsoft.com/office/drawing/2014/main" xmlns="" id="{32A4EF47-FCCA-4723-AF28-1B2DE76CE7E9}"/>
-              </a:ext>
-            </a:extLst>
-          </p:cNvPr>
-          <p:cNvSpPr>
-            <a:spLocks noGrp="1"/>
-          </p:cNvSpPr>
-          <p:nvPr>
-            <p:ph type="title"/>
-          </p:nvPr>
-        </p:nvSpPr>
-        <p:spPr/>
-        <p:txBody>
-          <a:bodyPr>
-            <a:normAutofit fontScale="90000"/>
-          </a:bodyPr>
-          <a:lstStyle/>
-          <a:p>
-            <a:r>
-              <a:rPr lang="en-US" altLang="ko-KR" dirty="0" smtClean="0"/>
-              <a:t>Shearing</a:t>
-            </a:r>
-            <a:endParaRPr lang="ko-KR" altLang="en-US" dirty="0"/>
-          </a:p>
-        </p:txBody>
-      </p:sp>
-      <p:sp>
-        <p:nvSpPr>
-          <p:cNvPr id="3" name="내용 개체 틀 2">
-            <a:extLst>
-              <a:ext uri="{FF2B5EF4-FFF2-40B4-BE49-F238E27FC236}">
-                <a16:creationId xmlns:a16="http://schemas.microsoft.com/office/drawing/2014/main" xmlns="" id="{25774E92-9B95-4123-B29D-F5E0D6956FCA}"/>
-              </a:ext>
-            </a:extLst>
-          </p:cNvPr>
-          <p:cNvSpPr>
-            <a:spLocks noGrp="1"/>
-          </p:cNvSpPr>
-          <p:nvPr>
-            <p:ph idx="1"/>
-          </p:nvPr>
-        </p:nvSpPr>
-        <p:spPr/>
-        <p:txBody>
-          <a:bodyPr>
-            <a:normAutofit/>
-          </a:bodyPr>
-          <a:lstStyle/>
-          <a:p>
-            <a:r>
-              <a:rPr lang="en-US" altLang="ko-KR" sz="2000" dirty="0"/>
-              <a:t>Define transformation matrix</a:t>
-            </a:r>
-            <a:endParaRPr lang="ko-KR" altLang="en-US" sz="2000" dirty="0"/>
-          </a:p>
-        </p:txBody>
-      </p:sp>
-      <p:pic>
-        <p:nvPicPr>
-          <p:cNvPr id="4" name="그림 3"/>
-          <p:cNvPicPr>
-            <a:picLocks noChangeAspect="1"/>
-          </p:cNvPicPr>
-          <p:nvPr/>
-        </p:nvPicPr>
-        <p:blipFill>
-          <a:blip r:embed="rId2"/>
-          <a:stretch>
-            <a:fillRect/>
-          </a:stretch>
-        </p:blipFill>
-        <p:spPr>
-          <a:xfrm>
-            <a:off x="2772340" y="2286957"/>
-            <a:ext cx="2886075" cy="2076450"/>
-          </a:xfrm>
-          <a:prstGeom prst="rect">
-            <a:avLst/>
-          </a:prstGeom>
-        </p:spPr>
-      </p:pic>
-    </p:spTree>
-    <p:extLst>
-      <p:ext uri="{BB962C8B-B14F-4D97-AF65-F5344CB8AC3E}">
-        <p14:creationId xmlns:p14="http://schemas.microsoft.com/office/powerpoint/2010/main" val="885004291"/>
-      </p:ext>
-    </p:extLst>
-  </p:cSld>
-  <p:clrMapOvr>
-    <a:masterClrMapping/>
-  </p:clrMapOvr>
-  <p:timing>
-    <p:tnLst>
-      <p:par>
-        <p:cTn id="1" dur="indefinite" restart="never" nodeType="tmRoot"/>
-      </p:par>
-    </p:tnLst>
-  </p:timing>
-</p:sld>
-</file>
-
-<file path=ppt/slides/slide15.xml><?xml version="1.0" encoding="utf-8"?>
-<p:sld xmlns:a="http://schemas.openxmlformats.org/drawingml/2006/main" xmlns:r="http://schemas.openxmlformats.org/officeDocument/2006/relationships" xmlns:p="http://schemas.openxmlformats.org/presentationml/2006/main">
-  <p:cSld>
-    <p:spTree>
-      <p:nvGrpSpPr>
-        <p:cNvPr id="1" name=""/>
-        <p:cNvGrpSpPr/>
-        <p:nvPr/>
-      </p:nvGrpSpPr>
-      <p:grpSpPr>
-        <a:xfrm>
-          <a:off x="0" y="0"/>
-          <a:ext cx="0" cy="0"/>
-          <a:chOff x="0" y="0"/>
-          <a:chExt cx="0" cy="0"/>
-        </a:xfrm>
-      </p:grpSpPr>
-      <p:sp>
-        <p:nvSpPr>
-          <p:cNvPr id="2" name="제목 1">
-            <a:extLst>
-              <a:ext uri="{FF2B5EF4-FFF2-40B4-BE49-F238E27FC236}">
-                <a16:creationId xmlns:a16="http://schemas.microsoft.com/office/drawing/2014/main" xmlns="" id="{32A4EF47-FCCA-4723-AF28-1B2DE76CE7E9}"/>
-              </a:ext>
-            </a:extLst>
-          </p:cNvPr>
-          <p:cNvSpPr>
-            <a:spLocks noGrp="1"/>
-          </p:cNvSpPr>
-          <p:nvPr>
-            <p:ph type="title"/>
-          </p:nvPr>
-        </p:nvSpPr>
-        <p:spPr/>
-        <p:txBody>
-          <a:bodyPr>
-            <a:normAutofit fontScale="90000"/>
-          </a:bodyPr>
-          <a:lstStyle/>
-          <a:p>
-            <a:r>
-              <a:rPr lang="en-US" altLang="ko-KR" dirty="0" smtClean="0"/>
-              <a:t>Example</a:t>
-            </a:r>
-            <a:endParaRPr lang="ko-KR" altLang="en-US" dirty="0"/>
-          </a:p>
-        </p:txBody>
-      </p:sp>
-      <p:pic>
-        <p:nvPicPr>
-          <p:cNvPr id="6" name="그림 5"/>
-          <p:cNvPicPr>
-            <a:picLocks noChangeAspect="1"/>
-          </p:cNvPicPr>
-          <p:nvPr/>
-        </p:nvPicPr>
-        <p:blipFill rotWithShape="1">
-          <a:blip r:embed="rId2">
-            <a:extLst>
-              <a:ext uri="{28A0092B-C50C-407E-A947-70E740481C1C}">
-                <a14:useLocalDpi xmlns:a14="http://schemas.microsoft.com/office/drawing/2010/main" val="0"/>
-              </a:ext>
-            </a:extLst>
-          </a:blip>
-          <a:srcRect t="24795" b="18418"/>
-          <a:stretch/>
-        </p:blipFill>
-        <p:spPr>
-          <a:xfrm>
-            <a:off x="1442270" y="2994760"/>
-            <a:ext cx="5852172" cy="2471675"/>
-          </a:xfrm>
-          <a:prstGeom prst="rect">
-            <a:avLst/>
-          </a:prstGeom>
-        </p:spPr>
-      </p:pic>
-      <mc:AlternateContent xmlns:mc="http://schemas.openxmlformats.org/markup-compatibility/2006">
-        <mc:Choice xmlns:a14="http://schemas.microsoft.com/office/drawing/2010/main" Requires="a14">
-          <p:sp>
-            <p:nvSpPr>
-              <p:cNvPr id="9" name="TextBox 8">
-                <a:extLst>
-                  <a:ext uri="{FF2B5EF4-FFF2-40B4-BE49-F238E27FC236}">
-                    <a16:creationId xmlns:a16="http://schemas.microsoft.com/office/drawing/2014/main" xmlns="" id="{B16A8EC2-8A6D-44D2-9EDE-EF34BC7617C6}"/>
-                  </a:ext>
-                </a:extLst>
-              </p:cNvPr>
-              <p:cNvSpPr txBox="1"/>
-              <p:nvPr/>
-            </p:nvSpPr>
-            <p:spPr>
-              <a:xfrm>
-                <a:off x="3406865" y="1316859"/>
-                <a:ext cx="2282355" cy="1400961"/>
-              </a:xfrm>
-              <a:prstGeom prst="rect">
-                <a:avLst/>
-              </a:prstGeom>
-              <a:noFill/>
-            </p:spPr>
-            <p:txBody>
-              <a:bodyPr wrap="none" rtlCol="0">
-                <a:spAutoFit/>
-              </a:bodyPr>
-              <a:lstStyle/>
-              <a:p>
-                <a:pPr algn="ctr"/>
-                <a:r>
-                  <a:rPr lang="en-US" altLang="ko-KR" dirty="0" smtClean="0"/>
-                  <a:t>Transformation matrix</a:t>
-                </a:r>
-              </a:p>
-              <a:p>
-                <a:pPr algn="ctr"/>
-                <a:endParaRPr lang="en-US" altLang="ko-KR" dirty="0"/>
-              </a:p>
-              <a:p>
-                <a14:m>
-                  <m:oMathPara xmlns:m="http://schemas.openxmlformats.org/officeDocument/2006/math">
-                    <m:oMathParaPr>
-                      <m:jc m:val="centerGroup"/>
-                    </m:oMathParaPr>
-                    <m:oMath xmlns:m="http://schemas.openxmlformats.org/officeDocument/2006/math">
-                      <m:d>
-                        <m:dPr>
-                          <m:begChr m:val="["/>
-                          <m:endChr m:val="]"/>
-                          <m:ctrlPr>
-                            <a:rPr lang="en-US" altLang="ko-KR" i="1">
-                              <a:latin typeface="Cambria Math" panose="02040503050406030204" pitchFamily="18" charset="0"/>
-                            </a:rPr>
-                          </m:ctrlPr>
-                        </m:dPr>
-                        <m:e>
-                          <m:m>
-                            <m:mPr>
-                              <m:mcs>
-                                <m:mc>
-                                  <m:mcPr>
-                                    <m:count m:val="3"/>
-                                    <m:mcJc m:val="center"/>
-                                  </m:mcPr>
-                                </m:mc>
-                              </m:mcs>
-                              <m:ctrlPr>
-                                <a:rPr lang="en-US" altLang="ko-KR" i="1">
-                                  <a:latin typeface="Cambria Math" panose="02040503050406030204" pitchFamily="18" charset="0"/>
-                                </a:rPr>
-                              </m:ctrlPr>
-                            </m:mPr>
-                            <m:mr>
-                              <m:e/>
-                              <m:e/>
-                              <m:e/>
-                            </m:mr>
-                            <m:mr>
-                              <m:e/>
-                              <m:e>
-                                <m:r>
-                                  <a:rPr lang="en-US" altLang="ko-KR" b="0" i="1" smtClean="0">
-                                    <a:latin typeface="Cambria Math" panose="02040503050406030204" pitchFamily="18" charset="0"/>
-                                  </a:rPr>
-                                  <m:t>?</m:t>
-                                </m:r>
-                              </m:e>
-                              <m:e/>
-                            </m:mr>
-                            <m:mr>
-                              <m:e/>
-                              <m:e/>
-                              <m:e/>
-                            </m:mr>
-                          </m:m>
-                        </m:e>
-                      </m:d>
-                      <m:r>
-                        <m:rPr>
-                          <m:nor/>
-                        </m:rPr>
-                        <a:rPr lang="ko-KR" altLang="en-US" dirty="0"/>
-                        <m:t> </m:t>
-                      </m:r>
-                    </m:oMath>
-                  </m:oMathPara>
-                </a14:m>
-                <a:endParaRPr lang="ko-KR" altLang="en-US" dirty="0"/>
-              </a:p>
-            </p:txBody>
-          </p:sp>
-        </mc:Choice>
-        <mc:Fallback>
-          <p:sp>
-            <p:nvSpPr>
-              <p:cNvPr id="9" name="TextBox 8">
-                <a:extLst>
-                  <a:ext uri="{FF2B5EF4-FFF2-40B4-BE49-F238E27FC236}">
-                    <a16:creationId xmlns:a16="http://schemas.microsoft.com/office/drawing/2014/main" xmlns:a14="http://schemas.microsoft.com/office/drawing/2010/main" xmlns="" id="{B16A8EC2-8A6D-44D2-9EDE-EF34BC7617C6}"/>
-                  </a:ext>
-                </a:extLst>
-              </p:cNvPr>
-              <p:cNvSpPr txBox="1">
-                <a:spLocks noRot="1" noChangeAspect="1" noMove="1" noResize="1" noEditPoints="1" noAdjustHandles="1" noChangeArrowheads="1" noChangeShapeType="1" noTextEdit="1"/>
-              </p:cNvSpPr>
-              <p:nvPr/>
-            </p:nvSpPr>
-            <p:spPr>
-              <a:xfrm>
-                <a:off x="3406865" y="1316859"/>
-                <a:ext cx="2282355" cy="1400961"/>
-              </a:xfrm>
-              <a:prstGeom prst="rect">
-                <a:avLst/>
-              </a:prstGeom>
-              <a:blipFill rotWithShape="0">
-                <a:blip r:embed="rId3"/>
-                <a:stretch>
-                  <a:fillRect l="-2139" t="-2174" r="-1872"/>
-                </a:stretch>
-              </a:blipFill>
-            </p:spPr>
-            <p:txBody>
-              <a:bodyPr/>
-              <a:lstStyle/>
-              <a:p>
-                <a:r>
-                  <a:rPr lang="ko-KR" altLang="en-US">
-                    <a:noFill/>
-                  </a:rPr>
-                  <a:t> </a:t>
-                </a:r>
-              </a:p>
-            </p:txBody>
-          </p:sp>
-        </mc:Fallback>
-      </mc:AlternateContent>
-    </p:spTree>
-    <p:extLst>
-      <p:ext uri="{BB962C8B-B14F-4D97-AF65-F5344CB8AC3E}">
-        <p14:creationId xmlns:p14="http://schemas.microsoft.com/office/powerpoint/2010/main" val="1366967681"/>
-      </p:ext>
-    </p:extLst>
-  </p:cSld>
-  <p:clrMapOvr>
-    <a:masterClrMapping/>
-  </p:clrMapOvr>
-  <p:timing>
-    <p:tnLst>
-      <p:par>
-        <p:cTn id="1" dur="indefinite" restart="never" nodeType="tmRoot"/>
-      </p:par>
-    </p:tnLst>
-  </p:timing>
-</p:sld>
-</file>
-
-<file path=ppt/slides/slide16.xml><?xml version="1.0" encoding="utf-8"?>
-<p:sld xmlns:a="http://schemas.openxmlformats.org/drawingml/2006/main" xmlns:r="http://schemas.openxmlformats.org/officeDocument/2006/relationships" xmlns:p="http://schemas.openxmlformats.org/presentationml/2006/main">
-  <p:cSld>
-    <p:spTree>
-      <p:nvGrpSpPr>
-        <p:cNvPr id="1" name=""/>
-        <p:cNvGrpSpPr/>
-        <p:nvPr/>
-      </p:nvGrpSpPr>
-      <p:grpSpPr>
-        <a:xfrm>
-          <a:off x="0" y="0"/>
-          <a:ext cx="0" cy="0"/>
-          <a:chOff x="0" y="0"/>
-          <a:chExt cx="0" cy="0"/>
-        </a:xfrm>
-      </p:grpSpPr>
-      <p:sp>
-        <p:nvSpPr>
-          <p:cNvPr id="2" name="제목 1"/>
-          <p:cNvSpPr>
-            <a:spLocks noGrp="1"/>
-          </p:cNvSpPr>
-          <p:nvPr>
-            <p:ph type="title"/>
-          </p:nvPr>
-        </p:nvSpPr>
-        <p:spPr/>
-        <p:txBody>
-          <a:bodyPr>
-            <a:normAutofit fontScale="90000"/>
-          </a:bodyPr>
-          <a:lstStyle/>
-          <a:p>
-            <a:r>
-              <a:rPr lang="en-US" altLang="ko-KR" dirty="0"/>
-              <a:t>Example</a:t>
-            </a:r>
-            <a:endParaRPr lang="ko-KR" altLang="en-US" dirty="0"/>
-          </a:p>
-        </p:txBody>
-      </p:sp>
-      <p:pic>
-        <p:nvPicPr>
-          <p:cNvPr id="5" name="그림 4"/>
-          <p:cNvPicPr>
-            <a:picLocks noChangeAspect="1"/>
-          </p:cNvPicPr>
-          <p:nvPr/>
-        </p:nvPicPr>
-        <p:blipFill rotWithShape="1">
-          <a:blip r:embed="rId2">
-            <a:extLst>
-              <a:ext uri="{28A0092B-C50C-407E-A947-70E740481C1C}">
-                <a14:useLocalDpi xmlns:a14="http://schemas.microsoft.com/office/drawing/2010/main" val="0"/>
-              </a:ext>
-            </a:extLst>
-          </a:blip>
-          <a:srcRect t="24795" b="18418"/>
-          <a:stretch/>
-        </p:blipFill>
-        <p:spPr>
-          <a:xfrm>
-            <a:off x="3476524" y="2176192"/>
-            <a:ext cx="5852172" cy="2471675"/>
-          </a:xfrm>
-          <a:prstGeom prst="rect">
-            <a:avLst/>
-          </a:prstGeom>
-        </p:spPr>
-      </p:pic>
-      <p:pic>
-        <p:nvPicPr>
-          <p:cNvPr id="4" name="그림 3"/>
-          <p:cNvPicPr>
-            <a:picLocks noChangeAspect="1"/>
-          </p:cNvPicPr>
-          <p:nvPr/>
-        </p:nvPicPr>
-        <p:blipFill>
-          <a:blip r:embed="rId3"/>
-          <a:stretch>
-            <a:fillRect/>
-          </a:stretch>
-        </p:blipFill>
-        <p:spPr>
-          <a:xfrm>
-            <a:off x="312702" y="1246917"/>
-            <a:ext cx="3358319" cy="4203853"/>
-          </a:xfrm>
-          <a:prstGeom prst="rect">
-            <a:avLst/>
-          </a:prstGeom>
-        </p:spPr>
-      </p:pic>
-    </p:spTree>
-    <p:extLst>
-      <p:ext uri="{BB962C8B-B14F-4D97-AF65-F5344CB8AC3E}">
-        <p14:creationId xmlns:p14="http://schemas.microsoft.com/office/powerpoint/2010/main" val="661258395"/>
-      </p:ext>
-    </p:extLst>
-  </p:cSld>
-  <p:clrMapOvr>
-    <a:masterClrMapping/>
-  </p:clrMapOvr>
-  <p:timing>
-    <p:tnLst>
-      <p:par>
-        <p:cTn id="1" dur="indefinite" restart="never" nodeType="tmRoot"/>
-      </p:par>
-    </p:tnLst>
-  </p:timing>
-</p:sld>
-</file>
-
-<file path=ppt/slides/slide2.xml><?xml version="1.0" encoding="utf-8"?>
-<p:sld xmlns:a="http://schemas.openxmlformats.org/drawingml/2006/main" xmlns:r="http://schemas.openxmlformats.org/officeDocument/2006/relationships" xmlns:p="http://schemas.openxmlformats.org/presentationml/2006/main">
-  <p:cSld>
-    <p:spTree>
-      <p:nvGrpSpPr>
-        <p:cNvPr id="1" name=""/>
-        <p:cNvGrpSpPr/>
-        <p:nvPr/>
-      </p:nvGrpSpPr>
-      <p:grpSpPr>
-        <a:xfrm>
-          <a:off x="0" y="0"/>
-          <a:ext cx="0" cy="0"/>
-          <a:chOff x="0" y="0"/>
-          <a:chExt cx="0" cy="0"/>
-        </a:xfrm>
-      </p:grpSpPr>
-      <p:sp>
-        <p:nvSpPr>
-          <p:cNvPr id="2" name="제목 1">
-            <a:extLst>
-              <a:ext uri="{FF2B5EF4-FFF2-40B4-BE49-F238E27FC236}">
-                <a16:creationId xmlns:a16="http://schemas.microsoft.com/office/drawing/2014/main" xmlns="" id="{32A4EF47-FCCA-4723-AF28-1B2DE76CE7E9}"/>
-              </a:ext>
-            </a:extLst>
-          </p:cNvPr>
-          <p:cNvSpPr>
-            <a:spLocks noGrp="1"/>
-          </p:cNvSpPr>
-          <p:nvPr>
-            <p:ph type="title"/>
-          </p:nvPr>
-        </p:nvSpPr>
-        <p:spPr/>
-        <p:txBody>
-          <a:bodyPr>
-            <a:normAutofit fontScale="90000"/>
-          </a:bodyPr>
-          <a:lstStyle/>
-          <a:p>
-            <a:r>
-              <a:rPr lang="en-US" altLang="ko-KR" dirty="0"/>
-              <a:t>image transformation</a:t>
-            </a:r>
-            <a:endParaRPr lang="ko-KR" altLang="en-US" dirty="0"/>
-          </a:p>
-        </p:txBody>
-      </p:sp>
-      <mc:AlternateContent xmlns:mc="http://schemas.openxmlformats.org/markup-compatibility/2006">
-        <mc:Choice xmlns:a14="http://schemas.microsoft.com/office/drawing/2010/main" Requires="a14">
-          <p:sp>
-            <p:nvSpPr>
-              <p:cNvPr id="3" name="내용 개체 틀 2">
-                <a:extLst>
-                  <a:ext uri="{FF2B5EF4-FFF2-40B4-BE49-F238E27FC236}">
-                    <a16:creationId xmlns:a16="http://schemas.microsoft.com/office/drawing/2014/main" xmlns="" id="{25774E92-9B95-4123-B29D-F5E0D6956FCA}"/>
-                  </a:ext>
-                </a:extLst>
-              </p:cNvPr>
-              <p:cNvSpPr>
-                <a:spLocks noGrp="1"/>
-              </p:cNvSpPr>
-              <p:nvPr>
-                <p:ph idx="1"/>
-              </p:nvPr>
-            </p:nvSpPr>
-            <p:spPr/>
-            <p:txBody>
-              <a:bodyPr>
-                <a:normAutofit fontScale="92500" lnSpcReduction="20000"/>
-              </a:bodyPr>
-              <a:lstStyle/>
-              <a:p>
-                <a14:m>
-                  <m:oMath xmlns:m="http://schemas.openxmlformats.org/officeDocument/2006/math">
-                    <m:r>
-                      <a:rPr lang="en-US" altLang="ko-KR" sz="2000" b="0" i="1" dirty="0" smtClean="0">
-                        <a:latin typeface="Cambria Math" panose="02040503050406030204" pitchFamily="18" charset="0"/>
-                      </a:rPr>
-                      <m:t>𝑔</m:t>
-                    </m:r>
-                    <m:d>
-                      <m:dPr>
-                        <m:ctrlPr>
-                          <a:rPr lang="en-US" altLang="ko-KR" sz="2000" b="0" i="1" dirty="0" smtClean="0">
-                            <a:latin typeface="Cambria Math" panose="02040503050406030204" pitchFamily="18" charset="0"/>
-                          </a:rPr>
-                        </m:ctrlPr>
-                      </m:dPr>
-                      <m:e>
-                        <m:r>
-                          <a:rPr lang="en-US" altLang="ko-KR" sz="2000" b="0" i="1" dirty="0" smtClean="0">
-                            <a:latin typeface="Cambria Math" panose="02040503050406030204" pitchFamily="18" charset="0"/>
-                          </a:rPr>
-                          <m:t>𝑥</m:t>
-                        </m:r>
-                        <m:r>
-                          <a:rPr lang="en-US" altLang="ko-KR" sz="2000" b="0" i="1" dirty="0" smtClean="0">
-                            <a:latin typeface="Cambria Math" panose="02040503050406030204" pitchFamily="18" charset="0"/>
-                          </a:rPr>
-                          <m:t>,</m:t>
-                        </m:r>
-                        <m:r>
-                          <a:rPr lang="en-US" altLang="ko-KR" sz="2000" b="0" i="1" dirty="0" smtClean="0">
-                            <a:latin typeface="Cambria Math" panose="02040503050406030204" pitchFamily="18" charset="0"/>
-                          </a:rPr>
-                          <m:t>𝑦</m:t>
-                        </m:r>
-                      </m:e>
-                    </m:d>
-                    <m:r>
-                      <a:rPr lang="en-US" altLang="ko-KR" sz="2000" i="1" dirty="0" smtClean="0">
-                        <a:latin typeface="Cambria Math" panose="02040503050406030204" pitchFamily="18" charset="0"/>
-                      </a:rPr>
-                      <m:t>=</m:t>
-                    </m:r>
-                    <m:r>
-                      <a:rPr lang="en-US" altLang="ko-KR" sz="2000" b="0" i="1" dirty="0" smtClean="0">
-                        <a:latin typeface="Cambria Math" panose="02040503050406030204" pitchFamily="18" charset="0"/>
-                      </a:rPr>
-                      <m:t>𝑇</m:t>
-                    </m:r>
-                    <m:d>
-                      <m:dPr>
-                        <m:begChr m:val="["/>
-                        <m:endChr m:val="]"/>
-                        <m:ctrlPr>
-                          <a:rPr lang="en-US" altLang="ko-KR" sz="2000" b="0" i="1" dirty="0" smtClean="0">
-                            <a:latin typeface="Cambria Math" panose="02040503050406030204" pitchFamily="18" charset="0"/>
-                          </a:rPr>
-                        </m:ctrlPr>
-                      </m:dPr>
-                      <m:e>
-                        <m:r>
-                          <a:rPr lang="en-US" altLang="ko-KR" sz="2000" b="0" i="1" dirty="0" smtClean="0">
-                            <a:latin typeface="Cambria Math" panose="02040503050406030204" pitchFamily="18" charset="0"/>
-                          </a:rPr>
-                          <m:t>𝑓</m:t>
-                        </m:r>
-                        <m:d>
-                          <m:dPr>
-                            <m:ctrlPr>
-                              <a:rPr lang="en-US" altLang="ko-KR" sz="2000" b="0" i="1" dirty="0" smtClean="0">
-                                <a:latin typeface="Cambria Math" panose="02040503050406030204" pitchFamily="18" charset="0"/>
-                              </a:rPr>
-                            </m:ctrlPr>
-                          </m:dPr>
-                          <m:e>
-                            <m:r>
-                              <a:rPr lang="en-US" altLang="ko-KR" sz="2000" b="0" i="1" dirty="0" smtClean="0">
-                                <a:latin typeface="Cambria Math" panose="02040503050406030204" pitchFamily="18" charset="0"/>
-                              </a:rPr>
-                              <m:t>𝑥</m:t>
-                            </m:r>
-                            <m:r>
-                              <a:rPr lang="en-US" altLang="ko-KR" sz="2000" b="0" i="1" dirty="0" smtClean="0">
-                                <a:latin typeface="Cambria Math" panose="02040503050406030204" pitchFamily="18" charset="0"/>
-                              </a:rPr>
-                              <m:t>,</m:t>
-                            </m:r>
-                            <m:r>
-                              <a:rPr lang="en-US" altLang="ko-KR" sz="2000" b="0" i="1" dirty="0" smtClean="0">
-                                <a:latin typeface="Cambria Math" panose="02040503050406030204" pitchFamily="18" charset="0"/>
-                              </a:rPr>
-                              <m:t>𝑦</m:t>
-                            </m:r>
-                          </m:e>
-                        </m:d>
-                      </m:e>
-                    </m:d>
-                  </m:oMath>
-                </a14:m>
-                <a:endParaRPr lang="en-US" altLang="ko-KR" sz="2000" dirty="0" smtClean="0"/>
-              </a:p>
-              <a:p>
-                <a:pPr lvl="1"/>
-                <a:r>
-                  <a:rPr lang="en-US" altLang="ko-KR" sz="1700" dirty="0" smtClean="0">
-                    <a:solidFill>
-                      <a:srgbClr val="FF0000"/>
-                    </a:solidFill>
-                  </a:rPr>
-                  <a:t>X=Row, Y=Column</a:t>
-                </a:r>
-                <a:endParaRPr lang="en-US" altLang="ko-KR" sz="1700" dirty="0">
-                  <a:solidFill>
-                    <a:srgbClr val="FF0000"/>
-                  </a:solidFill>
-                </a:endParaRPr>
-              </a:p>
-              <a:p>
-                <a:endParaRPr lang="en-US" altLang="ko-KR" sz="2000" dirty="0"/>
-              </a:p>
-              <a:p>
-                <a:r>
-                  <a:rPr lang="en-US" altLang="ko-KR" sz="2000" dirty="0"/>
-                  <a:t>Rigid-body transformation</a:t>
-                </a:r>
-              </a:p>
-              <a:p>
-                <a:pPr lvl="1"/>
-                <a:r>
-                  <a:rPr lang="en-US" altLang="ko-KR" sz="1700" dirty="0"/>
-                  <a:t>Translation + Rotation</a:t>
-                </a:r>
-              </a:p>
-              <a:p>
-                <a:endParaRPr lang="en-US" altLang="ko-KR" sz="2000" dirty="0"/>
-              </a:p>
-              <a:p>
-                <a:r>
-                  <a:rPr lang="en-US" altLang="ko-KR" sz="2000" dirty="0"/>
-                  <a:t>Affine transformation</a:t>
-                </a:r>
-              </a:p>
-              <a:p>
-                <a:pPr lvl="1"/>
-                <a:r>
-                  <a:rPr lang="en-US" altLang="ko-KR" sz="1700" dirty="0"/>
-                  <a:t>Translation + Rotation + Scaling + </a:t>
-                </a:r>
-                <a:r>
-                  <a:rPr lang="en-US" altLang="ko-KR" sz="1700" dirty="0" smtClean="0"/>
-                  <a:t>Shearing</a:t>
-                </a:r>
-              </a:p>
-              <a:p>
-                <a:pPr lvl="1"/>
-                <a:endParaRPr lang="en-US" altLang="ko-KR" sz="1700" dirty="0"/>
-              </a:p>
-              <a:p>
-                <a:r>
-                  <a:rPr lang="en-US" altLang="ko-KR" sz="2000" dirty="0" smtClean="0"/>
-                  <a:t>Package</a:t>
-                </a:r>
-              </a:p>
-              <a:p>
-                <a:pPr lvl="1"/>
-                <a:r>
-                  <a:rPr lang="en-US" altLang="ko-KR" sz="1700" dirty="0" err="1" smtClean="0"/>
-                  <a:t>matplotlib</a:t>
-                </a:r>
-                <a:r>
-                  <a:rPr lang="en-US" altLang="ko-KR" sz="1700" dirty="0" smtClean="0"/>
-                  <a:t>, </a:t>
-                </a:r>
-                <a:r>
-                  <a:rPr lang="en-US" altLang="ko-KR" sz="1700" dirty="0" err="1" smtClean="0"/>
-                  <a:t>skimage</a:t>
-                </a:r>
-                <a:r>
-                  <a:rPr lang="en-US" altLang="ko-KR" sz="1700" dirty="0" smtClean="0"/>
-                  <a:t>, </a:t>
-                </a:r>
-                <a:r>
-                  <a:rPr lang="en-US" altLang="ko-KR" sz="1700" dirty="0" err="1" smtClean="0"/>
-                  <a:t>scipy</a:t>
-                </a:r>
-                <a:r>
-                  <a:rPr lang="en-US" altLang="ko-KR" sz="1700" dirty="0" smtClean="0"/>
-                  <a:t>, </a:t>
-                </a:r>
-                <a:r>
-                  <a:rPr lang="en-US" altLang="ko-KR" sz="1700" dirty="0" err="1" smtClean="0"/>
-                  <a:t>numpy</a:t>
-                </a:r>
-                <a:endParaRPr lang="ko-KR" altLang="en-US" sz="1700" dirty="0"/>
-              </a:p>
-            </p:txBody>
-          </p:sp>
-        </mc:Choice>
-        <mc:Fallback>
-          <p:sp>
-            <p:nvSpPr>
-              <p:cNvPr id="3" name="내용 개체 틀 2">
-                <a:extLst>
-                  <a:ext uri="{FF2B5EF4-FFF2-40B4-BE49-F238E27FC236}">
-                    <a16:creationId xmlns:a16="http://schemas.microsoft.com/office/drawing/2014/main" xmlns:a14="http://schemas.microsoft.com/office/drawing/2010/main" xmlns="" id="{25774E92-9B95-4123-B29D-F5E0D6956FCA}"/>
-                  </a:ext>
-                </a:extLst>
-              </p:cNvPr>
-              <p:cNvSpPr>
-                <a:spLocks noGrp="1" noRot="1" noChangeAspect="1" noMove="1" noResize="1" noEditPoints="1" noAdjustHandles="1" noChangeArrowheads="1" noChangeShapeType="1" noTextEdit="1"/>
-              </p:cNvSpPr>
-              <p:nvPr>
-                <p:ph idx="1"/>
-              </p:nvPr>
-            </p:nvSpPr>
-            <p:spPr>
-              <a:blipFill rotWithShape="0">
-                <a:blip r:embed="rId2"/>
-                <a:stretch>
-                  <a:fillRect l="-565"/>
-                </a:stretch>
-              </a:blipFill>
-            </p:spPr>
-            <p:txBody>
-              <a:bodyPr/>
-              <a:lstStyle/>
-              <a:p>
-                <a:r>
-                  <a:rPr lang="ko-KR" altLang="en-US">
-                    <a:noFill/>
-                  </a:rPr>
-                  <a:t> </a:t>
-                </a:r>
-              </a:p>
-            </p:txBody>
-          </p:sp>
-        </mc:Fallback>
-      </mc:AlternateContent>
-    </p:spTree>
-    <p:extLst>
-      <p:ext uri="{BB962C8B-B14F-4D97-AF65-F5344CB8AC3E}">
-        <p14:creationId xmlns:p14="http://schemas.microsoft.com/office/powerpoint/2010/main" val="1313986025"/>
-      </p:ext>
-    </p:extLst>
-  </p:cSld>
-  <p:clrMapOvr>
-    <a:masterClrMapping/>
-  </p:clrMapOvr>
-</p:sld>
-</file>
-
-<file path=ppt/slides/slide3.xml><?xml version="1.0" encoding="utf-8"?>
-<p:sld xmlns:a="http://schemas.openxmlformats.org/drawingml/2006/main" xmlns:r="http://schemas.openxmlformats.org/officeDocument/2006/relationships" xmlns:p="http://schemas.openxmlformats.org/presentationml/2006/main">
-  <p:cSld>
-    <p:spTree>
-      <p:nvGrpSpPr>
-        <p:cNvPr id="1" name=""/>
-        <p:cNvGrpSpPr/>
-        <p:nvPr/>
-      </p:nvGrpSpPr>
-      <p:grpSpPr>
-        <a:xfrm>
-          <a:off x="0" y="0"/>
-          <a:ext cx="0" cy="0"/>
-          <a:chOff x="0" y="0"/>
-          <a:chExt cx="0" cy="0"/>
-        </a:xfrm>
-      </p:grpSpPr>
-      <p:sp>
-        <p:nvSpPr>
-          <p:cNvPr id="2" name="제목 1">
-            <a:extLst>
-              <a:ext uri="{FF2B5EF4-FFF2-40B4-BE49-F238E27FC236}">
-                <a16:creationId xmlns:a16="http://schemas.microsoft.com/office/drawing/2014/main" xmlns="" id="{32A4EF47-FCCA-4723-AF28-1B2DE76CE7E9}"/>
-              </a:ext>
-            </a:extLst>
-          </p:cNvPr>
-          <p:cNvSpPr>
-            <a:spLocks noGrp="1"/>
-          </p:cNvSpPr>
-          <p:nvPr>
-            <p:ph type="title"/>
-          </p:nvPr>
-        </p:nvSpPr>
-        <p:spPr/>
-        <p:txBody>
-          <a:bodyPr>
-            <a:normAutofit fontScale="90000"/>
-          </a:bodyPr>
-          <a:lstStyle/>
-          <a:p>
-            <a:r>
-              <a:rPr lang="en-US" altLang="ko-KR" dirty="0"/>
-              <a:t>Translation</a:t>
-            </a:r>
-            <a:endParaRPr lang="ko-KR" altLang="en-US" dirty="0"/>
-          </a:p>
-        </p:txBody>
-      </p:sp>
-      <p:pic>
-        <p:nvPicPr>
-          <p:cNvPr id="8" name="그림 7"/>
-          <p:cNvPicPr>
-            <a:picLocks noChangeAspect="1"/>
-          </p:cNvPicPr>
-          <p:nvPr/>
-        </p:nvPicPr>
-        <p:blipFill rotWithShape="1">
-          <a:blip r:embed="rId2">
-            <a:extLst>
-              <a:ext uri="{28A0092B-C50C-407E-A947-70E740481C1C}">
-                <a14:useLocalDpi xmlns:a14="http://schemas.microsoft.com/office/drawing/2010/main" val="0"/>
-              </a:ext>
-            </a:extLst>
-          </a:blip>
-          <a:srcRect t="22410" b="17226"/>
-          <a:stretch/>
-        </p:blipFill>
-        <p:spPr>
-          <a:xfrm>
-            <a:off x="1621957" y="3014725"/>
-            <a:ext cx="5852172" cy="2627402"/>
-          </a:xfrm>
-          <a:prstGeom prst="rect">
-            <a:avLst/>
-          </a:prstGeom>
-        </p:spPr>
-      </p:pic>
-      <mc:AlternateContent xmlns:mc="http://schemas.openxmlformats.org/markup-compatibility/2006">
-        <mc:Choice xmlns:a14="http://schemas.microsoft.com/office/drawing/2010/main" Requires="a14">
-          <p:sp>
-            <p:nvSpPr>
-              <p:cNvPr id="9" name="TextBox 8">
-                <a:extLst>
-                  <a:ext uri="{FF2B5EF4-FFF2-40B4-BE49-F238E27FC236}">
-                    <a16:creationId xmlns:a16="http://schemas.microsoft.com/office/drawing/2014/main" xmlns="" id="{B16A8EC2-8A6D-44D2-9EDE-EF34BC7617C6}"/>
-                  </a:ext>
-                </a:extLst>
-              </p:cNvPr>
-              <p:cNvSpPr txBox="1"/>
-              <p:nvPr/>
-            </p:nvSpPr>
-            <p:spPr>
-              <a:xfrm>
-                <a:off x="3406865" y="1316859"/>
-                <a:ext cx="2282356" cy="1526700"/>
-              </a:xfrm>
-              <a:prstGeom prst="rect">
-                <a:avLst/>
-              </a:prstGeom>
-              <a:noFill/>
-            </p:spPr>
-            <p:txBody>
-              <a:bodyPr wrap="none" rtlCol="0">
-                <a:spAutoFit/>
-              </a:bodyPr>
-              <a:lstStyle/>
-              <a:p>
-                <a:pPr algn="ctr"/>
-                <a:r>
-                  <a:rPr lang="en-US" altLang="ko-KR" dirty="0"/>
-                  <a:t>Transformation matrix</a:t>
-                </a:r>
-              </a:p>
-              <a:p>
-                <a:pPr algn="ctr"/>
-                <a:endParaRPr lang="en-US" altLang="ko-KR" dirty="0"/>
-              </a:p>
-              <a:p>
-                <a:pPr algn="ctr"/>
-                <a14:m>
-                  <m:oMath xmlns:m="http://schemas.openxmlformats.org/officeDocument/2006/math">
-                    <m:d>
-                      <m:dPr>
-                        <m:begChr m:val="["/>
-                        <m:endChr m:val="]"/>
-                        <m:ctrlPr>
-                          <a:rPr lang="en-US" altLang="ko-KR" b="0" i="1" smtClean="0">
-                            <a:latin typeface="Cambria Math" panose="02040503050406030204" pitchFamily="18" charset="0"/>
-                          </a:rPr>
-                        </m:ctrlPr>
-                      </m:dPr>
-                      <m:e>
-                        <m:m>
-                          <m:mPr>
-                            <m:mcs>
-                              <m:mc>
-                                <m:mcPr>
-                                  <m:count m:val="3"/>
-                                  <m:mcJc m:val="center"/>
-                                </m:mcPr>
-                              </m:mc>
-                            </m:mcs>
-                            <m:ctrlPr>
-                              <a:rPr lang="en-US" altLang="ko-KR" b="0" i="1" smtClean="0">
-                                <a:latin typeface="Cambria Math" panose="02040503050406030204" pitchFamily="18" charset="0"/>
-                              </a:rPr>
-                            </m:ctrlPr>
-                          </m:mPr>
-                          <m:mr>
-                            <m:e>
-                              <m:r>
-                                <m:rPr>
-                                  <m:brk m:alnAt="7"/>
-                                </m:rPr>
-                                <a:rPr lang="en-US" altLang="ko-KR" b="0" i="1" smtClean="0">
-                                  <a:latin typeface="Cambria Math" panose="02040503050406030204" pitchFamily="18" charset="0"/>
-                                </a:rPr>
-                                <m:t>1</m:t>
-                              </m:r>
-                            </m:e>
-                            <m:e>
-                              <m:r>
-                                <a:rPr lang="en-US" altLang="ko-KR" b="0" i="1" smtClean="0">
-                                  <a:latin typeface="Cambria Math" panose="02040503050406030204" pitchFamily="18" charset="0"/>
-                                </a:rPr>
-                                <m:t>0</m:t>
-                              </m:r>
-                            </m:e>
-                            <m:e>
-                              <m:sSub>
-                                <m:sSubPr>
-                                  <m:ctrlPr>
-                                    <a:rPr lang="en-US" altLang="ko-KR" b="0" i="1" smtClean="0">
-                                      <a:latin typeface="Cambria Math" panose="02040503050406030204" pitchFamily="18" charset="0"/>
-                                    </a:rPr>
-                                  </m:ctrlPr>
-                                </m:sSubPr>
-                                <m:e>
-                                  <m:r>
-                                    <a:rPr lang="en-US" altLang="ko-KR" b="0" i="1" smtClean="0">
-                                      <a:latin typeface="Cambria Math" panose="02040503050406030204" pitchFamily="18" charset="0"/>
-                                    </a:rPr>
-                                    <m:t>𝑡</m:t>
-                                  </m:r>
-                                </m:e>
-                                <m:sub>
-                                  <m:r>
-                                    <a:rPr lang="en-US" altLang="ko-KR" b="0" i="1" smtClean="0">
-                                      <a:latin typeface="Cambria Math" panose="02040503050406030204" pitchFamily="18" charset="0"/>
-                                    </a:rPr>
-                                    <m:t>𝑥</m:t>
-                                  </m:r>
-                                </m:sub>
-                              </m:sSub>
-                            </m:e>
-                          </m:mr>
-                          <m:mr>
-                            <m:e>
-                              <m:r>
-                                <a:rPr lang="en-US" altLang="ko-KR" b="0" i="1" smtClean="0">
-                                  <a:latin typeface="Cambria Math" panose="02040503050406030204" pitchFamily="18" charset="0"/>
-                                </a:rPr>
-                                <m:t>0</m:t>
-                              </m:r>
-                            </m:e>
-                            <m:e>
-                              <m:r>
-                                <a:rPr lang="en-US" altLang="ko-KR" b="0" i="1" smtClean="0">
-                                  <a:latin typeface="Cambria Math" panose="02040503050406030204" pitchFamily="18" charset="0"/>
-                                </a:rPr>
-                                <m:t>1</m:t>
-                              </m:r>
-                            </m:e>
-                            <m:e>
-                              <m:sSub>
-                                <m:sSubPr>
-                                  <m:ctrlPr>
-                                    <a:rPr lang="en-US" altLang="ko-KR" b="0" i="1" smtClean="0">
-                                      <a:latin typeface="Cambria Math" panose="02040503050406030204" pitchFamily="18" charset="0"/>
-                                    </a:rPr>
-                                  </m:ctrlPr>
-                                </m:sSubPr>
-                                <m:e>
-                                  <m:r>
-                                    <a:rPr lang="en-US" altLang="ko-KR" b="0" i="1" smtClean="0">
-                                      <a:latin typeface="Cambria Math" panose="02040503050406030204" pitchFamily="18" charset="0"/>
-                                    </a:rPr>
-                                    <m:t>𝑡</m:t>
-                                  </m:r>
-                                </m:e>
-                                <m:sub>
-                                  <m:r>
-                                    <a:rPr lang="en-US" altLang="ko-KR" b="0" i="1" smtClean="0">
-                                      <a:latin typeface="Cambria Math" panose="02040503050406030204" pitchFamily="18" charset="0"/>
-                                    </a:rPr>
-                                    <m:t>𝑦</m:t>
-                                  </m:r>
-                                </m:sub>
-                              </m:sSub>
-                            </m:e>
-                          </m:mr>
-                          <m:mr>
-                            <m:e>
-                              <m:r>
-                                <a:rPr lang="en-US" altLang="ko-KR" b="0" i="1" smtClean="0">
-                                  <a:latin typeface="Cambria Math" panose="02040503050406030204" pitchFamily="18" charset="0"/>
-                                </a:rPr>
-                                <m:t>0</m:t>
-                              </m:r>
-                            </m:e>
-                            <m:e>
-                              <m:r>
-                                <a:rPr lang="en-US" altLang="ko-KR" b="0" i="1" smtClean="0">
-                                  <a:latin typeface="Cambria Math" panose="02040503050406030204" pitchFamily="18" charset="0"/>
-                                </a:rPr>
-                                <m:t>0</m:t>
-                              </m:r>
-                            </m:e>
-                            <m:e>
-                              <m:r>
-                                <a:rPr lang="en-US" altLang="ko-KR" b="0" i="1" smtClean="0">
-                                  <a:latin typeface="Cambria Math" panose="02040503050406030204" pitchFamily="18" charset="0"/>
-                                </a:rPr>
-                                <m:t>1</m:t>
-                              </m:r>
-                            </m:e>
-                          </m:mr>
-                        </m:m>
-                      </m:e>
-                    </m:d>
-                  </m:oMath>
-                </a14:m>
-                <a:r>
-                  <a:rPr lang="ko-KR" altLang="en-US" dirty="0"/>
-                  <a:t> </a:t>
-                </a:r>
-              </a:p>
-            </p:txBody>
-          </p:sp>
-        </mc:Choice>
-        <mc:Fallback>
-          <p:sp>
-            <p:nvSpPr>
-              <p:cNvPr id="9" name="TextBox 8">
-                <a:extLst>
-                  <a:ext uri="{FF2B5EF4-FFF2-40B4-BE49-F238E27FC236}">
-                    <a16:creationId xmlns:a16="http://schemas.microsoft.com/office/drawing/2014/main" xmlns:a14="http://schemas.microsoft.com/office/drawing/2010/main" xmlns="" id="{B16A8EC2-8A6D-44D2-9EDE-EF34BC7617C6}"/>
-                  </a:ext>
-                </a:extLst>
-              </p:cNvPr>
-              <p:cNvSpPr txBox="1">
-                <a:spLocks noRot="1" noChangeAspect="1" noMove="1" noResize="1" noEditPoints="1" noAdjustHandles="1" noChangeArrowheads="1" noChangeShapeType="1" noTextEdit="1"/>
-              </p:cNvSpPr>
-              <p:nvPr/>
-            </p:nvSpPr>
-            <p:spPr>
-              <a:xfrm>
-                <a:off x="3406865" y="1316859"/>
-                <a:ext cx="2282356" cy="1526700"/>
-              </a:xfrm>
-              <a:prstGeom prst="rect">
-                <a:avLst/>
-              </a:prstGeom>
-              <a:blipFill rotWithShape="0">
-                <a:blip r:embed="rId3"/>
-                <a:stretch>
-                  <a:fillRect l="-2139" t="-2000" r="-1872"/>
-                </a:stretch>
-              </a:blipFill>
-            </p:spPr>
-            <p:txBody>
-              <a:bodyPr/>
-              <a:lstStyle/>
-              <a:p>
-                <a:r>
-                  <a:rPr lang="ko-KR" altLang="en-US">
-                    <a:noFill/>
-                  </a:rPr>
-                  <a:t> </a:t>
-                </a:r>
-              </a:p>
-            </p:txBody>
-          </p:sp>
-        </mc:Fallback>
-      </mc:AlternateContent>
-    </p:spTree>
-    <p:extLst>
-      <p:ext uri="{BB962C8B-B14F-4D97-AF65-F5344CB8AC3E}">
-        <p14:creationId xmlns:p14="http://schemas.microsoft.com/office/powerpoint/2010/main" val="2163007426"/>
-      </p:ext>
-    </p:extLst>
-  </p:cSld>
-  <p:clrMapOvr>
-    <a:masterClrMapping/>
-  </p:clrMapOvr>
-</p:sld>
-</file>
-
-<file path=ppt/slides/slide4.xml><?xml version="1.0" encoding="utf-8"?>
-<p:sld xmlns:a="http://schemas.openxmlformats.org/drawingml/2006/main" xmlns:r="http://schemas.openxmlformats.org/officeDocument/2006/relationships" xmlns:p="http://schemas.openxmlformats.org/presentationml/2006/main">
-  <p:cSld>
-    <p:spTree>
-      <p:nvGrpSpPr>
-        <p:cNvPr id="1" name=""/>
-        <p:cNvGrpSpPr/>
-        <p:nvPr/>
-      </p:nvGrpSpPr>
-      <p:grpSpPr>
-        <a:xfrm>
-          <a:off x="0" y="0"/>
-          <a:ext cx="0" cy="0"/>
-          <a:chOff x="0" y="0"/>
-          <a:chExt cx="0" cy="0"/>
-        </a:xfrm>
-      </p:grpSpPr>
-      <p:sp>
-        <p:nvSpPr>
-          <p:cNvPr id="2" name="제목 1">
-            <a:extLst>
-              <a:ext uri="{FF2B5EF4-FFF2-40B4-BE49-F238E27FC236}">
-                <a16:creationId xmlns:a16="http://schemas.microsoft.com/office/drawing/2014/main" xmlns="" id="{32A4EF47-FCCA-4723-AF28-1B2DE76CE7E9}"/>
-              </a:ext>
-            </a:extLst>
-          </p:cNvPr>
-          <p:cNvSpPr>
-            <a:spLocks noGrp="1"/>
-          </p:cNvSpPr>
-          <p:nvPr>
-            <p:ph type="title"/>
-          </p:nvPr>
-        </p:nvSpPr>
-        <p:spPr/>
-        <p:txBody>
-          <a:bodyPr>
-            <a:normAutofit fontScale="90000"/>
-          </a:bodyPr>
-          <a:lstStyle/>
-          <a:p>
-            <a:r>
-              <a:rPr lang="en-US" altLang="ko-KR" dirty="0"/>
-              <a:t>Translation</a:t>
-            </a:r>
-            <a:endParaRPr lang="ko-KR" altLang="en-US" dirty="0"/>
-          </a:p>
-        </p:txBody>
-      </p:sp>
-      <p:sp>
-        <p:nvSpPr>
-          <p:cNvPr id="3" name="내용 개체 틀 2">
-            <a:extLst>
-              <a:ext uri="{FF2B5EF4-FFF2-40B4-BE49-F238E27FC236}">
-                <a16:creationId xmlns:a16="http://schemas.microsoft.com/office/drawing/2014/main" xmlns="" id="{25774E92-9B95-4123-B29D-F5E0D6956FCA}"/>
-              </a:ext>
-            </a:extLst>
-          </p:cNvPr>
-          <p:cNvSpPr>
-            <a:spLocks noGrp="1"/>
-          </p:cNvSpPr>
-          <p:nvPr>
-            <p:ph idx="1"/>
-          </p:nvPr>
-        </p:nvSpPr>
-        <p:spPr/>
-        <p:txBody>
-          <a:bodyPr>
-            <a:normAutofit/>
-          </a:bodyPr>
-          <a:lstStyle/>
-          <a:p>
-            <a:r>
-              <a:rPr lang="en-US" altLang="ko-KR" sz="2000" dirty="0"/>
-              <a:t>Define transformation matrix</a:t>
-            </a:r>
-            <a:endParaRPr lang="ko-KR" altLang="en-US" sz="2000" dirty="0"/>
-          </a:p>
-        </p:txBody>
-      </p:sp>
-      <p:pic>
-        <p:nvPicPr>
-          <p:cNvPr id="7" name="그림 6"/>
-          <p:cNvPicPr>
-            <a:picLocks noChangeAspect="1"/>
-          </p:cNvPicPr>
-          <p:nvPr/>
-        </p:nvPicPr>
-        <p:blipFill>
-          <a:blip r:embed="rId2"/>
-          <a:stretch>
-            <a:fillRect/>
-          </a:stretch>
-        </p:blipFill>
-        <p:spPr>
-          <a:xfrm>
-            <a:off x="641221" y="2035605"/>
-            <a:ext cx="4708481" cy="2823892"/>
-          </a:xfrm>
-          <a:prstGeom prst="rect">
-            <a:avLst/>
-          </a:prstGeom>
-        </p:spPr>
-      </p:pic>
-      <p:cxnSp>
-        <p:nvCxnSpPr>
-          <p:cNvPr id="10" name="직선 화살표 연결선 9"/>
-          <p:cNvCxnSpPr>
-            <a:endCxn id="11" idx="1"/>
-          </p:cNvCxnSpPr>
-          <p:nvPr/>
-        </p:nvCxnSpPr>
-        <p:spPr>
-          <a:xfrm flipV="1">
-            <a:off x="2411780" y="4284975"/>
-            <a:ext cx="3432147" cy="147270"/>
-          </a:xfrm>
-          <a:prstGeom prst="straightConnector1">
-            <a:avLst/>
-          </a:prstGeom>
-          <a:ln>
-            <a:tailEnd type="triangle"/>
-          </a:ln>
-        </p:spPr>
-        <p:style>
-          <a:lnRef idx="1">
-            <a:schemeClr val="accent1"/>
-          </a:lnRef>
-          <a:fillRef idx="0">
-            <a:schemeClr val="accent1"/>
-          </a:fillRef>
-          <a:effectRef idx="0">
-            <a:schemeClr val="accent1"/>
-          </a:effectRef>
-          <a:fontRef idx="minor">
-            <a:schemeClr val="tx1"/>
-          </a:fontRef>
-        </p:style>
-      </p:cxnSp>
-      <p:sp>
-        <p:nvSpPr>
-          <p:cNvPr id="11" name="TextBox 10"/>
-          <p:cNvSpPr txBox="1"/>
-          <p:nvPr/>
-        </p:nvSpPr>
-        <p:spPr>
-          <a:xfrm>
-            <a:off x="5843927" y="4100309"/>
-            <a:ext cx="1493387" cy="369332"/>
-          </a:xfrm>
-          <a:prstGeom prst="rect">
-            <a:avLst/>
-          </a:prstGeom>
-          <a:noFill/>
-        </p:spPr>
-        <p:txBody>
-          <a:bodyPr wrap="square" rtlCol="0">
-            <a:spAutoFit/>
-          </a:bodyPr>
-          <a:lstStyle/>
-          <a:p>
-            <a:r>
-              <a:rPr lang="en-US" altLang="ko-KR" dirty="0" smtClean="0"/>
-              <a:t>T for X’ = TX</a:t>
-            </a:r>
-            <a:endParaRPr lang="ko-KR" altLang="en-US" dirty="0"/>
-          </a:p>
-        </p:txBody>
-      </p:sp>
-      <p:cxnSp>
-        <p:nvCxnSpPr>
-          <p:cNvPr id="12" name="직선 화살표 연결선 11"/>
-          <p:cNvCxnSpPr>
-            <a:endCxn id="14" idx="1"/>
-          </p:cNvCxnSpPr>
-          <p:nvPr/>
-        </p:nvCxnSpPr>
-        <p:spPr>
-          <a:xfrm>
-            <a:off x="2847018" y="4713399"/>
-            <a:ext cx="2996909" cy="185838"/>
-          </a:xfrm>
-          <a:prstGeom prst="straightConnector1">
-            <a:avLst/>
-          </a:prstGeom>
-          <a:ln>
-            <a:tailEnd type="triangle"/>
-          </a:ln>
-        </p:spPr>
-        <p:style>
-          <a:lnRef idx="1">
-            <a:schemeClr val="accent1"/>
-          </a:lnRef>
-          <a:fillRef idx="0">
-            <a:schemeClr val="accent1"/>
-          </a:fillRef>
-          <a:effectRef idx="0">
-            <a:schemeClr val="accent1"/>
-          </a:effectRef>
-          <a:fontRef idx="minor">
-            <a:schemeClr val="tx1"/>
-          </a:fontRef>
-        </p:style>
-      </p:cxnSp>
-      <mc:AlternateContent xmlns:mc="http://schemas.openxmlformats.org/markup-compatibility/2006">
-        <mc:Choice xmlns:a14="http://schemas.microsoft.com/office/drawing/2010/main" Requires="a14">
-          <p:sp>
-            <p:nvSpPr>
-              <p:cNvPr id="14" name="TextBox 13"/>
-              <p:cNvSpPr txBox="1"/>
-              <p:nvPr/>
-            </p:nvSpPr>
-            <p:spPr>
-              <a:xfrm>
-                <a:off x="5843927" y="4576071"/>
-                <a:ext cx="1493387" cy="646331"/>
+                <a:off x="1843502" y="1725347"/>
+                <a:ext cx="5892705" cy="1526700"/>
               </a:xfrm>
               <a:prstGeom prst="rect">
                 <a:avLst/>
@@ -6605,1241 +4934,6 @@
                 <a:spAutoFit/>
               </a:bodyPr>
               <a:lstStyle/>
-              <a:p>
-                <a:r>
-                  <a:rPr lang="en-US" altLang="ko-KR" dirty="0" smtClean="0"/>
-                  <a:t>We need</a:t>
-                </a:r>
-                <a:br>
-                  <a:rPr lang="en-US" altLang="ko-KR" dirty="0" smtClean="0"/>
-                </a:br>
-                <a:r>
-                  <a:rPr lang="en-US" altLang="ko-KR" dirty="0" smtClean="0"/>
-                  <a:t>X = </a:t>
-                </a:r>
-                <a14:m>
-                  <m:oMath xmlns:m="http://schemas.openxmlformats.org/officeDocument/2006/math">
-                    <m:sSup>
-                      <m:sSupPr>
-                        <m:ctrlPr>
-                          <a:rPr lang="en-US" altLang="ko-KR" b="0" smtClean="0">
-                            <a:latin typeface="Cambria Math" panose="02040503050406030204" pitchFamily="18" charset="0"/>
-                          </a:rPr>
-                        </m:ctrlPr>
-                      </m:sSupPr>
-                      <m:e>
-                        <m:r>
-                          <m:rPr>
-                            <m:sty m:val="p"/>
-                          </m:rPr>
-                          <a:rPr lang="en-US" altLang="ko-KR" b="0" i="0" smtClean="0">
-                            <a:latin typeface="Cambria Math" panose="02040503050406030204" pitchFamily="18" charset="0"/>
-                          </a:rPr>
-                          <m:t>T</m:t>
-                        </m:r>
-                      </m:e>
-                      <m:sup>
-                        <m:r>
-                          <a:rPr lang="en-US" altLang="ko-KR" b="0" i="0" smtClean="0">
-                            <a:latin typeface="Cambria Math" panose="02040503050406030204" pitchFamily="18" charset="0"/>
-                          </a:rPr>
-                          <m:t>−1</m:t>
-                        </m:r>
-                      </m:sup>
-                    </m:sSup>
-                  </m:oMath>
-                </a14:m>
-                <a:r>
-                  <a:rPr lang="en-US" altLang="ko-KR" dirty="0" smtClean="0"/>
-                  <a:t>X’</a:t>
-                </a:r>
-                <a:endParaRPr lang="ko-KR" altLang="en-US" dirty="0"/>
-              </a:p>
-            </p:txBody>
-          </p:sp>
-        </mc:Choice>
-        <mc:Fallback>
-          <p:sp>
-            <p:nvSpPr>
-              <p:cNvPr id="14" name="TextBox 13"/>
-              <p:cNvSpPr txBox="1">
-                <a:spLocks noRot="1" noChangeAspect="1" noMove="1" noResize="1" noEditPoints="1" noAdjustHandles="1" noChangeArrowheads="1" noChangeShapeType="1" noTextEdit="1"/>
-              </p:cNvSpPr>
-              <p:nvPr/>
-            </p:nvSpPr>
-            <p:spPr>
-              <a:xfrm>
-                <a:off x="5843927" y="4576071"/>
-                <a:ext cx="1493387" cy="646331"/>
-              </a:xfrm>
-              <a:prstGeom prst="rect">
-                <a:avLst/>
-              </a:prstGeom>
-              <a:blipFill rotWithShape="0">
-                <a:blip r:embed="rId3"/>
-                <a:stretch>
-                  <a:fillRect l="-3673" t="-5660" b="-14151"/>
-                </a:stretch>
-              </a:blipFill>
-            </p:spPr>
-            <p:txBody>
-              <a:bodyPr/>
-              <a:lstStyle/>
-              <a:p>
-                <a:r>
-                  <a:rPr lang="ko-KR" altLang="en-US">
-                    <a:noFill/>
-                  </a:rPr>
-                  <a:t> </a:t>
-                </a:r>
-              </a:p>
-            </p:txBody>
-          </p:sp>
-        </mc:Fallback>
-      </mc:AlternateContent>
-    </p:spTree>
-    <p:extLst>
-      <p:ext uri="{BB962C8B-B14F-4D97-AF65-F5344CB8AC3E}">
-        <p14:creationId xmlns:p14="http://schemas.microsoft.com/office/powerpoint/2010/main" val="1455713041"/>
-      </p:ext>
-    </p:extLst>
-  </p:cSld>
-  <p:clrMapOvr>
-    <a:masterClrMapping/>
-  </p:clrMapOvr>
-</p:sld>
-</file>
-
-<file path=ppt/slides/slide5.xml><?xml version="1.0" encoding="utf-8"?>
-<p:sld xmlns:a="http://schemas.openxmlformats.org/drawingml/2006/main" xmlns:r="http://schemas.openxmlformats.org/officeDocument/2006/relationships" xmlns:p="http://schemas.openxmlformats.org/presentationml/2006/main">
-  <p:cSld>
-    <p:spTree>
-      <p:nvGrpSpPr>
-        <p:cNvPr id="1" name=""/>
-        <p:cNvGrpSpPr/>
-        <p:nvPr/>
-      </p:nvGrpSpPr>
-      <p:grpSpPr>
-        <a:xfrm>
-          <a:off x="0" y="0"/>
-          <a:ext cx="0" cy="0"/>
-          <a:chOff x="0" y="0"/>
-          <a:chExt cx="0" cy="0"/>
-        </a:xfrm>
-      </p:grpSpPr>
-      <p:sp>
-        <p:nvSpPr>
-          <p:cNvPr id="2" name="제목 1">
-            <a:extLst>
-              <a:ext uri="{FF2B5EF4-FFF2-40B4-BE49-F238E27FC236}">
-                <a16:creationId xmlns:a16="http://schemas.microsoft.com/office/drawing/2014/main" xmlns="" id="{32A4EF47-FCCA-4723-AF28-1B2DE76CE7E9}"/>
-              </a:ext>
-            </a:extLst>
-          </p:cNvPr>
-          <p:cNvSpPr>
-            <a:spLocks noGrp="1"/>
-          </p:cNvSpPr>
-          <p:nvPr>
-            <p:ph type="title"/>
-          </p:nvPr>
-        </p:nvSpPr>
-        <p:spPr/>
-        <p:txBody>
-          <a:bodyPr>
-            <a:normAutofit fontScale="90000"/>
-          </a:bodyPr>
-          <a:lstStyle/>
-          <a:p>
-            <a:r>
-              <a:rPr lang="en-US" altLang="ko-KR" dirty="0"/>
-              <a:t>Translation</a:t>
-            </a:r>
-            <a:endParaRPr lang="ko-KR" altLang="en-US" dirty="0"/>
-          </a:p>
-        </p:txBody>
-      </p:sp>
-      <p:sp>
-        <p:nvSpPr>
-          <p:cNvPr id="3" name="내용 개체 틀 2">
-            <a:extLst>
-              <a:ext uri="{FF2B5EF4-FFF2-40B4-BE49-F238E27FC236}">
-                <a16:creationId xmlns:a16="http://schemas.microsoft.com/office/drawing/2014/main" xmlns="" id="{25774E92-9B95-4123-B29D-F5E0D6956FCA}"/>
-              </a:ext>
-            </a:extLst>
-          </p:cNvPr>
-          <p:cNvSpPr>
-            <a:spLocks noGrp="1"/>
-          </p:cNvSpPr>
-          <p:nvPr>
-            <p:ph idx="1"/>
-          </p:nvPr>
-        </p:nvSpPr>
-        <p:spPr/>
-        <p:txBody>
-          <a:bodyPr>
-            <a:normAutofit/>
-          </a:bodyPr>
-          <a:lstStyle/>
-          <a:p>
-            <a:r>
-              <a:rPr lang="en-US" altLang="ko-KR" sz="2000" dirty="0" smtClean="0"/>
-              <a:t>Apply transform</a:t>
-            </a:r>
-            <a:endParaRPr lang="ko-KR" altLang="en-US" sz="2000" dirty="0"/>
-          </a:p>
-        </p:txBody>
-      </p:sp>
-      <p:pic>
-        <p:nvPicPr>
-          <p:cNvPr id="4" name="그림 3"/>
-          <p:cNvPicPr>
-            <a:picLocks noChangeAspect="1"/>
-          </p:cNvPicPr>
-          <p:nvPr/>
-        </p:nvPicPr>
-        <p:blipFill>
-          <a:blip r:embed="rId2"/>
-          <a:stretch>
-            <a:fillRect/>
-          </a:stretch>
-        </p:blipFill>
-        <p:spPr>
-          <a:xfrm>
-            <a:off x="343199" y="2261697"/>
-            <a:ext cx="6608638" cy="2568197"/>
-          </a:xfrm>
-          <a:prstGeom prst="rect">
-            <a:avLst/>
-          </a:prstGeom>
-        </p:spPr>
-      </p:pic>
-      <p:cxnSp>
-        <p:nvCxnSpPr>
-          <p:cNvPr id="6" name="직선 연결선 5"/>
-          <p:cNvCxnSpPr/>
-          <p:nvPr/>
-        </p:nvCxnSpPr>
-        <p:spPr>
-          <a:xfrm>
-            <a:off x="2200150" y="3370103"/>
-            <a:ext cx="3449964" cy="0"/>
-          </a:xfrm>
-          <a:prstGeom prst="line">
-            <a:avLst/>
-          </a:prstGeom>
-        </p:spPr>
-        <p:style>
-          <a:lnRef idx="1">
-            <a:schemeClr val="accent1"/>
-          </a:lnRef>
-          <a:fillRef idx="0">
-            <a:schemeClr val="accent1"/>
-          </a:fillRef>
-          <a:effectRef idx="0">
-            <a:schemeClr val="accent1"/>
-          </a:effectRef>
-          <a:fontRef idx="minor">
-            <a:schemeClr val="tx1"/>
-          </a:fontRef>
-        </p:style>
-      </p:cxnSp>
-      <mc:AlternateContent xmlns:mc="http://schemas.openxmlformats.org/markup-compatibility/2006">
-        <mc:Choice xmlns:a14="http://schemas.microsoft.com/office/drawing/2010/main" Requires="a14">
-          <p:sp>
-            <p:nvSpPr>
-              <p:cNvPr id="11" name="TextBox 10"/>
-              <p:cNvSpPr txBox="1"/>
-              <p:nvPr/>
-            </p:nvSpPr>
-            <p:spPr>
-              <a:xfrm>
-                <a:off x="3364266" y="1792075"/>
-                <a:ext cx="1493387" cy="369332"/>
-              </a:xfrm>
-              <a:prstGeom prst="rect">
-                <a:avLst/>
-              </a:prstGeom>
-              <a:noFill/>
-            </p:spPr>
-            <p:txBody>
-              <a:bodyPr wrap="square" rtlCol="0">
-                <a:spAutoFit/>
-              </a:bodyPr>
-              <a:lstStyle/>
-              <a:p>
-                <a:r>
-                  <a:rPr lang="en-US" altLang="ko-KR" dirty="0" smtClean="0">
-                    <a:solidFill>
-                      <a:srgbClr val="FF0000"/>
-                    </a:solidFill>
-                  </a:rPr>
-                  <a:t>X = </a:t>
-                </a:r>
-                <a14:m>
-                  <m:oMath xmlns:m="http://schemas.openxmlformats.org/officeDocument/2006/math">
-                    <m:sSup>
-                      <m:sSupPr>
-                        <m:ctrlPr>
-                          <a:rPr lang="en-US" altLang="ko-KR" b="0" smtClean="0">
-                            <a:solidFill>
-                              <a:srgbClr val="FF0000"/>
-                            </a:solidFill>
-                            <a:latin typeface="Cambria Math" panose="02040503050406030204" pitchFamily="18" charset="0"/>
-                          </a:rPr>
-                        </m:ctrlPr>
-                      </m:sSupPr>
-                      <m:e>
-                        <m:r>
-                          <m:rPr>
-                            <m:sty m:val="p"/>
-                          </m:rPr>
-                          <a:rPr lang="en-US" altLang="ko-KR" b="0" i="0" smtClean="0">
-                            <a:solidFill>
-                              <a:srgbClr val="FF0000"/>
-                            </a:solidFill>
-                            <a:latin typeface="Cambria Math" panose="02040503050406030204" pitchFamily="18" charset="0"/>
-                          </a:rPr>
-                          <m:t>T</m:t>
-                        </m:r>
-                      </m:e>
-                      <m:sup>
-                        <m:r>
-                          <a:rPr lang="en-US" altLang="ko-KR" b="0" i="0" smtClean="0">
-                            <a:solidFill>
-                              <a:srgbClr val="FF0000"/>
-                            </a:solidFill>
-                            <a:latin typeface="Cambria Math" panose="02040503050406030204" pitchFamily="18" charset="0"/>
-                          </a:rPr>
-                          <m:t>−1</m:t>
-                        </m:r>
-                      </m:sup>
-                    </m:sSup>
-                  </m:oMath>
-                </a14:m>
-                <a:r>
-                  <a:rPr lang="en-US" altLang="ko-KR" dirty="0" smtClean="0">
-                    <a:solidFill>
-                      <a:srgbClr val="FF0000"/>
-                    </a:solidFill>
-                  </a:rPr>
-                  <a:t>X’</a:t>
-                </a:r>
-                <a:endParaRPr lang="ko-KR" altLang="en-US" dirty="0">
-                  <a:solidFill>
-                    <a:srgbClr val="FF0000"/>
-                  </a:solidFill>
-                </a:endParaRPr>
-              </a:p>
-            </p:txBody>
-          </p:sp>
-        </mc:Choice>
-        <mc:Fallback>
-          <p:sp>
-            <p:nvSpPr>
-              <p:cNvPr id="11" name="TextBox 10"/>
-              <p:cNvSpPr txBox="1">
-                <a:spLocks noRot="1" noChangeAspect="1" noMove="1" noResize="1" noEditPoints="1" noAdjustHandles="1" noChangeArrowheads="1" noChangeShapeType="1" noTextEdit="1"/>
-              </p:cNvSpPr>
-              <p:nvPr/>
-            </p:nvSpPr>
-            <p:spPr>
-              <a:xfrm>
-                <a:off x="3364266" y="1792075"/>
-                <a:ext cx="1493387" cy="369332"/>
-              </a:xfrm>
-              <a:prstGeom prst="rect">
-                <a:avLst/>
-              </a:prstGeom>
-              <a:blipFill rotWithShape="0">
-                <a:blip r:embed="rId3"/>
-                <a:stretch>
-                  <a:fillRect l="-3673" t="-9836" b="-24590"/>
-                </a:stretch>
-              </a:blipFill>
-            </p:spPr>
-            <p:txBody>
-              <a:bodyPr/>
-              <a:lstStyle/>
-              <a:p>
-                <a:r>
-                  <a:rPr lang="ko-KR" altLang="en-US">
-                    <a:noFill/>
-                  </a:rPr>
-                  <a:t> </a:t>
-                </a:r>
-              </a:p>
-            </p:txBody>
-          </p:sp>
-        </mc:Fallback>
-      </mc:AlternateContent>
-      <p:cxnSp>
-        <p:nvCxnSpPr>
-          <p:cNvPr id="12" name="직선 화살표 연결선 11"/>
-          <p:cNvCxnSpPr>
-            <a:endCxn id="11" idx="2"/>
-          </p:cNvCxnSpPr>
-          <p:nvPr/>
-        </p:nvCxnSpPr>
-        <p:spPr>
-          <a:xfrm flipV="1">
-            <a:off x="3865237" y="2161407"/>
-            <a:ext cx="245723" cy="1072934"/>
-          </a:xfrm>
-          <a:prstGeom prst="straightConnector1">
-            <a:avLst/>
-          </a:prstGeom>
-          <a:ln>
-            <a:tailEnd type="triangle"/>
-          </a:ln>
-        </p:spPr>
-        <p:style>
-          <a:lnRef idx="1">
-            <a:schemeClr val="accent1"/>
-          </a:lnRef>
-          <a:fillRef idx="0">
-            <a:schemeClr val="accent1"/>
-          </a:fillRef>
-          <a:effectRef idx="0">
-            <a:schemeClr val="accent1"/>
-          </a:effectRef>
-          <a:fontRef idx="minor">
-            <a:schemeClr val="tx1"/>
-          </a:fontRef>
-        </p:style>
-      </p:cxnSp>
-      <p:cxnSp>
-        <p:nvCxnSpPr>
-          <p:cNvPr id="13" name="직선 연결선 12"/>
-          <p:cNvCxnSpPr/>
-          <p:nvPr/>
-        </p:nvCxnSpPr>
-        <p:spPr>
-          <a:xfrm>
-            <a:off x="3310873" y="3522503"/>
-            <a:ext cx="3449964" cy="0"/>
-          </a:xfrm>
-          <a:prstGeom prst="line">
-            <a:avLst/>
-          </a:prstGeom>
-        </p:spPr>
-        <p:style>
-          <a:lnRef idx="1">
-            <a:schemeClr val="accent1"/>
-          </a:lnRef>
-          <a:fillRef idx="0">
-            <a:schemeClr val="accent1"/>
-          </a:fillRef>
-          <a:effectRef idx="0">
-            <a:schemeClr val="accent1"/>
-          </a:effectRef>
-          <a:fontRef idx="minor">
-            <a:schemeClr val="tx1"/>
-          </a:fontRef>
-        </p:style>
-      </p:cxnSp>
-      <p:sp>
-        <p:nvSpPr>
-          <p:cNvPr id="14" name="TextBox 13"/>
-          <p:cNvSpPr txBox="1"/>
-          <p:nvPr/>
-        </p:nvSpPr>
-        <p:spPr>
-          <a:xfrm>
-            <a:off x="6053409" y="1759809"/>
-            <a:ext cx="1493387" cy="369332"/>
-          </a:xfrm>
-          <a:prstGeom prst="rect">
-            <a:avLst/>
-          </a:prstGeom>
-          <a:noFill/>
-        </p:spPr>
-        <p:txBody>
-          <a:bodyPr wrap="square" rtlCol="0">
-            <a:spAutoFit/>
-          </a:bodyPr>
-          <a:lstStyle/>
-          <a:p>
-            <a:r>
-              <a:rPr lang="en-US" altLang="ko-KR" dirty="0" smtClean="0">
-                <a:solidFill>
-                  <a:srgbClr val="FF0000"/>
-                </a:solidFill>
-              </a:rPr>
-              <a:t>Interpolation</a:t>
-            </a:r>
-            <a:endParaRPr lang="ko-KR" altLang="en-US" dirty="0">
-              <a:solidFill>
-                <a:srgbClr val="FF0000"/>
-              </a:solidFill>
-            </a:endParaRPr>
-          </a:p>
-        </p:txBody>
-      </p:sp>
-      <p:cxnSp>
-        <p:nvCxnSpPr>
-          <p:cNvPr id="15" name="직선 화살표 연결선 14"/>
-          <p:cNvCxnSpPr>
-            <a:endCxn id="14" idx="2"/>
-          </p:cNvCxnSpPr>
-          <p:nvPr/>
-        </p:nvCxnSpPr>
-        <p:spPr>
-          <a:xfrm flipV="1">
-            <a:off x="6480660" y="2129141"/>
-            <a:ext cx="319443" cy="1240962"/>
-          </a:xfrm>
-          <a:prstGeom prst="straightConnector1">
-            <a:avLst/>
-          </a:prstGeom>
-          <a:ln>
-            <a:tailEnd type="triangle"/>
-          </a:ln>
-        </p:spPr>
-        <p:style>
-          <a:lnRef idx="1">
-            <a:schemeClr val="accent1"/>
-          </a:lnRef>
-          <a:fillRef idx="0">
-            <a:schemeClr val="accent1"/>
-          </a:fillRef>
-          <a:effectRef idx="0">
-            <a:schemeClr val="accent1"/>
-          </a:effectRef>
-          <a:fontRef idx="minor">
-            <a:schemeClr val="tx1"/>
-          </a:fontRef>
-        </p:style>
-      </p:cxnSp>
-    </p:spTree>
-    <p:extLst>
-      <p:ext uri="{BB962C8B-B14F-4D97-AF65-F5344CB8AC3E}">
-        <p14:creationId xmlns:p14="http://schemas.microsoft.com/office/powerpoint/2010/main" val="3917931949"/>
-      </p:ext>
-    </p:extLst>
-  </p:cSld>
-  <p:clrMapOvr>
-    <a:masterClrMapping/>
-  </p:clrMapOvr>
-</p:sld>
-</file>
-
-<file path=ppt/slides/slide6.xml><?xml version="1.0" encoding="utf-8"?>
-<p:sld xmlns:a="http://schemas.openxmlformats.org/drawingml/2006/main" xmlns:r="http://schemas.openxmlformats.org/officeDocument/2006/relationships" xmlns:p="http://schemas.openxmlformats.org/presentationml/2006/main">
-  <p:cSld>
-    <p:spTree>
-      <p:nvGrpSpPr>
-        <p:cNvPr id="1" name=""/>
-        <p:cNvGrpSpPr/>
-        <p:nvPr/>
-      </p:nvGrpSpPr>
-      <p:grpSpPr>
-        <a:xfrm>
-          <a:off x="0" y="0"/>
-          <a:ext cx="0" cy="0"/>
-          <a:chOff x="0" y="0"/>
-          <a:chExt cx="0" cy="0"/>
-        </a:xfrm>
-      </p:grpSpPr>
-      <p:sp>
-        <p:nvSpPr>
-          <p:cNvPr id="2" name="제목 1">
-            <a:extLst>
-              <a:ext uri="{FF2B5EF4-FFF2-40B4-BE49-F238E27FC236}">
-                <a16:creationId xmlns:a16="http://schemas.microsoft.com/office/drawing/2014/main" xmlns="" id="{32A4EF47-FCCA-4723-AF28-1B2DE76CE7E9}"/>
-              </a:ext>
-            </a:extLst>
-          </p:cNvPr>
-          <p:cNvSpPr>
-            <a:spLocks noGrp="1"/>
-          </p:cNvSpPr>
-          <p:nvPr>
-            <p:ph type="title"/>
-          </p:nvPr>
-        </p:nvSpPr>
-        <p:spPr/>
-        <p:txBody>
-          <a:bodyPr>
-            <a:normAutofit fontScale="90000"/>
-          </a:bodyPr>
-          <a:lstStyle/>
-          <a:p>
-            <a:r>
-              <a:rPr lang="en-US" altLang="ko-KR" dirty="0"/>
-              <a:t>Translation</a:t>
-            </a:r>
-            <a:endParaRPr lang="ko-KR" altLang="en-US" dirty="0"/>
-          </a:p>
-        </p:txBody>
-      </p:sp>
-      <p:sp>
-        <p:nvSpPr>
-          <p:cNvPr id="3" name="내용 개체 틀 2">
-            <a:extLst>
-              <a:ext uri="{FF2B5EF4-FFF2-40B4-BE49-F238E27FC236}">
-                <a16:creationId xmlns:a16="http://schemas.microsoft.com/office/drawing/2014/main" xmlns="" id="{25774E92-9B95-4123-B29D-F5E0D6956FCA}"/>
-              </a:ext>
-            </a:extLst>
-          </p:cNvPr>
-          <p:cNvSpPr>
-            <a:spLocks noGrp="1"/>
-          </p:cNvSpPr>
-          <p:nvPr>
-            <p:ph idx="1"/>
-          </p:nvPr>
-        </p:nvSpPr>
-        <p:spPr/>
-        <p:txBody>
-          <a:bodyPr>
-            <a:normAutofit/>
-          </a:bodyPr>
-          <a:lstStyle/>
-          <a:p>
-            <a:r>
-              <a:rPr lang="en-US" altLang="ko-KR" sz="2000" dirty="0"/>
-              <a:t>Additional work : More </a:t>
-            </a:r>
-            <a:r>
-              <a:rPr lang="en-US" altLang="ko-KR" sz="2000" dirty="0" smtClean="0"/>
-              <a:t>simple </a:t>
-            </a:r>
-            <a:r>
-              <a:rPr lang="en-US" altLang="ko-KR" sz="2000" dirty="0"/>
-              <a:t>way!</a:t>
-            </a:r>
-            <a:endParaRPr lang="ko-KR" altLang="en-US" sz="2000" dirty="0"/>
-          </a:p>
-        </p:txBody>
-      </p:sp>
-      <p:pic>
-        <p:nvPicPr>
-          <p:cNvPr id="4" name="그림 3"/>
-          <p:cNvPicPr>
-            <a:picLocks noChangeAspect="1"/>
-          </p:cNvPicPr>
-          <p:nvPr/>
-        </p:nvPicPr>
-        <p:blipFill>
-          <a:blip r:embed="rId2"/>
-          <a:stretch>
-            <a:fillRect/>
-          </a:stretch>
-        </p:blipFill>
-        <p:spPr>
-          <a:xfrm>
-            <a:off x="2481043" y="1724982"/>
-            <a:ext cx="4191876" cy="4231263"/>
-          </a:xfrm>
-          <a:prstGeom prst="rect">
-            <a:avLst/>
-          </a:prstGeom>
-        </p:spPr>
-      </p:pic>
-    </p:spTree>
-    <p:extLst>
-      <p:ext uri="{BB962C8B-B14F-4D97-AF65-F5344CB8AC3E}">
-        <p14:creationId xmlns:p14="http://schemas.microsoft.com/office/powerpoint/2010/main" val="4236646421"/>
-      </p:ext>
-    </p:extLst>
-  </p:cSld>
-  <p:clrMapOvr>
-    <a:masterClrMapping/>
-  </p:clrMapOvr>
-</p:sld>
-</file>
-
-<file path=ppt/slides/slide7.xml><?xml version="1.0" encoding="utf-8"?>
-<p:sld xmlns:a="http://schemas.openxmlformats.org/drawingml/2006/main" xmlns:r="http://schemas.openxmlformats.org/officeDocument/2006/relationships" xmlns:p="http://schemas.openxmlformats.org/presentationml/2006/main">
-  <p:cSld>
-    <p:spTree>
-      <p:nvGrpSpPr>
-        <p:cNvPr id="1" name=""/>
-        <p:cNvGrpSpPr/>
-        <p:nvPr/>
-      </p:nvGrpSpPr>
-      <p:grpSpPr>
-        <a:xfrm>
-          <a:off x="0" y="0"/>
-          <a:ext cx="0" cy="0"/>
-          <a:chOff x="0" y="0"/>
-          <a:chExt cx="0" cy="0"/>
-        </a:xfrm>
-      </p:grpSpPr>
-      <p:sp>
-        <p:nvSpPr>
-          <p:cNvPr id="2" name="제목 1">
-            <a:extLst>
-              <a:ext uri="{FF2B5EF4-FFF2-40B4-BE49-F238E27FC236}">
-                <a16:creationId xmlns:a16="http://schemas.microsoft.com/office/drawing/2014/main" xmlns="" id="{32A4EF47-FCCA-4723-AF28-1B2DE76CE7E9}"/>
-              </a:ext>
-            </a:extLst>
-          </p:cNvPr>
-          <p:cNvSpPr>
-            <a:spLocks noGrp="1"/>
-          </p:cNvSpPr>
-          <p:nvPr>
-            <p:ph type="title"/>
-          </p:nvPr>
-        </p:nvSpPr>
-        <p:spPr/>
-        <p:txBody>
-          <a:bodyPr>
-            <a:normAutofit fontScale="90000"/>
-          </a:bodyPr>
-          <a:lstStyle/>
-          <a:p>
-            <a:r>
-              <a:rPr lang="en-US" altLang="ko-KR" dirty="0" smtClean="0"/>
-              <a:t>Rotation</a:t>
-            </a:r>
-            <a:endParaRPr lang="ko-KR" altLang="en-US" dirty="0"/>
-          </a:p>
-        </p:txBody>
-      </p:sp>
-      <mc:AlternateContent xmlns:mc="http://schemas.openxmlformats.org/markup-compatibility/2006">
-        <mc:Choice xmlns:a14="http://schemas.microsoft.com/office/drawing/2010/main" Requires="a14">
-          <p:sp>
-            <p:nvSpPr>
-              <p:cNvPr id="9" name="TextBox 8">
-                <a:extLst>
-                  <a:ext uri="{FF2B5EF4-FFF2-40B4-BE49-F238E27FC236}">
-                    <a16:creationId xmlns:a16="http://schemas.microsoft.com/office/drawing/2014/main" xmlns="" id="{B16A8EC2-8A6D-44D2-9EDE-EF34BC7617C6}"/>
-                  </a:ext>
-                </a:extLst>
-              </p:cNvPr>
-              <p:cNvSpPr txBox="1"/>
-              <p:nvPr/>
-            </p:nvSpPr>
-            <p:spPr>
-              <a:xfrm>
-                <a:off x="3406865" y="1316859"/>
-                <a:ext cx="2282355" cy="1381212"/>
-              </a:xfrm>
-              <a:prstGeom prst="rect">
-                <a:avLst/>
-              </a:prstGeom>
-              <a:noFill/>
-            </p:spPr>
-            <p:txBody>
-              <a:bodyPr wrap="none" rtlCol="0">
-                <a:spAutoFit/>
-              </a:bodyPr>
-              <a:lstStyle/>
-              <a:p>
-                <a:pPr algn="ctr"/>
-                <a:r>
-                  <a:rPr lang="en-US" altLang="ko-KR" dirty="0"/>
-                  <a:t>Transformation matrix</a:t>
-                </a:r>
-              </a:p>
-              <a:p>
-                <a:pPr algn="ctr"/>
-                <a:endParaRPr lang="en-US" altLang="ko-KR" dirty="0"/>
-              </a:p>
-              <a:p>
-                <a:pPr algn="ctr"/>
-                <a14:m>
-                  <m:oMathPara xmlns:m="http://schemas.openxmlformats.org/officeDocument/2006/math">
-                    <m:oMathParaPr>
-                      <m:jc m:val="centerGroup"/>
-                    </m:oMathParaPr>
-                    <m:oMath xmlns:m="http://schemas.openxmlformats.org/officeDocument/2006/math">
-                      <m:d>
-                        <m:dPr>
-                          <m:begChr m:val="["/>
-                          <m:endChr m:val="]"/>
-                          <m:ctrlPr>
-                            <a:rPr lang="en-US" altLang="ko-KR" i="1">
-                              <a:latin typeface="Cambria Math" panose="02040503050406030204" pitchFamily="18" charset="0"/>
-                            </a:rPr>
-                          </m:ctrlPr>
-                        </m:dPr>
-                        <m:e>
-                          <m:m>
-                            <m:mPr>
-                              <m:mcs>
-                                <m:mc>
-                                  <m:mcPr>
-                                    <m:count m:val="3"/>
-                                    <m:mcJc m:val="center"/>
-                                  </m:mcPr>
-                                </m:mc>
-                              </m:mcs>
-                              <m:ctrlPr>
-                                <a:rPr lang="en-US" altLang="ko-KR" i="1">
-                                  <a:latin typeface="Cambria Math" panose="02040503050406030204" pitchFamily="18" charset="0"/>
-                                </a:rPr>
-                              </m:ctrlPr>
-                            </m:mPr>
-                            <m:mr>
-                              <m:e>
-                                <m:func>
-                                  <m:funcPr>
-                                    <m:ctrlPr>
-                                      <a:rPr lang="en-US" altLang="ko-KR" i="1">
-                                        <a:latin typeface="Cambria Math" panose="02040503050406030204" pitchFamily="18" charset="0"/>
-                                      </a:rPr>
-                                    </m:ctrlPr>
-                                  </m:funcPr>
-                                  <m:fName>
-                                    <m:r>
-                                      <m:rPr>
-                                        <m:sty m:val="p"/>
-                                      </m:rPr>
-                                      <a:rPr lang="en-US" altLang="ko-KR">
-                                        <a:latin typeface="Cambria Math" panose="02040503050406030204" pitchFamily="18" charset="0"/>
-                                      </a:rPr>
-                                      <m:t>cos</m:t>
-                                    </m:r>
-                                  </m:fName>
-                                  <m:e>
-                                    <m:r>
-                                      <a:rPr lang="en-US" altLang="ko-KR" i="1">
-                                        <a:latin typeface="Cambria Math" panose="02040503050406030204" pitchFamily="18" charset="0"/>
-                                      </a:rPr>
-                                      <m:t>𝜃</m:t>
-                                    </m:r>
-                                  </m:e>
-                                </m:func>
-                              </m:e>
-                              <m:e>
-                                <m:r>
-                                  <a:rPr lang="en-US" altLang="ko-KR" i="1">
-                                    <a:latin typeface="Cambria Math" panose="02040503050406030204" pitchFamily="18" charset="0"/>
-                                  </a:rPr>
-                                  <m:t>−</m:t>
-                                </m:r>
-                                <m:func>
-                                  <m:funcPr>
-                                    <m:ctrlPr>
-                                      <a:rPr lang="en-US" altLang="ko-KR" i="1">
-                                        <a:latin typeface="Cambria Math" panose="02040503050406030204" pitchFamily="18" charset="0"/>
-                                      </a:rPr>
-                                    </m:ctrlPr>
-                                  </m:funcPr>
-                                  <m:fName>
-                                    <m:r>
-                                      <m:rPr>
-                                        <m:sty m:val="p"/>
-                                      </m:rPr>
-                                      <a:rPr lang="en-US" altLang="ko-KR">
-                                        <a:latin typeface="Cambria Math" panose="02040503050406030204" pitchFamily="18" charset="0"/>
-                                      </a:rPr>
-                                      <m:t>sin</m:t>
-                                    </m:r>
-                                  </m:fName>
-                                  <m:e>
-                                    <m:r>
-                                      <a:rPr lang="en-US" altLang="ko-KR" i="1">
-                                        <a:latin typeface="Cambria Math" panose="02040503050406030204" pitchFamily="18" charset="0"/>
-                                      </a:rPr>
-                                      <m:t>𝜃</m:t>
-                                    </m:r>
-                                  </m:e>
-                                </m:func>
-                              </m:e>
-                              <m:e>
-                                <m:r>
-                                  <a:rPr lang="en-US" altLang="ko-KR" i="1">
-                                    <a:latin typeface="Cambria Math" panose="02040503050406030204" pitchFamily="18" charset="0"/>
-                                  </a:rPr>
-                                  <m:t>0</m:t>
-                                </m:r>
-                              </m:e>
-                            </m:mr>
-                            <m:mr>
-                              <m:e>
-                                <m:func>
-                                  <m:funcPr>
-                                    <m:ctrlPr>
-                                      <a:rPr lang="en-US" altLang="ko-KR" i="1">
-                                        <a:latin typeface="Cambria Math" panose="02040503050406030204" pitchFamily="18" charset="0"/>
-                                      </a:rPr>
-                                    </m:ctrlPr>
-                                  </m:funcPr>
-                                  <m:fName>
-                                    <m:r>
-                                      <m:rPr>
-                                        <m:sty m:val="p"/>
-                                      </m:rPr>
-                                      <a:rPr lang="en-US" altLang="ko-KR">
-                                        <a:latin typeface="Cambria Math" panose="02040503050406030204" pitchFamily="18" charset="0"/>
-                                      </a:rPr>
-                                      <m:t>sin</m:t>
-                                    </m:r>
-                                  </m:fName>
-                                  <m:e>
-                                    <m:r>
-                                      <a:rPr lang="en-US" altLang="ko-KR" i="1">
-                                        <a:latin typeface="Cambria Math" panose="02040503050406030204" pitchFamily="18" charset="0"/>
-                                      </a:rPr>
-                                      <m:t>𝜃</m:t>
-                                    </m:r>
-                                  </m:e>
-                                </m:func>
-                              </m:e>
-                              <m:e>
-                                <m:func>
-                                  <m:funcPr>
-                                    <m:ctrlPr>
-                                      <a:rPr lang="en-US" altLang="ko-KR" i="1">
-                                        <a:latin typeface="Cambria Math" panose="02040503050406030204" pitchFamily="18" charset="0"/>
-                                      </a:rPr>
-                                    </m:ctrlPr>
-                                  </m:funcPr>
-                                  <m:fName>
-                                    <m:r>
-                                      <m:rPr>
-                                        <m:sty m:val="p"/>
-                                      </m:rPr>
-                                      <a:rPr lang="en-US" altLang="ko-KR">
-                                        <a:latin typeface="Cambria Math" panose="02040503050406030204" pitchFamily="18" charset="0"/>
-                                      </a:rPr>
-                                      <m:t>cos</m:t>
-                                    </m:r>
-                                  </m:fName>
-                                  <m:e>
-                                    <m:r>
-                                      <a:rPr lang="en-US" altLang="ko-KR" i="1">
-                                        <a:latin typeface="Cambria Math" panose="02040503050406030204" pitchFamily="18" charset="0"/>
-                                      </a:rPr>
-                                      <m:t>𝜃</m:t>
-                                    </m:r>
-                                  </m:e>
-                                </m:func>
-                              </m:e>
-                              <m:e>
-                                <m:r>
-                                  <a:rPr lang="en-US" altLang="ko-KR" i="1">
-                                    <a:latin typeface="Cambria Math" panose="02040503050406030204" pitchFamily="18" charset="0"/>
-                                  </a:rPr>
-                                  <m:t>0</m:t>
-                                </m:r>
-                              </m:e>
-                            </m:mr>
-                            <m:mr>
-                              <m:e>
-                                <m:r>
-                                  <a:rPr lang="en-US" altLang="ko-KR" i="1">
-                                    <a:latin typeface="Cambria Math" panose="02040503050406030204" pitchFamily="18" charset="0"/>
-                                  </a:rPr>
-                                  <m:t>0</m:t>
-                                </m:r>
-                              </m:e>
-                              <m:e>
-                                <m:r>
-                                  <a:rPr lang="en-US" altLang="ko-KR" i="1">
-                                    <a:latin typeface="Cambria Math" panose="02040503050406030204" pitchFamily="18" charset="0"/>
-                                  </a:rPr>
-                                  <m:t>0</m:t>
-                                </m:r>
-                              </m:e>
-                              <m:e>
-                                <m:r>
-                                  <a:rPr lang="en-US" altLang="ko-KR" i="1">
-                                    <a:latin typeface="Cambria Math" panose="02040503050406030204" pitchFamily="18" charset="0"/>
-                                  </a:rPr>
-                                  <m:t>1</m:t>
-                                </m:r>
-                              </m:e>
-                            </m:mr>
-                          </m:m>
-                        </m:e>
-                      </m:d>
-                    </m:oMath>
-                  </m:oMathPara>
-                </a14:m>
-                <a:endParaRPr lang="ko-KR" altLang="en-US" dirty="0"/>
-              </a:p>
-            </p:txBody>
-          </p:sp>
-        </mc:Choice>
-        <mc:Fallback>
-          <p:sp>
-            <p:nvSpPr>
-              <p:cNvPr id="9" name="TextBox 8">
-                <a:extLst>
-                  <a:ext uri="{FF2B5EF4-FFF2-40B4-BE49-F238E27FC236}">
-                    <a16:creationId xmlns:a16="http://schemas.microsoft.com/office/drawing/2014/main" xmlns:a14="http://schemas.microsoft.com/office/drawing/2010/main" xmlns="" id="{B16A8EC2-8A6D-44D2-9EDE-EF34BC7617C6}"/>
-                  </a:ext>
-                </a:extLst>
-              </p:cNvPr>
-              <p:cNvSpPr txBox="1">
-                <a:spLocks noRot="1" noChangeAspect="1" noMove="1" noResize="1" noEditPoints="1" noAdjustHandles="1" noChangeArrowheads="1" noChangeShapeType="1" noTextEdit="1"/>
-              </p:cNvSpPr>
-              <p:nvPr/>
-            </p:nvSpPr>
-            <p:spPr>
-              <a:xfrm>
-                <a:off x="3406865" y="1316859"/>
-                <a:ext cx="2282355" cy="1381212"/>
-              </a:xfrm>
-              <a:prstGeom prst="rect">
-                <a:avLst/>
-              </a:prstGeom>
-              <a:blipFill rotWithShape="0">
-                <a:blip r:embed="rId2"/>
-                <a:stretch>
-                  <a:fillRect l="-2139" t="-2203" r="-1872"/>
-                </a:stretch>
-              </a:blipFill>
-            </p:spPr>
-            <p:txBody>
-              <a:bodyPr/>
-              <a:lstStyle/>
-              <a:p>
-                <a:r>
-                  <a:rPr lang="ko-KR" altLang="en-US">
-                    <a:noFill/>
-                  </a:rPr>
-                  <a:t> </a:t>
-                </a:r>
-              </a:p>
-            </p:txBody>
-          </p:sp>
-        </mc:Fallback>
-      </mc:AlternateContent>
-      <p:pic>
-        <p:nvPicPr>
-          <p:cNvPr id="3" name="그림 2"/>
-          <p:cNvPicPr>
-            <a:picLocks noChangeAspect="1"/>
-          </p:cNvPicPr>
-          <p:nvPr/>
-        </p:nvPicPr>
-        <p:blipFill rotWithShape="1">
-          <a:blip r:embed="rId3">
-            <a:extLst>
-              <a:ext uri="{28A0092B-C50C-407E-A947-70E740481C1C}">
-                <a14:useLocalDpi xmlns:a14="http://schemas.microsoft.com/office/drawing/2010/main" val="0"/>
-              </a:ext>
-            </a:extLst>
-          </a:blip>
-          <a:srcRect t="21400" b="17134"/>
-          <a:stretch/>
-        </p:blipFill>
-        <p:spPr>
-          <a:xfrm>
-            <a:off x="1621956" y="2870976"/>
-            <a:ext cx="5852172" cy="2675319"/>
-          </a:xfrm>
-          <a:prstGeom prst="rect">
-            <a:avLst/>
-          </a:prstGeom>
-        </p:spPr>
-      </p:pic>
-    </p:spTree>
-    <p:extLst>
-      <p:ext uri="{BB962C8B-B14F-4D97-AF65-F5344CB8AC3E}">
-        <p14:creationId xmlns:p14="http://schemas.microsoft.com/office/powerpoint/2010/main" val="4253465744"/>
-      </p:ext>
-    </p:extLst>
-  </p:cSld>
-  <p:clrMapOvr>
-    <a:masterClrMapping/>
-  </p:clrMapOvr>
-</p:sld>
-</file>
-
-<file path=ppt/slides/slide8.xml><?xml version="1.0" encoding="utf-8"?>
-<p:sld xmlns:a="http://schemas.openxmlformats.org/drawingml/2006/main" xmlns:r="http://schemas.openxmlformats.org/officeDocument/2006/relationships" xmlns:p="http://schemas.openxmlformats.org/presentationml/2006/main">
-  <p:cSld>
-    <p:spTree>
-      <p:nvGrpSpPr>
-        <p:cNvPr id="1" name=""/>
-        <p:cNvGrpSpPr/>
-        <p:nvPr/>
-      </p:nvGrpSpPr>
-      <p:grpSpPr>
-        <a:xfrm>
-          <a:off x="0" y="0"/>
-          <a:ext cx="0" cy="0"/>
-          <a:chOff x="0" y="0"/>
-          <a:chExt cx="0" cy="0"/>
-        </a:xfrm>
-      </p:grpSpPr>
-      <p:sp>
-        <p:nvSpPr>
-          <p:cNvPr id="2" name="제목 1">
-            <a:extLst>
-              <a:ext uri="{FF2B5EF4-FFF2-40B4-BE49-F238E27FC236}">
-                <a16:creationId xmlns:a16="http://schemas.microsoft.com/office/drawing/2014/main" xmlns="" id="{32A4EF47-FCCA-4723-AF28-1B2DE76CE7E9}"/>
-              </a:ext>
-            </a:extLst>
-          </p:cNvPr>
-          <p:cNvSpPr>
-            <a:spLocks noGrp="1"/>
-          </p:cNvSpPr>
-          <p:nvPr>
-            <p:ph type="title"/>
-          </p:nvPr>
-        </p:nvSpPr>
-        <p:spPr/>
-        <p:txBody>
-          <a:bodyPr>
-            <a:normAutofit fontScale="90000"/>
-          </a:bodyPr>
-          <a:lstStyle/>
-          <a:p>
-            <a:r>
-              <a:rPr lang="en-US" altLang="ko-KR" dirty="0"/>
-              <a:t>Rotation</a:t>
-            </a:r>
-            <a:endParaRPr lang="ko-KR" altLang="en-US" dirty="0"/>
-          </a:p>
-        </p:txBody>
-      </p:sp>
-      <p:sp>
-        <p:nvSpPr>
-          <p:cNvPr id="3" name="내용 개체 틀 2">
-            <a:extLst>
-              <a:ext uri="{FF2B5EF4-FFF2-40B4-BE49-F238E27FC236}">
-                <a16:creationId xmlns:a16="http://schemas.microsoft.com/office/drawing/2014/main" xmlns="" id="{25774E92-9B95-4123-B29D-F5E0D6956FCA}"/>
-              </a:ext>
-            </a:extLst>
-          </p:cNvPr>
-          <p:cNvSpPr>
-            <a:spLocks noGrp="1"/>
-          </p:cNvSpPr>
-          <p:nvPr>
-            <p:ph idx="1"/>
-          </p:nvPr>
-        </p:nvSpPr>
-        <p:spPr/>
-        <p:txBody>
-          <a:bodyPr>
-            <a:normAutofit/>
-          </a:bodyPr>
-          <a:lstStyle/>
-          <a:p>
-            <a:r>
-              <a:rPr lang="en-US" altLang="ko-KR" sz="2000" dirty="0"/>
-              <a:t>Define transformation matrix</a:t>
-            </a:r>
-            <a:endParaRPr lang="ko-KR" altLang="en-US" sz="2000" dirty="0"/>
-          </a:p>
-        </p:txBody>
-      </p:sp>
-      <p:pic>
-        <p:nvPicPr>
-          <p:cNvPr id="4" name="그림 3"/>
-          <p:cNvPicPr>
-            <a:picLocks noChangeAspect="1"/>
-          </p:cNvPicPr>
-          <p:nvPr/>
-        </p:nvPicPr>
-        <p:blipFill>
-          <a:blip r:embed="rId2"/>
-          <a:stretch>
-            <a:fillRect/>
-          </a:stretch>
-        </p:blipFill>
-        <p:spPr>
-          <a:xfrm>
-            <a:off x="1933575" y="2481262"/>
-            <a:ext cx="5276850" cy="1895475"/>
-          </a:xfrm>
-          <a:prstGeom prst="rect">
-            <a:avLst/>
-          </a:prstGeom>
-        </p:spPr>
-      </p:pic>
-    </p:spTree>
-    <p:extLst>
-      <p:ext uri="{BB962C8B-B14F-4D97-AF65-F5344CB8AC3E}">
-        <p14:creationId xmlns:p14="http://schemas.microsoft.com/office/powerpoint/2010/main" val="1582764446"/>
-      </p:ext>
-    </p:extLst>
-  </p:cSld>
-  <p:clrMapOvr>
-    <a:masterClrMapping/>
-  </p:clrMapOvr>
-</p:sld>
-</file>
-
-<file path=ppt/slides/slide9.xml><?xml version="1.0" encoding="utf-8"?>
-<p:sld xmlns:a="http://schemas.openxmlformats.org/drawingml/2006/main" xmlns:r="http://schemas.openxmlformats.org/officeDocument/2006/relationships" xmlns:p="http://schemas.openxmlformats.org/presentationml/2006/main">
-  <p:cSld>
-    <p:spTree>
-      <p:nvGrpSpPr>
-        <p:cNvPr id="1" name=""/>
-        <p:cNvGrpSpPr/>
-        <p:nvPr/>
-      </p:nvGrpSpPr>
-      <p:grpSpPr>
-        <a:xfrm>
-          <a:off x="0" y="0"/>
-          <a:ext cx="0" cy="0"/>
-          <a:chOff x="0" y="0"/>
-          <a:chExt cx="0" cy="0"/>
-        </a:xfrm>
-      </p:grpSpPr>
-      <p:sp>
-        <p:nvSpPr>
-          <p:cNvPr id="2" name="제목 1">
-            <a:extLst>
-              <a:ext uri="{FF2B5EF4-FFF2-40B4-BE49-F238E27FC236}">
-                <a16:creationId xmlns:a16="http://schemas.microsoft.com/office/drawing/2014/main" xmlns="" id="{32A4EF47-FCCA-4723-AF28-1B2DE76CE7E9}"/>
-              </a:ext>
-            </a:extLst>
-          </p:cNvPr>
-          <p:cNvSpPr>
-            <a:spLocks noGrp="1"/>
-          </p:cNvSpPr>
-          <p:nvPr>
-            <p:ph type="title"/>
-          </p:nvPr>
-        </p:nvSpPr>
-        <p:spPr/>
-        <p:txBody>
-          <a:bodyPr>
-            <a:normAutofit fontScale="90000"/>
-          </a:bodyPr>
-          <a:lstStyle/>
-          <a:p>
-            <a:r>
-              <a:rPr lang="en-US" altLang="ko-KR" dirty="0" smtClean="0"/>
-              <a:t>Rotation (by Image center)</a:t>
-            </a:r>
-            <a:endParaRPr lang="ko-KR" altLang="en-US" dirty="0"/>
-          </a:p>
-        </p:txBody>
-      </p:sp>
-      <mc:AlternateContent xmlns:mc="http://schemas.openxmlformats.org/markup-compatibility/2006">
-        <mc:Choice xmlns:a14="http://schemas.microsoft.com/office/drawing/2010/main" Requires="a14">
-          <p:sp>
-            <p:nvSpPr>
-              <p:cNvPr id="9" name="TextBox 8">
-                <a:extLst>
-                  <a:ext uri="{FF2B5EF4-FFF2-40B4-BE49-F238E27FC236}">
-                    <a16:creationId xmlns:a16="http://schemas.microsoft.com/office/drawing/2014/main" xmlns="" id="{B16A8EC2-8A6D-44D2-9EDE-EF34BC7617C6}"/>
-                  </a:ext>
-                </a:extLst>
-              </p:cNvPr>
-              <p:cNvSpPr txBox="1"/>
-              <p:nvPr/>
-            </p:nvSpPr>
-            <p:spPr>
-              <a:xfrm>
-                <a:off x="-994260" y="1240992"/>
-                <a:ext cx="11408038" cy="1803699"/>
-              </a:xfrm>
-              <a:prstGeom prst="rect">
-                <a:avLst/>
-              </a:prstGeom>
-              <a:noFill/>
-            </p:spPr>
-            <p:txBody>
-              <a:bodyPr wrap="square" rtlCol="0">
-                <a:spAutoFit/>
-              </a:bodyPr>
-              <a:lstStyle/>
-              <a:p>
-                <a:pPr algn="ctr"/>
-                <a:r>
-                  <a:rPr lang="en-US" altLang="ko-KR" dirty="0" smtClean="0"/>
-                  <a:t>Transformation matrix</a:t>
-                </a:r>
-              </a:p>
               <a:p>
                 <a:pPr algn="ctr"/>
                 <a:endParaRPr lang="en-US" altLang="ko-KR" dirty="0"/>
@@ -8526,13 +5620,13 @@
             </p:txBody>
           </p:sp>
         </mc:Choice>
-        <mc:Fallback>
+        <mc:Fallback xmlns="">
           <p:sp>
             <p:nvSpPr>
-              <p:cNvPr id="9" name="TextBox 8">
+              <p:cNvPr id="17" name="TextBox 16">
                 <a:extLst>
                   <a:ext uri="{FF2B5EF4-FFF2-40B4-BE49-F238E27FC236}">
-                    <a16:creationId xmlns:a16="http://schemas.microsoft.com/office/drawing/2014/main" xmlns:a14="http://schemas.microsoft.com/office/drawing/2010/main" xmlns="" id="{B16A8EC2-8A6D-44D2-9EDE-EF34BC7617C6}"/>
+                    <a16:creationId xmlns:a16="http://schemas.microsoft.com/office/drawing/2014/main" id="{C2899139-778B-81BD-B62E-A5549B36EC38}"/>
                   </a:ext>
                 </a:extLst>
               </p:cNvPr>
@@ -8543,16 +5637,16 @@
             </p:nvSpPr>
             <p:spPr>
               <a:xfrm>
-                <a:off x="-994260" y="1240992"/>
-                <a:ext cx="11408038" cy="1803699"/>
+                <a:off x="1843502" y="1725347"/>
+                <a:ext cx="5892705" cy="1526700"/>
               </a:xfrm>
               <a:prstGeom prst="rect">
                 <a:avLst/>
               </a:prstGeom>
-              <a:blipFill rotWithShape="0">
-                <a:blip r:embed="rId2"/>
+              <a:blipFill>
+                <a:blip r:embed="rId3"/>
                 <a:stretch>
-                  <a:fillRect t="-2034"/>
+                  <a:fillRect/>
                 </a:stretch>
               </a:blipFill>
             </p:spPr>
@@ -8573,13 +5667,19 @@
       </mc:AlternateContent>
       <p:sp>
         <p:nvSpPr>
-          <p:cNvPr id="5" name="직사각형 4"/>
+          <p:cNvPr id="19" name="직사각형 18">
+            <a:extLst>
+              <a:ext uri="{FF2B5EF4-FFF2-40B4-BE49-F238E27FC236}">
+                <a16:creationId xmlns:a16="http://schemas.microsoft.com/office/drawing/2014/main" id="{61BE171F-CFC4-FEE5-60A4-A98751F1D8CE}"/>
+              </a:ext>
+            </a:extLst>
+          </p:cNvPr>
           <p:cNvSpPr/>
           <p:nvPr/>
         </p:nvSpPr>
         <p:spPr>
           <a:xfrm>
-            <a:off x="5889694" y="1808835"/>
+            <a:off x="6005809" y="2004716"/>
             <a:ext cx="1161967" cy="950337"/>
           </a:xfrm>
           <a:prstGeom prst="rect">
@@ -8619,13 +5719,19 @@
       </p:sp>
       <p:sp>
         <p:nvSpPr>
-          <p:cNvPr id="6" name="TextBox 5"/>
+          <p:cNvPr id="21" name="TextBox 20">
+            <a:extLst>
+              <a:ext uri="{FF2B5EF4-FFF2-40B4-BE49-F238E27FC236}">
+                <a16:creationId xmlns:a16="http://schemas.microsoft.com/office/drawing/2014/main" id="{05F908AB-5C17-A4E6-1A63-2BF155DC023E}"/>
+              </a:ext>
+            </a:extLst>
+          </p:cNvPr>
           <p:cNvSpPr txBox="1"/>
           <p:nvPr/>
         </p:nvSpPr>
         <p:spPr>
           <a:xfrm>
-            <a:off x="5889694" y="1439503"/>
+            <a:off x="6005809" y="1635384"/>
             <a:ext cx="2771151" cy="369332"/>
           </a:xfrm>
           <a:prstGeom prst="rect">
@@ -8640,7 +5746,7 @@
           <a:lstStyle/>
           <a:p>
             <a:r>
-              <a:rPr lang="en-US" altLang="ko-KR" dirty="0" err="1" smtClean="0">
+              <a:rPr lang="en-US" altLang="ko-KR" dirty="0" err="1">
                 <a:solidFill>
                   <a:srgbClr val="FF0000"/>
                 </a:solidFill>
@@ -8648,7 +5754,7 @@
               <a:t>Center</a:t>
             </a:r>
             <a:r>
-              <a:rPr lang="en-US" altLang="ko-KR" dirty="0" err="1" smtClean="0">
+              <a:rPr lang="en-US" altLang="ko-KR" dirty="0" err="1">
                 <a:solidFill>
                   <a:srgbClr val="FF0000"/>
                 </a:solidFill>
@@ -8657,7 +5763,7 @@
               <a:t>Origin</a:t>
             </a:r>
             <a:r>
-              <a:rPr lang="en-US" altLang="ko-KR" dirty="0" smtClean="0">
+              <a:rPr lang="en-US" altLang="ko-KR" dirty="0">
                 <a:solidFill>
                   <a:srgbClr val="FF0000"/>
                 </a:solidFill>
@@ -8670,6 +5776,67 @@
                 <a:srgbClr val="FF0000"/>
               </a:solidFill>
             </a:endParaRPr>
+          </a:p>
+        </p:txBody>
+      </p:sp>
+    </p:spTree>
+    <p:extLst>
+      <p:ext uri="{BB962C8B-B14F-4D97-AF65-F5344CB8AC3E}">
+        <p14:creationId xmlns:p14="http://schemas.microsoft.com/office/powerpoint/2010/main" val="2509231647"/>
+      </p:ext>
+    </p:extLst>
+  </p:cSld>
+  <p:clrMapOvr>
+    <a:masterClrMapping/>
+  </p:clrMapOvr>
+</p:sld>
+</file>
+
+<file path=ppt/slides/slide11.xml><?xml version="1.0" encoding="utf-8"?>
+<p:sld xmlns:a="http://schemas.openxmlformats.org/drawingml/2006/main" xmlns:r="http://schemas.openxmlformats.org/officeDocument/2006/relationships" xmlns:p="http://schemas.openxmlformats.org/presentationml/2006/main">
+  <p:cSld>
+    <p:spTree>
+      <p:nvGrpSpPr>
+        <p:cNvPr id="1" name=""/>
+        <p:cNvGrpSpPr/>
+        <p:nvPr/>
+      </p:nvGrpSpPr>
+      <p:grpSpPr>
+        <a:xfrm>
+          <a:off x="0" y="0"/>
+          <a:ext cx="0" cy="0"/>
+          <a:chOff x="0" y="0"/>
+          <a:chExt cx="0" cy="0"/>
+        </a:xfrm>
+      </p:grpSpPr>
+      <p:sp>
+        <p:nvSpPr>
+          <p:cNvPr id="2" name="제목 1">
+            <a:extLst>
+              <a:ext uri="{FF2B5EF4-FFF2-40B4-BE49-F238E27FC236}">
+                <a16:creationId xmlns:a16="http://schemas.microsoft.com/office/drawing/2014/main" id="{32A4EF47-FCCA-4723-AF28-1B2DE76CE7E9}"/>
+              </a:ext>
+            </a:extLst>
+          </p:cNvPr>
+          <p:cNvSpPr>
+            <a:spLocks noGrp="1"/>
+          </p:cNvSpPr>
+          <p:nvPr>
+            <p:ph type="title"/>
+          </p:nvPr>
+        </p:nvSpPr>
+        <p:spPr/>
+        <p:txBody>
+          <a:bodyPr>
+            <a:normAutofit fontScale="90000"/>
+          </a:bodyPr>
+          <a:lstStyle/>
+          <a:p>
+            <a:r>
+              <a:rPr lang="en-US" altLang="ko-KR" dirty="0"/>
+              <a:t>Rotation (by Image center)</a:t>
+            </a:r>
+            <a:endParaRPr lang="ko-KR" altLang="en-US" dirty="0"/>
           </a:p>
         </p:txBody>
       </p:sp>
@@ -8682,7 +5849,7 @@
           <p:nvPr/>
         </p:nvPicPr>
         <p:blipFill rotWithShape="1">
-          <a:blip r:embed="rId3">
+          <a:blip r:embed="rId2">
             <a:extLst>
               <a:ext uri="{28A0092B-C50C-407E-A947-70E740481C1C}">
                 <a14:useLocalDpi xmlns:a14="http://schemas.microsoft.com/office/drawing/2010/main" val="0"/>
@@ -8694,8 +5861,8 @@
         </p:blipFill>
         <p:spPr>
           <a:xfrm>
-            <a:off x="1685844" y="2910907"/>
-            <a:ext cx="5852172" cy="2451710"/>
+            <a:off x="900095" y="1973943"/>
+            <a:ext cx="7343810" cy="3076617"/>
           </a:xfrm>
           <a:prstGeom prst="rect">
             <a:avLst/>
@@ -8706,6 +5873,3586 @@
     <p:extLst>
       <p:ext uri="{BB962C8B-B14F-4D97-AF65-F5344CB8AC3E}">
         <p14:creationId xmlns:p14="http://schemas.microsoft.com/office/powerpoint/2010/main" val="767917582"/>
+      </p:ext>
+    </p:extLst>
+  </p:cSld>
+  <p:clrMapOvr>
+    <a:masterClrMapping/>
+  </p:clrMapOvr>
+</p:sld>
+</file>
+
+<file path=ppt/slides/slide12.xml><?xml version="1.0" encoding="utf-8"?>
+<p:sld xmlns:a="http://schemas.openxmlformats.org/drawingml/2006/main" xmlns:r="http://schemas.openxmlformats.org/officeDocument/2006/relationships" xmlns:p="http://schemas.openxmlformats.org/presentationml/2006/main">
+  <p:cSld>
+    <p:spTree>
+      <p:nvGrpSpPr>
+        <p:cNvPr id="1" name=""/>
+        <p:cNvGrpSpPr/>
+        <p:nvPr/>
+      </p:nvGrpSpPr>
+      <p:grpSpPr>
+        <a:xfrm>
+          <a:off x="0" y="0"/>
+          <a:ext cx="0" cy="0"/>
+          <a:chOff x="0" y="0"/>
+          <a:chExt cx="0" cy="0"/>
+        </a:xfrm>
+      </p:grpSpPr>
+      <p:sp>
+        <p:nvSpPr>
+          <p:cNvPr id="2" name="제목 1">
+            <a:extLst>
+              <a:ext uri="{FF2B5EF4-FFF2-40B4-BE49-F238E27FC236}">
+                <a16:creationId xmlns:a16="http://schemas.microsoft.com/office/drawing/2014/main" id="{32A4EF47-FCCA-4723-AF28-1B2DE76CE7E9}"/>
+              </a:ext>
+            </a:extLst>
+          </p:cNvPr>
+          <p:cNvSpPr>
+            <a:spLocks noGrp="1"/>
+          </p:cNvSpPr>
+          <p:nvPr>
+            <p:ph type="title"/>
+          </p:nvPr>
+        </p:nvSpPr>
+        <p:spPr/>
+        <p:txBody>
+          <a:bodyPr>
+            <a:normAutofit fontScale="90000"/>
+          </a:bodyPr>
+          <a:lstStyle/>
+          <a:p>
+            <a:r>
+              <a:rPr lang="en-US" altLang="ko-KR" dirty="0"/>
+              <a:t>Scaling</a:t>
+            </a:r>
+            <a:endParaRPr lang="ko-KR" altLang="en-US" dirty="0"/>
+          </a:p>
+        </p:txBody>
+      </p:sp>
+      <p:sp>
+        <p:nvSpPr>
+          <p:cNvPr id="3" name="내용 개체 틀 2">
+            <a:extLst>
+              <a:ext uri="{FF2B5EF4-FFF2-40B4-BE49-F238E27FC236}">
+                <a16:creationId xmlns:a16="http://schemas.microsoft.com/office/drawing/2014/main" id="{25774E92-9B95-4123-B29D-F5E0D6956FCA}"/>
+              </a:ext>
+            </a:extLst>
+          </p:cNvPr>
+          <p:cNvSpPr>
+            <a:spLocks noGrp="1"/>
+          </p:cNvSpPr>
+          <p:nvPr>
+            <p:ph idx="1"/>
+          </p:nvPr>
+        </p:nvSpPr>
+        <p:spPr/>
+        <p:txBody>
+          <a:bodyPr>
+            <a:normAutofit/>
+          </a:bodyPr>
+          <a:lstStyle/>
+          <a:p>
+            <a:r>
+              <a:rPr lang="en-US" altLang="ko-KR" sz="2000" dirty="0"/>
+              <a:t>Define transformation matrix</a:t>
+            </a:r>
+            <a:endParaRPr lang="ko-KR" altLang="en-US" sz="2000" dirty="0"/>
+          </a:p>
+        </p:txBody>
+      </p:sp>
+      <p:pic>
+        <p:nvPicPr>
+          <p:cNvPr id="5" name="그림 4"/>
+          <p:cNvPicPr>
+            <a:picLocks noChangeAspect="1"/>
+          </p:cNvPicPr>
+          <p:nvPr/>
+        </p:nvPicPr>
+        <p:blipFill>
+          <a:blip r:embed="rId2"/>
+          <a:stretch>
+            <a:fillRect/>
+          </a:stretch>
+        </p:blipFill>
+        <p:spPr>
+          <a:xfrm>
+            <a:off x="1543455" y="3875507"/>
+            <a:ext cx="6057089" cy="1554723"/>
+          </a:xfrm>
+          <a:prstGeom prst="rect">
+            <a:avLst/>
+          </a:prstGeom>
+        </p:spPr>
+      </p:pic>
+      <mc:AlternateContent xmlns:mc="http://schemas.openxmlformats.org/markup-compatibility/2006" xmlns:a14="http://schemas.microsoft.com/office/drawing/2010/main">
+        <mc:Choice Requires="a14">
+          <p:sp>
+            <p:nvSpPr>
+              <p:cNvPr id="6" name="TextBox 5">
+                <a:extLst>
+                  <a:ext uri="{FF2B5EF4-FFF2-40B4-BE49-F238E27FC236}">
+                    <a16:creationId xmlns:a16="http://schemas.microsoft.com/office/drawing/2014/main" id="{33205EB0-234F-12BD-0F47-D158B75491BD}"/>
+                  </a:ext>
+                </a:extLst>
+              </p:cNvPr>
+              <p:cNvSpPr txBox="1"/>
+              <p:nvPr/>
+            </p:nvSpPr>
+            <p:spPr>
+              <a:xfrm>
+                <a:off x="3430821" y="1970225"/>
+                <a:ext cx="2282355" cy="1526700"/>
+              </a:xfrm>
+              <a:prstGeom prst="rect">
+                <a:avLst/>
+              </a:prstGeom>
+              <a:noFill/>
+            </p:spPr>
+            <p:txBody>
+              <a:bodyPr wrap="none" rtlCol="0">
+                <a:spAutoFit/>
+              </a:bodyPr>
+              <a:lstStyle/>
+              <a:p>
+                <a:pPr algn="ctr"/>
+                <a:r>
+                  <a:rPr lang="en-US" altLang="ko-KR" dirty="0"/>
+                  <a:t>Transformation matrix</a:t>
+                </a:r>
+              </a:p>
+              <a:p>
+                <a:pPr algn="ctr"/>
+                <a:endParaRPr lang="en-US" altLang="ko-KR" dirty="0"/>
+              </a:p>
+              <a:p>
+                <a:pPr/>
+                <a14:m>
+                  <m:oMathPara xmlns:m="http://schemas.openxmlformats.org/officeDocument/2006/math">
+                    <m:oMathParaPr>
+                      <m:jc m:val="centerGroup"/>
+                    </m:oMathParaPr>
+                    <m:oMath xmlns:m="http://schemas.openxmlformats.org/officeDocument/2006/math">
+                      <m:d>
+                        <m:dPr>
+                          <m:begChr m:val="["/>
+                          <m:endChr m:val="]"/>
+                          <m:ctrlPr>
+                            <a:rPr lang="en-US" altLang="ko-KR" i="1">
+                              <a:latin typeface="Cambria Math" panose="02040503050406030204" pitchFamily="18" charset="0"/>
+                            </a:rPr>
+                          </m:ctrlPr>
+                        </m:dPr>
+                        <m:e>
+                          <m:m>
+                            <m:mPr>
+                              <m:mcs>
+                                <m:mc>
+                                  <m:mcPr>
+                                    <m:count m:val="3"/>
+                                    <m:mcJc m:val="center"/>
+                                  </m:mcPr>
+                                </m:mc>
+                              </m:mcs>
+                              <m:ctrlPr>
+                                <a:rPr lang="en-US" altLang="ko-KR" i="1">
+                                  <a:latin typeface="Cambria Math" panose="02040503050406030204" pitchFamily="18" charset="0"/>
+                                </a:rPr>
+                              </m:ctrlPr>
+                            </m:mPr>
+                            <m:mr>
+                              <m:e>
+                                <m:sSub>
+                                  <m:sSubPr>
+                                    <m:ctrlPr>
+                                      <a:rPr lang="en-US" altLang="ko-KR" i="1">
+                                        <a:latin typeface="Cambria Math" panose="02040503050406030204" pitchFamily="18" charset="0"/>
+                                      </a:rPr>
+                                    </m:ctrlPr>
+                                  </m:sSubPr>
+                                  <m:e>
+                                    <m:r>
+                                      <a:rPr lang="en-US" altLang="ko-KR" i="1">
+                                        <a:latin typeface="Cambria Math" panose="02040503050406030204" pitchFamily="18" charset="0"/>
+                                      </a:rPr>
+                                      <m:t>𝑠</m:t>
+                                    </m:r>
+                                  </m:e>
+                                  <m:sub>
+                                    <m:r>
+                                      <a:rPr lang="en-US" altLang="ko-KR" i="1">
+                                        <a:latin typeface="Cambria Math" panose="02040503050406030204" pitchFamily="18" charset="0"/>
+                                      </a:rPr>
+                                      <m:t>𝑥</m:t>
+                                    </m:r>
+                                  </m:sub>
+                                </m:sSub>
+                              </m:e>
+                              <m:e>
+                                <m:r>
+                                  <a:rPr lang="en-US" altLang="ko-KR" i="1">
+                                    <a:latin typeface="Cambria Math" panose="02040503050406030204" pitchFamily="18" charset="0"/>
+                                  </a:rPr>
+                                  <m:t>0</m:t>
+                                </m:r>
+                              </m:e>
+                              <m:e>
+                                <m:r>
+                                  <a:rPr lang="en-US" altLang="ko-KR" i="1">
+                                    <a:latin typeface="Cambria Math" panose="02040503050406030204" pitchFamily="18" charset="0"/>
+                                  </a:rPr>
+                                  <m:t>0</m:t>
+                                </m:r>
+                              </m:e>
+                            </m:mr>
+                            <m:mr>
+                              <m:e>
+                                <m:r>
+                                  <a:rPr lang="en-US" altLang="ko-KR" i="1">
+                                    <a:latin typeface="Cambria Math" panose="02040503050406030204" pitchFamily="18" charset="0"/>
+                                  </a:rPr>
+                                  <m:t>0</m:t>
+                                </m:r>
+                              </m:e>
+                              <m:e>
+                                <m:sSub>
+                                  <m:sSubPr>
+                                    <m:ctrlPr>
+                                      <a:rPr lang="en-US" altLang="ko-KR" i="1">
+                                        <a:latin typeface="Cambria Math" panose="02040503050406030204" pitchFamily="18" charset="0"/>
+                                      </a:rPr>
+                                    </m:ctrlPr>
+                                  </m:sSubPr>
+                                  <m:e>
+                                    <m:r>
+                                      <a:rPr lang="en-US" altLang="ko-KR" i="1">
+                                        <a:latin typeface="Cambria Math" panose="02040503050406030204" pitchFamily="18" charset="0"/>
+                                      </a:rPr>
+                                      <m:t>𝑠</m:t>
+                                    </m:r>
+                                  </m:e>
+                                  <m:sub>
+                                    <m:r>
+                                      <a:rPr lang="en-US" altLang="ko-KR" i="1">
+                                        <a:latin typeface="Cambria Math" panose="02040503050406030204" pitchFamily="18" charset="0"/>
+                                      </a:rPr>
+                                      <m:t>𝑦</m:t>
+                                    </m:r>
+                                  </m:sub>
+                                </m:sSub>
+                              </m:e>
+                              <m:e>
+                                <m:r>
+                                  <a:rPr lang="en-US" altLang="ko-KR" i="1">
+                                    <a:latin typeface="Cambria Math" panose="02040503050406030204" pitchFamily="18" charset="0"/>
+                                  </a:rPr>
+                                  <m:t>0</m:t>
+                                </m:r>
+                              </m:e>
+                            </m:mr>
+                            <m:mr>
+                              <m:e>
+                                <m:r>
+                                  <a:rPr lang="en-US" altLang="ko-KR" i="1">
+                                    <a:latin typeface="Cambria Math" panose="02040503050406030204" pitchFamily="18" charset="0"/>
+                                  </a:rPr>
+                                  <m:t>0</m:t>
+                                </m:r>
+                              </m:e>
+                              <m:e>
+                                <m:r>
+                                  <a:rPr lang="en-US" altLang="ko-KR" i="1">
+                                    <a:latin typeface="Cambria Math" panose="02040503050406030204" pitchFamily="18" charset="0"/>
+                                  </a:rPr>
+                                  <m:t>0</m:t>
+                                </m:r>
+                              </m:e>
+                              <m:e>
+                                <m:r>
+                                  <a:rPr lang="en-US" altLang="ko-KR" i="1">
+                                    <a:latin typeface="Cambria Math" panose="02040503050406030204" pitchFamily="18" charset="0"/>
+                                  </a:rPr>
+                                  <m:t>1</m:t>
+                                </m:r>
+                              </m:e>
+                            </m:mr>
+                          </m:m>
+                        </m:e>
+                      </m:d>
+                      <m:r>
+                        <m:rPr>
+                          <m:nor/>
+                        </m:rPr>
+                        <a:rPr lang="ko-KR" altLang="en-US" dirty="0"/>
+                        <m:t> </m:t>
+                      </m:r>
+                    </m:oMath>
+                  </m:oMathPara>
+                </a14:m>
+                <a:endParaRPr lang="ko-KR" altLang="en-US" dirty="0"/>
+              </a:p>
+            </p:txBody>
+          </p:sp>
+        </mc:Choice>
+        <mc:Fallback xmlns="">
+          <p:sp>
+            <p:nvSpPr>
+              <p:cNvPr id="6" name="TextBox 5">
+                <a:extLst>
+                  <a:ext uri="{FF2B5EF4-FFF2-40B4-BE49-F238E27FC236}">
+                    <a16:creationId xmlns:a16="http://schemas.microsoft.com/office/drawing/2014/main" id="{33205EB0-234F-12BD-0F47-D158B75491BD}"/>
+                  </a:ext>
+                </a:extLst>
+              </p:cNvPr>
+              <p:cNvSpPr txBox="1">
+                <a:spLocks noRot="1" noChangeAspect="1" noMove="1" noResize="1" noEditPoints="1" noAdjustHandles="1" noChangeArrowheads="1" noChangeShapeType="1" noTextEdit="1"/>
+              </p:cNvSpPr>
+              <p:nvPr/>
+            </p:nvSpPr>
+            <p:spPr>
+              <a:xfrm>
+                <a:off x="3430821" y="1970225"/>
+                <a:ext cx="2282355" cy="1526700"/>
+              </a:xfrm>
+              <a:prstGeom prst="rect">
+                <a:avLst/>
+              </a:prstGeom>
+              <a:blipFill>
+                <a:blip r:embed="rId3"/>
+                <a:stretch>
+                  <a:fillRect l="-2139" t="-1992" r="-1872"/>
+                </a:stretch>
+              </a:blipFill>
+            </p:spPr>
+            <p:txBody>
+              <a:bodyPr/>
+              <a:lstStyle/>
+              <a:p>
+                <a:r>
+                  <a:rPr lang="ko-KR" altLang="en-US">
+                    <a:noFill/>
+                  </a:rPr>
+                  <a:t> </a:t>
+                </a:r>
+              </a:p>
+            </p:txBody>
+          </p:sp>
+        </mc:Fallback>
+      </mc:AlternateContent>
+    </p:spTree>
+    <p:extLst>
+      <p:ext uri="{BB962C8B-B14F-4D97-AF65-F5344CB8AC3E}">
+        <p14:creationId xmlns:p14="http://schemas.microsoft.com/office/powerpoint/2010/main" val="2602312986"/>
+      </p:ext>
+    </p:extLst>
+  </p:cSld>
+  <p:clrMapOvr>
+    <a:masterClrMapping/>
+  </p:clrMapOvr>
+</p:sld>
+</file>
+
+<file path=ppt/slides/slide13.xml><?xml version="1.0" encoding="utf-8"?>
+<p:sld xmlns:a="http://schemas.openxmlformats.org/drawingml/2006/main" xmlns:r="http://schemas.openxmlformats.org/officeDocument/2006/relationships" xmlns:p="http://schemas.openxmlformats.org/presentationml/2006/main">
+  <p:cSld>
+    <p:spTree>
+      <p:nvGrpSpPr>
+        <p:cNvPr id="1" name=""/>
+        <p:cNvGrpSpPr/>
+        <p:nvPr/>
+      </p:nvGrpSpPr>
+      <p:grpSpPr>
+        <a:xfrm>
+          <a:off x="0" y="0"/>
+          <a:ext cx="0" cy="0"/>
+          <a:chOff x="0" y="0"/>
+          <a:chExt cx="0" cy="0"/>
+        </a:xfrm>
+      </p:grpSpPr>
+      <p:sp>
+        <p:nvSpPr>
+          <p:cNvPr id="2" name="제목 1">
+            <a:extLst>
+              <a:ext uri="{FF2B5EF4-FFF2-40B4-BE49-F238E27FC236}">
+                <a16:creationId xmlns:a16="http://schemas.microsoft.com/office/drawing/2014/main" id="{32A4EF47-FCCA-4723-AF28-1B2DE76CE7E9}"/>
+              </a:ext>
+            </a:extLst>
+          </p:cNvPr>
+          <p:cNvSpPr>
+            <a:spLocks noGrp="1"/>
+          </p:cNvSpPr>
+          <p:nvPr>
+            <p:ph type="title"/>
+          </p:nvPr>
+        </p:nvSpPr>
+        <p:spPr/>
+        <p:txBody>
+          <a:bodyPr>
+            <a:normAutofit fontScale="90000"/>
+          </a:bodyPr>
+          <a:lstStyle/>
+          <a:p>
+            <a:r>
+              <a:rPr lang="en-US" altLang="ko-KR" dirty="0"/>
+              <a:t>Scaling</a:t>
+            </a:r>
+            <a:endParaRPr lang="ko-KR" altLang="en-US" dirty="0"/>
+          </a:p>
+        </p:txBody>
+      </p:sp>
+      <p:pic>
+        <p:nvPicPr>
+          <p:cNvPr id="4" name="그림 3"/>
+          <p:cNvPicPr>
+            <a:picLocks noChangeAspect="1"/>
+          </p:cNvPicPr>
+          <p:nvPr/>
+        </p:nvPicPr>
+        <p:blipFill rotWithShape="1">
+          <a:blip r:embed="rId2">
+            <a:extLst>
+              <a:ext uri="{28A0092B-C50C-407E-A947-70E740481C1C}">
+                <a14:useLocalDpi xmlns:a14="http://schemas.microsoft.com/office/drawing/2010/main" val="0"/>
+              </a:ext>
+            </a:extLst>
+          </a:blip>
+          <a:srcRect t="23052" b="19519"/>
+          <a:stretch/>
+        </p:blipFill>
+        <p:spPr>
+          <a:xfrm>
+            <a:off x="828490" y="1913804"/>
+            <a:ext cx="7487019" cy="3197916"/>
+          </a:xfrm>
+          <a:prstGeom prst="rect">
+            <a:avLst/>
+          </a:prstGeom>
+        </p:spPr>
+      </p:pic>
+    </p:spTree>
+    <p:extLst>
+      <p:ext uri="{BB962C8B-B14F-4D97-AF65-F5344CB8AC3E}">
+        <p14:creationId xmlns:p14="http://schemas.microsoft.com/office/powerpoint/2010/main" val="221037909"/>
+      </p:ext>
+    </p:extLst>
+  </p:cSld>
+  <p:clrMapOvr>
+    <a:masterClrMapping/>
+  </p:clrMapOvr>
+</p:sld>
+</file>
+
+<file path=ppt/slides/slide14.xml><?xml version="1.0" encoding="utf-8"?>
+<p:sld xmlns:a="http://schemas.openxmlformats.org/drawingml/2006/main" xmlns:r="http://schemas.openxmlformats.org/officeDocument/2006/relationships" xmlns:p="http://schemas.openxmlformats.org/presentationml/2006/main">
+  <p:cSld>
+    <p:spTree>
+      <p:nvGrpSpPr>
+        <p:cNvPr id="1" name=""/>
+        <p:cNvGrpSpPr/>
+        <p:nvPr/>
+      </p:nvGrpSpPr>
+      <p:grpSpPr>
+        <a:xfrm>
+          <a:off x="0" y="0"/>
+          <a:ext cx="0" cy="0"/>
+          <a:chOff x="0" y="0"/>
+          <a:chExt cx="0" cy="0"/>
+        </a:xfrm>
+      </p:grpSpPr>
+      <p:sp>
+        <p:nvSpPr>
+          <p:cNvPr id="2" name="제목 1">
+            <a:extLst>
+              <a:ext uri="{FF2B5EF4-FFF2-40B4-BE49-F238E27FC236}">
+                <a16:creationId xmlns:a16="http://schemas.microsoft.com/office/drawing/2014/main" id="{32A4EF47-FCCA-4723-AF28-1B2DE76CE7E9}"/>
+              </a:ext>
+            </a:extLst>
+          </p:cNvPr>
+          <p:cNvSpPr>
+            <a:spLocks noGrp="1"/>
+          </p:cNvSpPr>
+          <p:nvPr>
+            <p:ph type="title"/>
+          </p:nvPr>
+        </p:nvSpPr>
+        <p:spPr/>
+        <p:txBody>
+          <a:bodyPr>
+            <a:normAutofit fontScale="90000"/>
+          </a:bodyPr>
+          <a:lstStyle/>
+          <a:p>
+            <a:r>
+              <a:rPr lang="en-US" altLang="ko-KR" dirty="0"/>
+              <a:t>Shearing</a:t>
+            </a:r>
+            <a:endParaRPr lang="ko-KR" altLang="en-US" dirty="0"/>
+          </a:p>
+        </p:txBody>
+      </p:sp>
+      <p:sp>
+        <p:nvSpPr>
+          <p:cNvPr id="3" name="내용 개체 틀 2">
+            <a:extLst>
+              <a:ext uri="{FF2B5EF4-FFF2-40B4-BE49-F238E27FC236}">
+                <a16:creationId xmlns:a16="http://schemas.microsoft.com/office/drawing/2014/main" id="{25774E92-9B95-4123-B29D-F5E0D6956FCA}"/>
+              </a:ext>
+            </a:extLst>
+          </p:cNvPr>
+          <p:cNvSpPr>
+            <a:spLocks noGrp="1"/>
+          </p:cNvSpPr>
+          <p:nvPr>
+            <p:ph idx="1"/>
+          </p:nvPr>
+        </p:nvSpPr>
+        <p:spPr/>
+        <p:txBody>
+          <a:bodyPr>
+            <a:normAutofit/>
+          </a:bodyPr>
+          <a:lstStyle/>
+          <a:p>
+            <a:r>
+              <a:rPr lang="en-US" altLang="ko-KR" sz="2000" dirty="0"/>
+              <a:t>Define transformation matrix</a:t>
+            </a:r>
+            <a:endParaRPr lang="ko-KR" altLang="en-US" sz="2000" dirty="0"/>
+          </a:p>
+        </p:txBody>
+      </p:sp>
+      <p:pic>
+        <p:nvPicPr>
+          <p:cNvPr id="4" name="그림 3"/>
+          <p:cNvPicPr>
+            <a:picLocks noChangeAspect="1"/>
+          </p:cNvPicPr>
+          <p:nvPr/>
+        </p:nvPicPr>
+        <p:blipFill>
+          <a:blip r:embed="rId2"/>
+          <a:stretch>
+            <a:fillRect/>
+          </a:stretch>
+        </p:blipFill>
+        <p:spPr>
+          <a:xfrm>
+            <a:off x="3128962" y="3825978"/>
+            <a:ext cx="2886075" cy="2076450"/>
+          </a:xfrm>
+          <a:prstGeom prst="rect">
+            <a:avLst/>
+          </a:prstGeom>
+        </p:spPr>
+      </p:pic>
+      <mc:AlternateContent xmlns:mc="http://schemas.openxmlformats.org/markup-compatibility/2006" xmlns:a14="http://schemas.microsoft.com/office/drawing/2010/main">
+        <mc:Choice Requires="a14">
+          <p:sp>
+            <p:nvSpPr>
+              <p:cNvPr id="6" name="TextBox 5">
+                <a:extLst>
+                  <a:ext uri="{FF2B5EF4-FFF2-40B4-BE49-F238E27FC236}">
+                    <a16:creationId xmlns:a16="http://schemas.microsoft.com/office/drawing/2014/main" id="{508781E6-9AA7-F88B-2E00-AD240E39FBFA}"/>
+                  </a:ext>
+                </a:extLst>
+              </p:cNvPr>
+              <p:cNvSpPr txBox="1"/>
+              <p:nvPr/>
+            </p:nvSpPr>
+            <p:spPr>
+              <a:xfrm>
+                <a:off x="3430821" y="1920696"/>
+                <a:ext cx="2282355" cy="1526700"/>
+              </a:xfrm>
+              <a:prstGeom prst="rect">
+                <a:avLst/>
+              </a:prstGeom>
+              <a:noFill/>
+            </p:spPr>
+            <p:txBody>
+              <a:bodyPr wrap="none" rtlCol="0">
+                <a:spAutoFit/>
+              </a:bodyPr>
+              <a:lstStyle/>
+              <a:p>
+                <a:pPr algn="ctr"/>
+                <a:r>
+                  <a:rPr lang="en-US" altLang="ko-KR" dirty="0"/>
+                  <a:t>Transformation matrix</a:t>
+                </a:r>
+              </a:p>
+              <a:p>
+                <a:pPr algn="ctr"/>
+                <a:endParaRPr lang="en-US" altLang="ko-KR" dirty="0"/>
+              </a:p>
+              <a:p>
+                <a:pPr/>
+                <a14:m>
+                  <m:oMathPara xmlns:m="http://schemas.openxmlformats.org/officeDocument/2006/math">
+                    <m:oMathParaPr>
+                      <m:jc m:val="centerGroup"/>
+                    </m:oMathParaPr>
+                    <m:oMath xmlns:m="http://schemas.openxmlformats.org/officeDocument/2006/math">
+                      <m:d>
+                        <m:dPr>
+                          <m:begChr m:val="["/>
+                          <m:endChr m:val="]"/>
+                          <m:ctrlPr>
+                            <a:rPr lang="en-US" altLang="ko-KR" i="1">
+                              <a:latin typeface="Cambria Math" panose="02040503050406030204" pitchFamily="18" charset="0"/>
+                            </a:rPr>
+                          </m:ctrlPr>
+                        </m:dPr>
+                        <m:e>
+                          <m:m>
+                            <m:mPr>
+                              <m:mcs>
+                                <m:mc>
+                                  <m:mcPr>
+                                    <m:count m:val="3"/>
+                                    <m:mcJc m:val="center"/>
+                                  </m:mcPr>
+                                </m:mc>
+                              </m:mcs>
+                              <m:ctrlPr>
+                                <a:rPr lang="en-US" altLang="ko-KR" i="1">
+                                  <a:latin typeface="Cambria Math" panose="02040503050406030204" pitchFamily="18" charset="0"/>
+                                </a:rPr>
+                              </m:ctrlPr>
+                            </m:mPr>
+                            <m:mr>
+                              <m:e>
+                                <m:r>
+                                  <a:rPr lang="en-US" altLang="ko-KR" i="1">
+                                    <a:latin typeface="Cambria Math" panose="02040503050406030204" pitchFamily="18" charset="0"/>
+                                  </a:rPr>
+                                  <m:t>1</m:t>
+                                </m:r>
+                              </m:e>
+                              <m:e>
+                                <m:r>
+                                  <a:rPr lang="en-US" altLang="ko-KR" i="1">
+                                    <a:latin typeface="Cambria Math" panose="02040503050406030204" pitchFamily="18" charset="0"/>
+                                  </a:rPr>
+                                  <m:t>𝑠</m:t>
+                                </m:r>
+                                <m:sSub>
+                                  <m:sSubPr>
+                                    <m:ctrlPr>
+                                      <a:rPr lang="en-US" altLang="ko-KR" i="1">
+                                        <a:latin typeface="Cambria Math" panose="02040503050406030204" pitchFamily="18" charset="0"/>
+                                      </a:rPr>
+                                    </m:ctrlPr>
+                                  </m:sSubPr>
+                                  <m:e>
+                                    <m:r>
+                                      <a:rPr lang="en-US" altLang="ko-KR" i="1">
+                                        <a:latin typeface="Cambria Math" panose="02040503050406030204" pitchFamily="18" charset="0"/>
+                                      </a:rPr>
+                                      <m:t>h</m:t>
+                                    </m:r>
+                                  </m:e>
+                                  <m:sub>
+                                    <m:r>
+                                      <a:rPr lang="en-US" altLang="ko-KR" i="1">
+                                        <a:latin typeface="Cambria Math" panose="02040503050406030204" pitchFamily="18" charset="0"/>
+                                      </a:rPr>
+                                      <m:t>𝑦</m:t>
+                                    </m:r>
+                                  </m:sub>
+                                </m:sSub>
+                              </m:e>
+                              <m:e>
+                                <m:r>
+                                  <a:rPr lang="en-US" altLang="ko-KR" i="1">
+                                    <a:latin typeface="Cambria Math" panose="02040503050406030204" pitchFamily="18" charset="0"/>
+                                  </a:rPr>
+                                  <m:t>0</m:t>
+                                </m:r>
+                              </m:e>
+                            </m:mr>
+                            <m:mr>
+                              <m:e>
+                                <m:r>
+                                  <a:rPr lang="en-US" altLang="ko-KR" i="1">
+                                    <a:latin typeface="Cambria Math" panose="02040503050406030204" pitchFamily="18" charset="0"/>
+                                  </a:rPr>
+                                  <m:t>𝑠</m:t>
+                                </m:r>
+                                <m:sSub>
+                                  <m:sSubPr>
+                                    <m:ctrlPr>
+                                      <a:rPr lang="en-US" altLang="ko-KR" i="1">
+                                        <a:latin typeface="Cambria Math" panose="02040503050406030204" pitchFamily="18" charset="0"/>
+                                      </a:rPr>
+                                    </m:ctrlPr>
+                                  </m:sSubPr>
+                                  <m:e>
+                                    <m:r>
+                                      <a:rPr lang="en-US" altLang="ko-KR" i="1">
+                                        <a:latin typeface="Cambria Math" panose="02040503050406030204" pitchFamily="18" charset="0"/>
+                                      </a:rPr>
+                                      <m:t>h</m:t>
+                                    </m:r>
+                                  </m:e>
+                                  <m:sub>
+                                    <m:r>
+                                      <a:rPr lang="en-US" altLang="ko-KR" i="1">
+                                        <a:latin typeface="Cambria Math" panose="02040503050406030204" pitchFamily="18" charset="0"/>
+                                      </a:rPr>
+                                      <m:t>𝑥</m:t>
+                                    </m:r>
+                                  </m:sub>
+                                </m:sSub>
+                              </m:e>
+                              <m:e>
+                                <m:r>
+                                  <a:rPr lang="en-US" altLang="ko-KR" i="1">
+                                    <a:latin typeface="Cambria Math" panose="02040503050406030204" pitchFamily="18" charset="0"/>
+                                  </a:rPr>
+                                  <m:t>1</m:t>
+                                </m:r>
+                              </m:e>
+                              <m:e>
+                                <m:r>
+                                  <a:rPr lang="en-US" altLang="ko-KR" i="1">
+                                    <a:latin typeface="Cambria Math" panose="02040503050406030204" pitchFamily="18" charset="0"/>
+                                  </a:rPr>
+                                  <m:t>0</m:t>
+                                </m:r>
+                              </m:e>
+                            </m:mr>
+                            <m:mr>
+                              <m:e>
+                                <m:r>
+                                  <a:rPr lang="en-US" altLang="ko-KR" i="1">
+                                    <a:latin typeface="Cambria Math" panose="02040503050406030204" pitchFamily="18" charset="0"/>
+                                  </a:rPr>
+                                  <m:t>0</m:t>
+                                </m:r>
+                              </m:e>
+                              <m:e>
+                                <m:r>
+                                  <a:rPr lang="en-US" altLang="ko-KR" i="1">
+                                    <a:latin typeface="Cambria Math" panose="02040503050406030204" pitchFamily="18" charset="0"/>
+                                  </a:rPr>
+                                  <m:t>0</m:t>
+                                </m:r>
+                              </m:e>
+                              <m:e>
+                                <m:r>
+                                  <a:rPr lang="en-US" altLang="ko-KR" i="1">
+                                    <a:latin typeface="Cambria Math" panose="02040503050406030204" pitchFamily="18" charset="0"/>
+                                  </a:rPr>
+                                  <m:t>1</m:t>
+                                </m:r>
+                              </m:e>
+                            </m:mr>
+                          </m:m>
+                        </m:e>
+                      </m:d>
+                      <m:r>
+                        <m:rPr>
+                          <m:nor/>
+                        </m:rPr>
+                        <a:rPr lang="ko-KR" altLang="en-US" dirty="0"/>
+                        <m:t> </m:t>
+                      </m:r>
+                    </m:oMath>
+                  </m:oMathPara>
+                </a14:m>
+                <a:endParaRPr lang="ko-KR" altLang="en-US" dirty="0"/>
+              </a:p>
+            </p:txBody>
+          </p:sp>
+        </mc:Choice>
+        <mc:Fallback xmlns="">
+          <p:sp>
+            <p:nvSpPr>
+              <p:cNvPr id="6" name="TextBox 5">
+                <a:extLst>
+                  <a:ext uri="{FF2B5EF4-FFF2-40B4-BE49-F238E27FC236}">
+                    <a16:creationId xmlns:a16="http://schemas.microsoft.com/office/drawing/2014/main" id="{508781E6-9AA7-F88B-2E00-AD240E39FBFA}"/>
+                  </a:ext>
+                </a:extLst>
+              </p:cNvPr>
+              <p:cNvSpPr txBox="1">
+                <a:spLocks noRot="1" noChangeAspect="1" noMove="1" noResize="1" noEditPoints="1" noAdjustHandles="1" noChangeArrowheads="1" noChangeShapeType="1" noTextEdit="1"/>
+              </p:cNvSpPr>
+              <p:nvPr/>
+            </p:nvSpPr>
+            <p:spPr>
+              <a:xfrm>
+                <a:off x="3430821" y="1920696"/>
+                <a:ext cx="2282355" cy="1526700"/>
+              </a:xfrm>
+              <a:prstGeom prst="rect">
+                <a:avLst/>
+              </a:prstGeom>
+              <a:blipFill>
+                <a:blip r:embed="rId3"/>
+                <a:stretch>
+                  <a:fillRect l="-2139" t="-1992" r="-1872"/>
+                </a:stretch>
+              </a:blipFill>
+            </p:spPr>
+            <p:txBody>
+              <a:bodyPr/>
+              <a:lstStyle/>
+              <a:p>
+                <a:r>
+                  <a:rPr lang="ko-KR" altLang="en-US">
+                    <a:noFill/>
+                  </a:rPr>
+                  <a:t> </a:t>
+                </a:r>
+              </a:p>
+            </p:txBody>
+          </p:sp>
+        </mc:Fallback>
+      </mc:AlternateContent>
+      <p:pic>
+        <p:nvPicPr>
+          <p:cNvPr id="1026" name="Picture 2" descr="Stress 2장] τ: 전단응력(Shear Stress)과 전단 파괴(Shear Fracture)알아보기 : 네이버 블로그">
+            <a:extLst>
+              <a:ext uri="{FF2B5EF4-FFF2-40B4-BE49-F238E27FC236}">
+                <a16:creationId xmlns:a16="http://schemas.microsoft.com/office/drawing/2014/main" id="{F573AAE8-94E2-D2C8-E869-41E2CC89782E}"/>
+              </a:ext>
+            </a:extLst>
+          </p:cNvPr>
+          <p:cNvPicPr>
+            <a:picLocks noChangeAspect="1" noChangeArrowheads="1"/>
+          </p:cNvPicPr>
+          <p:nvPr/>
+        </p:nvPicPr>
+        <p:blipFill rotWithShape="1">
+          <a:blip r:embed="rId4">
+            <a:extLst>
+              <a:ext uri="{28A0092B-C50C-407E-A947-70E740481C1C}">
+                <a14:useLocalDpi xmlns:a14="http://schemas.microsoft.com/office/drawing/2010/main" val="0"/>
+              </a:ext>
+            </a:extLst>
+          </a:blip>
+          <a:srcRect l="77214"/>
+          <a:stretch/>
+        </p:blipFill>
+        <p:spPr bwMode="auto">
+          <a:xfrm>
+            <a:off x="6919853" y="2306258"/>
+            <a:ext cx="1371809" cy="3039440"/>
+          </a:xfrm>
+          <a:prstGeom prst="rect">
+            <a:avLst/>
+          </a:prstGeom>
+          <a:noFill/>
+          <a:extLst>
+            <a:ext uri="{909E8E84-426E-40DD-AFC4-6F175D3DCCD1}">
+              <a14:hiddenFill xmlns:a14="http://schemas.microsoft.com/office/drawing/2010/main">
+                <a:solidFill>
+                  <a:srgbClr val="FFFFFF"/>
+                </a:solidFill>
+              </a14:hiddenFill>
+            </a:ext>
+          </a:extLst>
+        </p:spPr>
+      </p:pic>
+    </p:spTree>
+    <p:extLst>
+      <p:ext uri="{BB962C8B-B14F-4D97-AF65-F5344CB8AC3E}">
+        <p14:creationId xmlns:p14="http://schemas.microsoft.com/office/powerpoint/2010/main" val="885004291"/>
+      </p:ext>
+    </p:extLst>
+  </p:cSld>
+  <p:clrMapOvr>
+    <a:masterClrMapping/>
+  </p:clrMapOvr>
+</p:sld>
+</file>
+
+<file path=ppt/slides/slide15.xml><?xml version="1.0" encoding="utf-8"?>
+<p:sld xmlns:a="http://schemas.openxmlformats.org/drawingml/2006/main" xmlns:r="http://schemas.openxmlformats.org/officeDocument/2006/relationships" xmlns:p="http://schemas.openxmlformats.org/presentationml/2006/main">
+  <p:cSld>
+    <p:spTree>
+      <p:nvGrpSpPr>
+        <p:cNvPr id="1" name=""/>
+        <p:cNvGrpSpPr/>
+        <p:nvPr/>
+      </p:nvGrpSpPr>
+      <p:grpSpPr>
+        <a:xfrm>
+          <a:off x="0" y="0"/>
+          <a:ext cx="0" cy="0"/>
+          <a:chOff x="0" y="0"/>
+          <a:chExt cx="0" cy="0"/>
+        </a:xfrm>
+      </p:grpSpPr>
+      <p:sp>
+        <p:nvSpPr>
+          <p:cNvPr id="2" name="제목 1">
+            <a:extLst>
+              <a:ext uri="{FF2B5EF4-FFF2-40B4-BE49-F238E27FC236}">
+                <a16:creationId xmlns:a16="http://schemas.microsoft.com/office/drawing/2014/main" id="{32A4EF47-FCCA-4723-AF28-1B2DE76CE7E9}"/>
+              </a:ext>
+            </a:extLst>
+          </p:cNvPr>
+          <p:cNvSpPr>
+            <a:spLocks noGrp="1"/>
+          </p:cNvSpPr>
+          <p:nvPr>
+            <p:ph type="title"/>
+          </p:nvPr>
+        </p:nvSpPr>
+        <p:spPr/>
+        <p:txBody>
+          <a:bodyPr>
+            <a:normAutofit fontScale="90000"/>
+          </a:bodyPr>
+          <a:lstStyle/>
+          <a:p>
+            <a:r>
+              <a:rPr lang="en-US" altLang="ko-KR" dirty="0"/>
+              <a:t>Shearing</a:t>
+            </a:r>
+            <a:endParaRPr lang="ko-KR" altLang="en-US" dirty="0"/>
+          </a:p>
+        </p:txBody>
+      </p:sp>
+      <p:pic>
+        <p:nvPicPr>
+          <p:cNvPr id="3" name="그림 2"/>
+          <p:cNvPicPr>
+            <a:picLocks noChangeAspect="1"/>
+          </p:cNvPicPr>
+          <p:nvPr/>
+        </p:nvPicPr>
+        <p:blipFill rotWithShape="1">
+          <a:blip r:embed="rId2">
+            <a:extLst>
+              <a:ext uri="{28A0092B-C50C-407E-A947-70E740481C1C}">
+                <a14:useLocalDpi xmlns:a14="http://schemas.microsoft.com/office/drawing/2010/main" val="0"/>
+              </a:ext>
+            </a:extLst>
+          </a:blip>
+          <a:srcRect t="23602" b="19061"/>
+          <a:stretch/>
+        </p:blipFill>
+        <p:spPr>
+          <a:xfrm>
+            <a:off x="906923" y="1976579"/>
+            <a:ext cx="7330154" cy="3125913"/>
+          </a:xfrm>
+          <a:prstGeom prst="rect">
+            <a:avLst/>
+          </a:prstGeom>
+        </p:spPr>
+      </p:pic>
+    </p:spTree>
+    <p:extLst>
+      <p:ext uri="{BB962C8B-B14F-4D97-AF65-F5344CB8AC3E}">
+        <p14:creationId xmlns:p14="http://schemas.microsoft.com/office/powerpoint/2010/main" val="253288570"/>
+      </p:ext>
+    </p:extLst>
+  </p:cSld>
+  <p:clrMapOvr>
+    <a:masterClrMapping/>
+  </p:clrMapOvr>
+</p:sld>
+</file>
+
+<file path=ppt/slides/slide16.xml><?xml version="1.0" encoding="utf-8"?>
+<p:sld xmlns:a="http://schemas.openxmlformats.org/drawingml/2006/main" xmlns:r="http://schemas.openxmlformats.org/officeDocument/2006/relationships" xmlns:p="http://schemas.openxmlformats.org/presentationml/2006/main">
+  <p:cSld>
+    <p:spTree>
+      <p:nvGrpSpPr>
+        <p:cNvPr id="1" name=""/>
+        <p:cNvGrpSpPr/>
+        <p:nvPr/>
+      </p:nvGrpSpPr>
+      <p:grpSpPr>
+        <a:xfrm>
+          <a:off x="0" y="0"/>
+          <a:ext cx="0" cy="0"/>
+          <a:chOff x="0" y="0"/>
+          <a:chExt cx="0" cy="0"/>
+        </a:xfrm>
+      </p:grpSpPr>
+      <p:sp>
+        <p:nvSpPr>
+          <p:cNvPr id="2" name="제목 1">
+            <a:extLst>
+              <a:ext uri="{FF2B5EF4-FFF2-40B4-BE49-F238E27FC236}">
+                <a16:creationId xmlns:a16="http://schemas.microsoft.com/office/drawing/2014/main" id="{32A4EF47-FCCA-4723-AF28-1B2DE76CE7E9}"/>
+              </a:ext>
+            </a:extLst>
+          </p:cNvPr>
+          <p:cNvSpPr>
+            <a:spLocks noGrp="1"/>
+          </p:cNvSpPr>
+          <p:nvPr>
+            <p:ph type="title"/>
+          </p:nvPr>
+        </p:nvSpPr>
+        <p:spPr/>
+        <p:txBody>
+          <a:bodyPr>
+            <a:normAutofit fontScale="90000"/>
+          </a:bodyPr>
+          <a:lstStyle/>
+          <a:p>
+            <a:r>
+              <a:rPr lang="en-US" altLang="ko-KR" dirty="0"/>
+              <a:t>Example</a:t>
+            </a:r>
+            <a:endParaRPr lang="ko-KR" altLang="en-US" dirty="0"/>
+          </a:p>
+        </p:txBody>
+      </p:sp>
+      <mc:AlternateContent xmlns:mc="http://schemas.openxmlformats.org/markup-compatibility/2006" xmlns:a14="http://schemas.microsoft.com/office/drawing/2010/main">
+        <mc:Choice Requires="a14">
+          <p:sp>
+            <p:nvSpPr>
+              <p:cNvPr id="9" name="TextBox 8">
+                <a:extLst>
+                  <a:ext uri="{FF2B5EF4-FFF2-40B4-BE49-F238E27FC236}">
+                    <a16:creationId xmlns:a16="http://schemas.microsoft.com/office/drawing/2014/main" id="{B16A8EC2-8A6D-44D2-9EDE-EF34BC7617C6}"/>
+                  </a:ext>
+                </a:extLst>
+              </p:cNvPr>
+              <p:cNvSpPr txBox="1"/>
+              <p:nvPr/>
+            </p:nvSpPr>
+            <p:spPr>
+              <a:xfrm>
+                <a:off x="3406865" y="1316859"/>
+                <a:ext cx="2282355" cy="1400961"/>
+              </a:xfrm>
+              <a:prstGeom prst="rect">
+                <a:avLst/>
+              </a:prstGeom>
+              <a:noFill/>
+            </p:spPr>
+            <p:txBody>
+              <a:bodyPr wrap="none" rtlCol="0">
+                <a:spAutoFit/>
+              </a:bodyPr>
+              <a:lstStyle/>
+              <a:p>
+                <a:pPr algn="ctr"/>
+                <a:r>
+                  <a:rPr lang="en-US" altLang="ko-KR" dirty="0"/>
+                  <a:t>Transformation matrix</a:t>
+                </a:r>
+              </a:p>
+              <a:p>
+                <a:pPr algn="ctr"/>
+                <a:endParaRPr lang="en-US" altLang="ko-KR" dirty="0"/>
+              </a:p>
+              <a:p>
+                <a:pPr/>
+                <a14:m>
+                  <m:oMathPara xmlns:m="http://schemas.openxmlformats.org/officeDocument/2006/math">
+                    <m:oMathParaPr>
+                      <m:jc m:val="centerGroup"/>
+                    </m:oMathParaPr>
+                    <m:oMath xmlns:m="http://schemas.openxmlformats.org/officeDocument/2006/math">
+                      <m:d>
+                        <m:dPr>
+                          <m:begChr m:val="["/>
+                          <m:endChr m:val="]"/>
+                          <m:ctrlPr>
+                            <a:rPr lang="en-US" altLang="ko-KR" i="1">
+                              <a:latin typeface="Cambria Math" panose="02040503050406030204" pitchFamily="18" charset="0"/>
+                            </a:rPr>
+                          </m:ctrlPr>
+                        </m:dPr>
+                        <m:e>
+                          <m:m>
+                            <m:mPr>
+                              <m:mcs>
+                                <m:mc>
+                                  <m:mcPr>
+                                    <m:count m:val="3"/>
+                                    <m:mcJc m:val="center"/>
+                                  </m:mcPr>
+                                </m:mc>
+                              </m:mcs>
+                              <m:ctrlPr>
+                                <a:rPr lang="en-US" altLang="ko-KR" i="1">
+                                  <a:latin typeface="Cambria Math" panose="02040503050406030204" pitchFamily="18" charset="0"/>
+                                </a:rPr>
+                              </m:ctrlPr>
+                            </m:mPr>
+                            <m:mr>
+                              <m:e/>
+                              <m:e/>
+                              <m:e/>
+                            </m:mr>
+                            <m:mr>
+                              <m:e/>
+                              <m:e>
+                                <m:r>
+                                  <a:rPr lang="en-US" altLang="ko-KR" b="0" i="1" smtClean="0">
+                                    <a:latin typeface="Cambria Math" panose="02040503050406030204" pitchFamily="18" charset="0"/>
+                                  </a:rPr>
+                                  <m:t>?</m:t>
+                                </m:r>
+                              </m:e>
+                              <m:e/>
+                            </m:mr>
+                            <m:mr>
+                              <m:e/>
+                              <m:e/>
+                              <m:e/>
+                            </m:mr>
+                          </m:m>
+                        </m:e>
+                      </m:d>
+                      <m:r>
+                        <m:rPr>
+                          <m:nor/>
+                        </m:rPr>
+                        <a:rPr lang="ko-KR" altLang="en-US" dirty="0"/>
+                        <m:t> </m:t>
+                      </m:r>
+                    </m:oMath>
+                  </m:oMathPara>
+                </a14:m>
+                <a:endParaRPr lang="ko-KR" altLang="en-US" dirty="0"/>
+              </a:p>
+            </p:txBody>
+          </p:sp>
+        </mc:Choice>
+        <mc:Fallback xmlns="">
+          <p:sp>
+            <p:nvSpPr>
+              <p:cNvPr id="9" name="TextBox 8">
+                <a:extLst>
+                  <a:ext uri="{FF2B5EF4-FFF2-40B4-BE49-F238E27FC236}">
+                    <a16:creationId xmlns:a16="http://schemas.microsoft.com/office/drawing/2014/main" xmlns:a14="http://schemas.microsoft.com/office/drawing/2010/main" xmlns="" id="{B16A8EC2-8A6D-44D2-9EDE-EF34BC7617C6}"/>
+                  </a:ext>
+                </a:extLst>
+              </p:cNvPr>
+              <p:cNvSpPr txBox="1">
+                <a:spLocks noRot="1" noChangeAspect="1" noMove="1" noResize="1" noEditPoints="1" noAdjustHandles="1" noChangeArrowheads="1" noChangeShapeType="1" noTextEdit="1"/>
+              </p:cNvSpPr>
+              <p:nvPr/>
+            </p:nvSpPr>
+            <p:spPr>
+              <a:xfrm>
+                <a:off x="3406865" y="1316859"/>
+                <a:ext cx="2282355" cy="1400961"/>
+              </a:xfrm>
+              <a:prstGeom prst="rect">
+                <a:avLst/>
+              </a:prstGeom>
+              <a:blipFill rotWithShape="0">
+                <a:blip r:embed="rId3"/>
+                <a:stretch>
+                  <a:fillRect l="-2139" t="-2174" r="-1872"/>
+                </a:stretch>
+              </a:blipFill>
+            </p:spPr>
+            <p:txBody>
+              <a:bodyPr/>
+              <a:lstStyle/>
+              <a:p>
+                <a:r>
+                  <a:rPr lang="ko-KR" altLang="en-US">
+                    <a:noFill/>
+                  </a:rPr>
+                  <a:t> </a:t>
+                </a:r>
+              </a:p>
+            </p:txBody>
+          </p:sp>
+        </mc:Fallback>
+      </mc:AlternateContent>
+      <p:pic>
+        <p:nvPicPr>
+          <p:cNvPr id="4" name="그림 3">
+            <a:extLst>
+              <a:ext uri="{FF2B5EF4-FFF2-40B4-BE49-F238E27FC236}">
+                <a16:creationId xmlns:a16="http://schemas.microsoft.com/office/drawing/2014/main" id="{6DCA1075-5187-1719-B391-10C602184E15}"/>
+              </a:ext>
+            </a:extLst>
+          </p:cNvPr>
+          <p:cNvPicPr>
+            <a:picLocks noChangeAspect="1"/>
+          </p:cNvPicPr>
+          <p:nvPr/>
+        </p:nvPicPr>
+        <p:blipFill>
+          <a:blip r:embed="rId4"/>
+          <a:stretch>
+            <a:fillRect/>
+          </a:stretch>
+        </p:blipFill>
+        <p:spPr>
+          <a:xfrm>
+            <a:off x="1629880" y="3017141"/>
+            <a:ext cx="5884240" cy="2979191"/>
+          </a:xfrm>
+          <a:prstGeom prst="rect">
+            <a:avLst/>
+          </a:prstGeom>
+        </p:spPr>
+      </p:pic>
+    </p:spTree>
+    <p:extLst>
+      <p:ext uri="{BB962C8B-B14F-4D97-AF65-F5344CB8AC3E}">
+        <p14:creationId xmlns:p14="http://schemas.microsoft.com/office/powerpoint/2010/main" val="1366967681"/>
+      </p:ext>
+    </p:extLst>
+  </p:cSld>
+  <p:clrMapOvr>
+    <a:masterClrMapping/>
+  </p:clrMapOvr>
+</p:sld>
+</file>
+
+<file path=ppt/slides/slide17.xml><?xml version="1.0" encoding="utf-8"?>
+<p:sld xmlns:a="http://schemas.openxmlformats.org/drawingml/2006/main" xmlns:r="http://schemas.openxmlformats.org/officeDocument/2006/relationships" xmlns:p="http://schemas.openxmlformats.org/presentationml/2006/main">
+  <p:cSld>
+    <p:spTree>
+      <p:nvGrpSpPr>
+        <p:cNvPr id="1" name=""/>
+        <p:cNvGrpSpPr/>
+        <p:nvPr/>
+      </p:nvGrpSpPr>
+      <p:grpSpPr>
+        <a:xfrm>
+          <a:off x="0" y="0"/>
+          <a:ext cx="0" cy="0"/>
+          <a:chOff x="0" y="0"/>
+          <a:chExt cx="0" cy="0"/>
+        </a:xfrm>
+      </p:grpSpPr>
+      <p:sp>
+        <p:nvSpPr>
+          <p:cNvPr id="2" name="제목 1"/>
+          <p:cNvSpPr>
+            <a:spLocks noGrp="1"/>
+          </p:cNvSpPr>
+          <p:nvPr>
+            <p:ph type="title"/>
+          </p:nvPr>
+        </p:nvSpPr>
+        <p:spPr/>
+        <p:txBody>
+          <a:bodyPr>
+            <a:normAutofit fontScale="90000"/>
+          </a:bodyPr>
+          <a:lstStyle/>
+          <a:p>
+            <a:r>
+              <a:rPr lang="en-US" altLang="ko-KR" dirty="0"/>
+              <a:t>Example</a:t>
+            </a:r>
+            <a:endParaRPr lang="ko-KR" altLang="en-US" dirty="0"/>
+          </a:p>
+        </p:txBody>
+      </p:sp>
+      <p:pic>
+        <p:nvPicPr>
+          <p:cNvPr id="4" name="그림 3">
+            <a:extLst>
+              <a:ext uri="{FF2B5EF4-FFF2-40B4-BE49-F238E27FC236}">
+                <a16:creationId xmlns:a16="http://schemas.microsoft.com/office/drawing/2014/main" id="{3690436A-4064-6879-185E-30BA8DA01522}"/>
+              </a:ext>
+            </a:extLst>
+          </p:cNvPr>
+          <p:cNvPicPr>
+            <a:picLocks noChangeAspect="1"/>
+          </p:cNvPicPr>
+          <p:nvPr/>
+        </p:nvPicPr>
+        <p:blipFill>
+          <a:blip r:embed="rId2"/>
+          <a:stretch>
+            <a:fillRect/>
+          </a:stretch>
+        </p:blipFill>
+        <p:spPr>
+          <a:xfrm>
+            <a:off x="165608" y="1536497"/>
+            <a:ext cx="4273770" cy="4064209"/>
+          </a:xfrm>
+          <a:prstGeom prst="rect">
+            <a:avLst/>
+          </a:prstGeom>
+        </p:spPr>
+      </p:pic>
+      <p:pic>
+        <p:nvPicPr>
+          <p:cNvPr id="8" name="그림 7">
+            <a:extLst>
+              <a:ext uri="{FF2B5EF4-FFF2-40B4-BE49-F238E27FC236}">
+                <a16:creationId xmlns:a16="http://schemas.microsoft.com/office/drawing/2014/main" id="{98BF8CA8-2D9D-4721-2083-17CD3C7AD7FE}"/>
+              </a:ext>
+            </a:extLst>
+          </p:cNvPr>
+          <p:cNvPicPr>
+            <a:picLocks noChangeAspect="1"/>
+          </p:cNvPicPr>
+          <p:nvPr/>
+        </p:nvPicPr>
+        <p:blipFill>
+          <a:blip r:embed="rId3"/>
+          <a:stretch>
+            <a:fillRect/>
+          </a:stretch>
+        </p:blipFill>
+        <p:spPr>
+          <a:xfrm>
+            <a:off x="4572000" y="2451586"/>
+            <a:ext cx="4412463" cy="2234030"/>
+          </a:xfrm>
+          <a:prstGeom prst="rect">
+            <a:avLst/>
+          </a:prstGeom>
+        </p:spPr>
+      </p:pic>
+    </p:spTree>
+    <p:extLst>
+      <p:ext uri="{BB962C8B-B14F-4D97-AF65-F5344CB8AC3E}">
+        <p14:creationId xmlns:p14="http://schemas.microsoft.com/office/powerpoint/2010/main" val="661258395"/>
+      </p:ext>
+    </p:extLst>
+  </p:cSld>
+  <p:clrMapOvr>
+    <a:masterClrMapping/>
+  </p:clrMapOvr>
+</p:sld>
+</file>
+
+<file path=ppt/slides/slide18.xml><?xml version="1.0" encoding="utf-8"?>
+<p:sld xmlns:a="http://schemas.openxmlformats.org/drawingml/2006/main" xmlns:r="http://schemas.openxmlformats.org/officeDocument/2006/relationships" xmlns:p="http://schemas.openxmlformats.org/presentationml/2006/main">
+  <p:cSld>
+    <p:spTree>
+      <p:nvGrpSpPr>
+        <p:cNvPr id="1" name=""/>
+        <p:cNvGrpSpPr/>
+        <p:nvPr/>
+      </p:nvGrpSpPr>
+      <p:grpSpPr>
+        <a:xfrm>
+          <a:off x="0" y="0"/>
+          <a:ext cx="0" cy="0"/>
+          <a:chOff x="0" y="0"/>
+          <a:chExt cx="0" cy="0"/>
+        </a:xfrm>
+      </p:grpSpPr>
+      <p:sp>
+        <p:nvSpPr>
+          <p:cNvPr id="2" name="제목 1"/>
+          <p:cNvSpPr>
+            <a:spLocks noGrp="1"/>
+          </p:cNvSpPr>
+          <p:nvPr>
+            <p:ph type="title"/>
+          </p:nvPr>
+        </p:nvSpPr>
+        <p:spPr/>
+        <p:txBody>
+          <a:bodyPr>
+            <a:normAutofit fontScale="90000"/>
+          </a:bodyPr>
+          <a:lstStyle/>
+          <a:p>
+            <a:r>
+              <a:rPr lang="en-US" altLang="ko-KR"/>
+              <a:t>Example - SOLUTON</a:t>
+            </a:r>
+            <a:endParaRPr lang="ko-KR" altLang="en-US" dirty="0"/>
+          </a:p>
+        </p:txBody>
+      </p:sp>
+      <p:pic>
+        <p:nvPicPr>
+          <p:cNvPr id="10" name="그림 9">
+            <a:extLst>
+              <a:ext uri="{FF2B5EF4-FFF2-40B4-BE49-F238E27FC236}">
+                <a16:creationId xmlns:a16="http://schemas.microsoft.com/office/drawing/2014/main" id="{6297BBC8-3B2B-C137-D7CC-2B934FFE5B6F}"/>
+              </a:ext>
+            </a:extLst>
+          </p:cNvPr>
+          <p:cNvPicPr>
+            <a:picLocks noChangeAspect="1"/>
+          </p:cNvPicPr>
+          <p:nvPr/>
+        </p:nvPicPr>
+        <p:blipFill>
+          <a:blip r:embed="rId2"/>
+          <a:stretch>
+            <a:fillRect/>
+          </a:stretch>
+        </p:blipFill>
+        <p:spPr>
+          <a:xfrm>
+            <a:off x="1488916" y="1448931"/>
+            <a:ext cx="6166167" cy="4057859"/>
+          </a:xfrm>
+          <a:prstGeom prst="rect">
+            <a:avLst/>
+          </a:prstGeom>
+        </p:spPr>
+      </p:pic>
+    </p:spTree>
+    <p:extLst>
+      <p:ext uri="{BB962C8B-B14F-4D97-AF65-F5344CB8AC3E}">
+        <p14:creationId xmlns:p14="http://schemas.microsoft.com/office/powerpoint/2010/main" val="797651847"/>
+      </p:ext>
+    </p:extLst>
+  </p:cSld>
+  <p:clrMapOvr>
+    <a:masterClrMapping/>
+  </p:clrMapOvr>
+</p:sld>
+</file>
+
+<file path=ppt/slides/slide2.xml><?xml version="1.0" encoding="utf-8"?>
+<p:sld xmlns:a="http://schemas.openxmlformats.org/drawingml/2006/main" xmlns:r="http://schemas.openxmlformats.org/officeDocument/2006/relationships" xmlns:p="http://schemas.openxmlformats.org/presentationml/2006/main">
+  <p:cSld>
+    <p:spTree>
+      <p:nvGrpSpPr>
+        <p:cNvPr id="1" name=""/>
+        <p:cNvGrpSpPr/>
+        <p:nvPr/>
+      </p:nvGrpSpPr>
+      <p:grpSpPr>
+        <a:xfrm>
+          <a:off x="0" y="0"/>
+          <a:ext cx="0" cy="0"/>
+          <a:chOff x="0" y="0"/>
+          <a:chExt cx="0" cy="0"/>
+        </a:xfrm>
+      </p:grpSpPr>
+      <p:sp>
+        <p:nvSpPr>
+          <p:cNvPr id="2" name="제목 1">
+            <a:extLst>
+              <a:ext uri="{FF2B5EF4-FFF2-40B4-BE49-F238E27FC236}">
+                <a16:creationId xmlns:a16="http://schemas.microsoft.com/office/drawing/2014/main" id="{32A4EF47-FCCA-4723-AF28-1B2DE76CE7E9}"/>
+              </a:ext>
+            </a:extLst>
+          </p:cNvPr>
+          <p:cNvSpPr>
+            <a:spLocks noGrp="1"/>
+          </p:cNvSpPr>
+          <p:nvPr>
+            <p:ph type="title"/>
+          </p:nvPr>
+        </p:nvSpPr>
+        <p:spPr/>
+        <p:txBody>
+          <a:bodyPr>
+            <a:normAutofit fontScale="90000"/>
+          </a:bodyPr>
+          <a:lstStyle/>
+          <a:p>
+            <a:r>
+              <a:rPr lang="en-US" altLang="ko-KR" dirty="0"/>
+              <a:t>image transformation</a:t>
+            </a:r>
+            <a:endParaRPr lang="ko-KR" altLang="en-US" dirty="0"/>
+          </a:p>
+        </p:txBody>
+      </p:sp>
+      <mc:AlternateContent xmlns:mc="http://schemas.openxmlformats.org/markup-compatibility/2006" xmlns:a14="http://schemas.microsoft.com/office/drawing/2010/main">
+        <mc:Choice Requires="a14">
+          <p:sp>
+            <p:nvSpPr>
+              <p:cNvPr id="3" name="내용 개체 틀 2">
+                <a:extLst>
+                  <a:ext uri="{FF2B5EF4-FFF2-40B4-BE49-F238E27FC236}">
+                    <a16:creationId xmlns:a16="http://schemas.microsoft.com/office/drawing/2014/main" id="{25774E92-9B95-4123-B29D-F5E0D6956FCA}"/>
+                  </a:ext>
+                </a:extLst>
+              </p:cNvPr>
+              <p:cNvSpPr>
+                <a:spLocks noGrp="1"/>
+              </p:cNvSpPr>
+              <p:nvPr>
+                <p:ph idx="1"/>
+              </p:nvPr>
+            </p:nvSpPr>
+            <p:spPr/>
+            <p:txBody>
+              <a:bodyPr>
+                <a:normAutofit fontScale="92500" lnSpcReduction="20000"/>
+              </a:bodyPr>
+              <a:lstStyle/>
+              <a:p>
+                <a14:m>
+                  <m:oMath xmlns:m="http://schemas.openxmlformats.org/officeDocument/2006/math">
+                    <m:r>
+                      <a:rPr lang="en-US" altLang="ko-KR" sz="2000" b="0" i="1" dirty="0" smtClean="0">
+                        <a:latin typeface="Cambria Math" panose="02040503050406030204" pitchFamily="18" charset="0"/>
+                      </a:rPr>
+                      <m:t>𝑔</m:t>
+                    </m:r>
+                    <m:d>
+                      <m:dPr>
+                        <m:ctrlPr>
+                          <a:rPr lang="en-US" altLang="ko-KR" sz="2000" b="0" i="1" dirty="0" smtClean="0">
+                            <a:latin typeface="Cambria Math" panose="02040503050406030204" pitchFamily="18" charset="0"/>
+                          </a:rPr>
+                        </m:ctrlPr>
+                      </m:dPr>
+                      <m:e>
+                        <m:r>
+                          <a:rPr lang="en-US" altLang="ko-KR" sz="2000" b="0" i="1" dirty="0" smtClean="0">
+                            <a:latin typeface="Cambria Math" panose="02040503050406030204" pitchFamily="18" charset="0"/>
+                          </a:rPr>
+                          <m:t>𝑥</m:t>
+                        </m:r>
+                        <m:r>
+                          <a:rPr lang="en-US" altLang="ko-KR" sz="2000" b="0" i="1" dirty="0" smtClean="0">
+                            <a:latin typeface="Cambria Math" panose="02040503050406030204" pitchFamily="18" charset="0"/>
+                          </a:rPr>
+                          <m:t>,</m:t>
+                        </m:r>
+                        <m:r>
+                          <a:rPr lang="en-US" altLang="ko-KR" sz="2000" b="0" i="1" dirty="0" smtClean="0">
+                            <a:latin typeface="Cambria Math" panose="02040503050406030204" pitchFamily="18" charset="0"/>
+                          </a:rPr>
+                          <m:t>𝑦</m:t>
+                        </m:r>
+                      </m:e>
+                    </m:d>
+                    <m:r>
+                      <a:rPr lang="en-US" altLang="ko-KR" sz="2000" i="1" dirty="0" smtClean="0">
+                        <a:latin typeface="Cambria Math" panose="02040503050406030204" pitchFamily="18" charset="0"/>
+                      </a:rPr>
+                      <m:t>=</m:t>
+                    </m:r>
+                    <m:r>
+                      <a:rPr lang="en-US" altLang="ko-KR" sz="2000" b="0" i="1" dirty="0" smtClean="0">
+                        <a:latin typeface="Cambria Math" panose="02040503050406030204" pitchFamily="18" charset="0"/>
+                      </a:rPr>
+                      <m:t>𝑇</m:t>
+                    </m:r>
+                    <m:d>
+                      <m:dPr>
+                        <m:begChr m:val="["/>
+                        <m:endChr m:val="]"/>
+                        <m:ctrlPr>
+                          <a:rPr lang="en-US" altLang="ko-KR" sz="2000" b="0" i="1" dirty="0" smtClean="0">
+                            <a:latin typeface="Cambria Math" panose="02040503050406030204" pitchFamily="18" charset="0"/>
+                          </a:rPr>
+                        </m:ctrlPr>
+                      </m:dPr>
+                      <m:e>
+                        <m:r>
+                          <a:rPr lang="en-US" altLang="ko-KR" sz="2000" b="0" i="1" dirty="0" smtClean="0">
+                            <a:latin typeface="Cambria Math" panose="02040503050406030204" pitchFamily="18" charset="0"/>
+                          </a:rPr>
+                          <m:t>𝑓</m:t>
+                        </m:r>
+                        <m:d>
+                          <m:dPr>
+                            <m:ctrlPr>
+                              <a:rPr lang="en-US" altLang="ko-KR" sz="2000" b="0" i="1" dirty="0" smtClean="0">
+                                <a:latin typeface="Cambria Math" panose="02040503050406030204" pitchFamily="18" charset="0"/>
+                              </a:rPr>
+                            </m:ctrlPr>
+                          </m:dPr>
+                          <m:e>
+                            <m:r>
+                              <a:rPr lang="en-US" altLang="ko-KR" sz="2000" b="0" i="1" dirty="0" smtClean="0">
+                                <a:latin typeface="Cambria Math" panose="02040503050406030204" pitchFamily="18" charset="0"/>
+                              </a:rPr>
+                              <m:t>𝑥</m:t>
+                            </m:r>
+                            <m:r>
+                              <a:rPr lang="en-US" altLang="ko-KR" sz="2000" b="0" i="1" dirty="0" smtClean="0">
+                                <a:latin typeface="Cambria Math" panose="02040503050406030204" pitchFamily="18" charset="0"/>
+                              </a:rPr>
+                              <m:t>,</m:t>
+                            </m:r>
+                            <m:r>
+                              <a:rPr lang="en-US" altLang="ko-KR" sz="2000" b="0" i="1" dirty="0" smtClean="0">
+                                <a:latin typeface="Cambria Math" panose="02040503050406030204" pitchFamily="18" charset="0"/>
+                              </a:rPr>
+                              <m:t>𝑦</m:t>
+                            </m:r>
+                          </m:e>
+                        </m:d>
+                      </m:e>
+                    </m:d>
+                  </m:oMath>
+                </a14:m>
+                <a:endParaRPr lang="en-US" altLang="ko-KR" sz="2000" dirty="0"/>
+              </a:p>
+              <a:p>
+                <a:pPr lvl="1"/>
+                <a:r>
+                  <a:rPr lang="en-US" altLang="ko-KR" sz="1700" dirty="0">
+                    <a:solidFill>
+                      <a:srgbClr val="FF0000"/>
+                    </a:solidFill>
+                  </a:rPr>
+                  <a:t>X=Row, Y=Column</a:t>
+                </a:r>
+              </a:p>
+              <a:p>
+                <a:endParaRPr lang="en-US" altLang="ko-KR" sz="2000" dirty="0"/>
+              </a:p>
+              <a:p>
+                <a:r>
+                  <a:rPr lang="en-US" altLang="ko-KR" sz="2000" dirty="0"/>
+                  <a:t>Rigid-body transformation</a:t>
+                </a:r>
+              </a:p>
+              <a:p>
+                <a:pPr lvl="1"/>
+                <a:r>
+                  <a:rPr lang="en-US" altLang="ko-KR" sz="1700" dirty="0"/>
+                  <a:t>Translation + Rotation</a:t>
+                </a:r>
+              </a:p>
+              <a:p>
+                <a:endParaRPr lang="en-US" altLang="ko-KR" sz="2000" dirty="0"/>
+              </a:p>
+              <a:p>
+                <a:r>
+                  <a:rPr lang="en-US" altLang="ko-KR" sz="2000" dirty="0"/>
+                  <a:t>Affine transformation</a:t>
+                </a:r>
+              </a:p>
+              <a:p>
+                <a:pPr lvl="1"/>
+                <a:r>
+                  <a:rPr lang="en-US" altLang="ko-KR" sz="1700" dirty="0"/>
+                  <a:t>Translation + Rotation + Scaling + Shearing</a:t>
+                </a:r>
+              </a:p>
+              <a:p>
+                <a:pPr lvl="1"/>
+                <a:endParaRPr lang="en-US" altLang="ko-KR" sz="1700" dirty="0"/>
+              </a:p>
+              <a:p>
+                <a:r>
+                  <a:rPr lang="en-US" altLang="ko-KR" sz="2000" dirty="0"/>
+                  <a:t>Package</a:t>
+                </a:r>
+              </a:p>
+              <a:p>
+                <a:pPr lvl="1"/>
+                <a:r>
+                  <a:rPr lang="en-US" altLang="ko-KR" sz="1700" dirty="0" err="1"/>
+                  <a:t>matplotlib</a:t>
+                </a:r>
+                <a:r>
+                  <a:rPr lang="en-US" altLang="ko-KR" sz="1700" dirty="0"/>
+                  <a:t>, </a:t>
+                </a:r>
+                <a:r>
+                  <a:rPr lang="en-US" altLang="ko-KR" sz="1700" dirty="0" err="1"/>
+                  <a:t>skimage</a:t>
+                </a:r>
+                <a:r>
+                  <a:rPr lang="en-US" altLang="ko-KR" sz="1700" dirty="0"/>
+                  <a:t>, </a:t>
+                </a:r>
+                <a:r>
+                  <a:rPr lang="en-US" altLang="ko-KR" sz="1700" dirty="0" err="1"/>
+                  <a:t>scipy</a:t>
+                </a:r>
+                <a:r>
+                  <a:rPr lang="en-US" altLang="ko-KR" sz="1700" dirty="0"/>
+                  <a:t>, </a:t>
+                </a:r>
+                <a:r>
+                  <a:rPr lang="en-US" altLang="ko-KR" sz="1700" dirty="0" err="1"/>
+                  <a:t>numpy</a:t>
+                </a:r>
+                <a:endParaRPr lang="ko-KR" altLang="en-US" sz="1700" dirty="0"/>
+              </a:p>
+            </p:txBody>
+          </p:sp>
+        </mc:Choice>
+        <mc:Fallback xmlns="">
+          <p:sp>
+            <p:nvSpPr>
+              <p:cNvPr id="3" name="내용 개체 틀 2">
+                <a:extLst>
+                  <a:ext uri="{FF2B5EF4-FFF2-40B4-BE49-F238E27FC236}">
+                    <a16:creationId xmlns:a16="http://schemas.microsoft.com/office/drawing/2014/main" xmlns:a14="http://schemas.microsoft.com/office/drawing/2010/main" xmlns="" id="{25774E92-9B95-4123-B29D-F5E0D6956FCA}"/>
+                  </a:ext>
+                </a:extLst>
+              </p:cNvPr>
+              <p:cNvSpPr>
+                <a:spLocks noGrp="1" noRot="1" noChangeAspect="1" noMove="1" noResize="1" noEditPoints="1" noAdjustHandles="1" noChangeArrowheads="1" noChangeShapeType="1" noTextEdit="1"/>
+              </p:cNvSpPr>
+              <p:nvPr>
+                <p:ph idx="1"/>
+              </p:nvPr>
+            </p:nvSpPr>
+            <p:spPr>
+              <a:blipFill rotWithShape="0">
+                <a:blip r:embed="rId2"/>
+                <a:stretch>
+                  <a:fillRect l="-565"/>
+                </a:stretch>
+              </a:blipFill>
+            </p:spPr>
+            <p:txBody>
+              <a:bodyPr/>
+              <a:lstStyle/>
+              <a:p>
+                <a:r>
+                  <a:rPr lang="ko-KR" altLang="en-US">
+                    <a:noFill/>
+                  </a:rPr>
+                  <a:t> </a:t>
+                </a:r>
+              </a:p>
+            </p:txBody>
+          </p:sp>
+        </mc:Fallback>
+      </mc:AlternateContent>
+    </p:spTree>
+    <p:extLst>
+      <p:ext uri="{BB962C8B-B14F-4D97-AF65-F5344CB8AC3E}">
+        <p14:creationId xmlns:p14="http://schemas.microsoft.com/office/powerpoint/2010/main" val="1313986025"/>
+      </p:ext>
+    </p:extLst>
+  </p:cSld>
+  <p:clrMapOvr>
+    <a:masterClrMapping/>
+  </p:clrMapOvr>
+</p:sld>
+</file>
+
+<file path=ppt/slides/slide3.xml><?xml version="1.0" encoding="utf-8"?>
+<p:sld xmlns:a="http://schemas.openxmlformats.org/drawingml/2006/main" xmlns:r="http://schemas.openxmlformats.org/officeDocument/2006/relationships" xmlns:p="http://schemas.openxmlformats.org/presentationml/2006/main">
+  <p:cSld>
+    <p:spTree>
+      <p:nvGrpSpPr>
+        <p:cNvPr id="1" name=""/>
+        <p:cNvGrpSpPr/>
+        <p:nvPr/>
+      </p:nvGrpSpPr>
+      <p:grpSpPr>
+        <a:xfrm>
+          <a:off x="0" y="0"/>
+          <a:ext cx="0" cy="0"/>
+          <a:chOff x="0" y="0"/>
+          <a:chExt cx="0" cy="0"/>
+        </a:xfrm>
+      </p:grpSpPr>
+      <p:sp>
+        <p:nvSpPr>
+          <p:cNvPr id="2" name="제목 1">
+            <a:extLst>
+              <a:ext uri="{FF2B5EF4-FFF2-40B4-BE49-F238E27FC236}">
+                <a16:creationId xmlns:a16="http://schemas.microsoft.com/office/drawing/2014/main" id="{32A4EF47-FCCA-4723-AF28-1B2DE76CE7E9}"/>
+              </a:ext>
+            </a:extLst>
+          </p:cNvPr>
+          <p:cNvSpPr>
+            <a:spLocks noGrp="1"/>
+          </p:cNvSpPr>
+          <p:nvPr>
+            <p:ph type="title"/>
+          </p:nvPr>
+        </p:nvSpPr>
+        <p:spPr/>
+        <p:txBody>
+          <a:bodyPr>
+            <a:normAutofit fontScale="90000"/>
+          </a:bodyPr>
+          <a:lstStyle/>
+          <a:p>
+            <a:r>
+              <a:rPr lang="en-US" altLang="ko-KR" dirty="0"/>
+              <a:t>Translation</a:t>
+            </a:r>
+            <a:endParaRPr lang="ko-KR" altLang="en-US" dirty="0"/>
+          </a:p>
+        </p:txBody>
+      </p:sp>
+      <p:pic>
+        <p:nvPicPr>
+          <p:cNvPr id="8" name="그림 7"/>
+          <p:cNvPicPr>
+            <a:picLocks noChangeAspect="1"/>
+          </p:cNvPicPr>
+          <p:nvPr/>
+        </p:nvPicPr>
+        <p:blipFill rotWithShape="1">
+          <a:blip r:embed="rId2">
+            <a:extLst>
+              <a:ext uri="{28A0092B-C50C-407E-A947-70E740481C1C}">
+                <a14:useLocalDpi xmlns:a14="http://schemas.microsoft.com/office/drawing/2010/main" val="0"/>
+              </a:ext>
+            </a:extLst>
+          </a:blip>
+          <a:srcRect t="22410" b="17226"/>
+          <a:stretch/>
+        </p:blipFill>
+        <p:spPr>
+          <a:xfrm>
+            <a:off x="1621957" y="3014725"/>
+            <a:ext cx="5852172" cy="2627402"/>
+          </a:xfrm>
+          <a:prstGeom prst="rect">
+            <a:avLst/>
+          </a:prstGeom>
+        </p:spPr>
+      </p:pic>
+      <mc:AlternateContent xmlns:mc="http://schemas.openxmlformats.org/markup-compatibility/2006" xmlns:a14="http://schemas.microsoft.com/office/drawing/2010/main">
+        <mc:Choice Requires="a14">
+          <p:sp>
+            <p:nvSpPr>
+              <p:cNvPr id="9" name="TextBox 8">
+                <a:extLst>
+                  <a:ext uri="{FF2B5EF4-FFF2-40B4-BE49-F238E27FC236}">
+                    <a16:creationId xmlns:a16="http://schemas.microsoft.com/office/drawing/2014/main" id="{B16A8EC2-8A6D-44D2-9EDE-EF34BC7617C6}"/>
+                  </a:ext>
+                </a:extLst>
+              </p:cNvPr>
+              <p:cNvSpPr txBox="1"/>
+              <p:nvPr/>
+            </p:nvSpPr>
+            <p:spPr>
+              <a:xfrm>
+                <a:off x="3406865" y="1316859"/>
+                <a:ext cx="2282356" cy="1526700"/>
+              </a:xfrm>
+              <a:prstGeom prst="rect">
+                <a:avLst/>
+              </a:prstGeom>
+              <a:noFill/>
+            </p:spPr>
+            <p:txBody>
+              <a:bodyPr wrap="none" rtlCol="0">
+                <a:spAutoFit/>
+              </a:bodyPr>
+              <a:lstStyle/>
+              <a:p>
+                <a:pPr algn="ctr"/>
+                <a:r>
+                  <a:rPr lang="en-US" altLang="ko-KR" dirty="0"/>
+                  <a:t>Transformation matrix</a:t>
+                </a:r>
+              </a:p>
+              <a:p>
+                <a:pPr algn="ctr"/>
+                <a:endParaRPr lang="en-US" altLang="ko-KR" dirty="0"/>
+              </a:p>
+              <a:p>
+                <a:pPr algn="ctr"/>
+                <a14:m>
+                  <m:oMath xmlns:m="http://schemas.openxmlformats.org/officeDocument/2006/math">
+                    <m:d>
+                      <m:dPr>
+                        <m:begChr m:val="["/>
+                        <m:endChr m:val="]"/>
+                        <m:ctrlPr>
+                          <a:rPr lang="en-US" altLang="ko-KR" b="0" i="1" smtClean="0">
+                            <a:latin typeface="Cambria Math" panose="02040503050406030204" pitchFamily="18" charset="0"/>
+                          </a:rPr>
+                        </m:ctrlPr>
+                      </m:dPr>
+                      <m:e>
+                        <m:m>
+                          <m:mPr>
+                            <m:mcs>
+                              <m:mc>
+                                <m:mcPr>
+                                  <m:count m:val="3"/>
+                                  <m:mcJc m:val="center"/>
+                                </m:mcPr>
+                              </m:mc>
+                            </m:mcs>
+                            <m:ctrlPr>
+                              <a:rPr lang="en-US" altLang="ko-KR" b="0" i="1" smtClean="0">
+                                <a:latin typeface="Cambria Math" panose="02040503050406030204" pitchFamily="18" charset="0"/>
+                              </a:rPr>
+                            </m:ctrlPr>
+                          </m:mPr>
+                          <m:mr>
+                            <m:e>
+                              <m:r>
+                                <m:rPr>
+                                  <m:brk m:alnAt="7"/>
+                                </m:rPr>
+                                <a:rPr lang="en-US" altLang="ko-KR" b="0" i="1" smtClean="0">
+                                  <a:latin typeface="Cambria Math" panose="02040503050406030204" pitchFamily="18" charset="0"/>
+                                </a:rPr>
+                                <m:t>1</m:t>
+                              </m:r>
+                            </m:e>
+                            <m:e>
+                              <m:r>
+                                <a:rPr lang="en-US" altLang="ko-KR" b="0" i="1" smtClean="0">
+                                  <a:latin typeface="Cambria Math" panose="02040503050406030204" pitchFamily="18" charset="0"/>
+                                </a:rPr>
+                                <m:t>0</m:t>
+                              </m:r>
+                            </m:e>
+                            <m:e>
+                              <m:sSub>
+                                <m:sSubPr>
+                                  <m:ctrlPr>
+                                    <a:rPr lang="en-US" altLang="ko-KR" b="0" i="1" smtClean="0">
+                                      <a:latin typeface="Cambria Math" panose="02040503050406030204" pitchFamily="18" charset="0"/>
+                                    </a:rPr>
+                                  </m:ctrlPr>
+                                </m:sSubPr>
+                                <m:e>
+                                  <m:r>
+                                    <a:rPr lang="en-US" altLang="ko-KR" b="0" i="1" smtClean="0">
+                                      <a:latin typeface="Cambria Math" panose="02040503050406030204" pitchFamily="18" charset="0"/>
+                                    </a:rPr>
+                                    <m:t>𝑡</m:t>
+                                  </m:r>
+                                </m:e>
+                                <m:sub>
+                                  <m:r>
+                                    <a:rPr lang="en-US" altLang="ko-KR" b="0" i="1" smtClean="0">
+                                      <a:latin typeface="Cambria Math" panose="02040503050406030204" pitchFamily="18" charset="0"/>
+                                    </a:rPr>
+                                    <m:t>𝑥</m:t>
+                                  </m:r>
+                                </m:sub>
+                              </m:sSub>
+                            </m:e>
+                          </m:mr>
+                          <m:mr>
+                            <m:e>
+                              <m:r>
+                                <a:rPr lang="en-US" altLang="ko-KR" b="0" i="1" smtClean="0">
+                                  <a:latin typeface="Cambria Math" panose="02040503050406030204" pitchFamily="18" charset="0"/>
+                                </a:rPr>
+                                <m:t>0</m:t>
+                              </m:r>
+                            </m:e>
+                            <m:e>
+                              <m:r>
+                                <a:rPr lang="en-US" altLang="ko-KR" b="0" i="1" smtClean="0">
+                                  <a:latin typeface="Cambria Math" panose="02040503050406030204" pitchFamily="18" charset="0"/>
+                                </a:rPr>
+                                <m:t>1</m:t>
+                              </m:r>
+                            </m:e>
+                            <m:e>
+                              <m:sSub>
+                                <m:sSubPr>
+                                  <m:ctrlPr>
+                                    <a:rPr lang="en-US" altLang="ko-KR" b="0" i="1" smtClean="0">
+                                      <a:latin typeface="Cambria Math" panose="02040503050406030204" pitchFamily="18" charset="0"/>
+                                    </a:rPr>
+                                  </m:ctrlPr>
+                                </m:sSubPr>
+                                <m:e>
+                                  <m:r>
+                                    <a:rPr lang="en-US" altLang="ko-KR" b="0" i="1" smtClean="0">
+                                      <a:latin typeface="Cambria Math" panose="02040503050406030204" pitchFamily="18" charset="0"/>
+                                    </a:rPr>
+                                    <m:t>𝑡</m:t>
+                                  </m:r>
+                                </m:e>
+                                <m:sub>
+                                  <m:r>
+                                    <a:rPr lang="en-US" altLang="ko-KR" b="0" i="1" smtClean="0">
+                                      <a:latin typeface="Cambria Math" panose="02040503050406030204" pitchFamily="18" charset="0"/>
+                                    </a:rPr>
+                                    <m:t>𝑦</m:t>
+                                  </m:r>
+                                </m:sub>
+                              </m:sSub>
+                            </m:e>
+                          </m:mr>
+                          <m:mr>
+                            <m:e>
+                              <m:r>
+                                <a:rPr lang="en-US" altLang="ko-KR" b="0" i="1" smtClean="0">
+                                  <a:latin typeface="Cambria Math" panose="02040503050406030204" pitchFamily="18" charset="0"/>
+                                </a:rPr>
+                                <m:t>0</m:t>
+                              </m:r>
+                            </m:e>
+                            <m:e>
+                              <m:r>
+                                <a:rPr lang="en-US" altLang="ko-KR" b="0" i="1" smtClean="0">
+                                  <a:latin typeface="Cambria Math" panose="02040503050406030204" pitchFamily="18" charset="0"/>
+                                </a:rPr>
+                                <m:t>0</m:t>
+                              </m:r>
+                            </m:e>
+                            <m:e>
+                              <m:r>
+                                <a:rPr lang="en-US" altLang="ko-KR" b="0" i="1" smtClean="0">
+                                  <a:latin typeface="Cambria Math" panose="02040503050406030204" pitchFamily="18" charset="0"/>
+                                </a:rPr>
+                                <m:t>1</m:t>
+                              </m:r>
+                            </m:e>
+                          </m:mr>
+                        </m:m>
+                      </m:e>
+                    </m:d>
+                  </m:oMath>
+                </a14:m>
+                <a:r>
+                  <a:rPr lang="ko-KR" altLang="en-US" dirty="0"/>
+                  <a:t> </a:t>
+                </a:r>
+              </a:p>
+            </p:txBody>
+          </p:sp>
+        </mc:Choice>
+        <mc:Fallback xmlns="">
+          <p:sp>
+            <p:nvSpPr>
+              <p:cNvPr id="9" name="TextBox 8">
+                <a:extLst>
+                  <a:ext uri="{FF2B5EF4-FFF2-40B4-BE49-F238E27FC236}">
+                    <a16:creationId xmlns:a16="http://schemas.microsoft.com/office/drawing/2014/main" xmlns:a14="http://schemas.microsoft.com/office/drawing/2010/main" xmlns="" id="{B16A8EC2-8A6D-44D2-9EDE-EF34BC7617C6}"/>
+                  </a:ext>
+                </a:extLst>
+              </p:cNvPr>
+              <p:cNvSpPr txBox="1">
+                <a:spLocks noRot="1" noChangeAspect="1" noMove="1" noResize="1" noEditPoints="1" noAdjustHandles="1" noChangeArrowheads="1" noChangeShapeType="1" noTextEdit="1"/>
+              </p:cNvSpPr>
+              <p:nvPr/>
+            </p:nvSpPr>
+            <p:spPr>
+              <a:xfrm>
+                <a:off x="3406865" y="1316859"/>
+                <a:ext cx="2282356" cy="1526700"/>
+              </a:xfrm>
+              <a:prstGeom prst="rect">
+                <a:avLst/>
+              </a:prstGeom>
+              <a:blipFill rotWithShape="0">
+                <a:blip r:embed="rId3"/>
+                <a:stretch>
+                  <a:fillRect l="-2139" t="-2000" r="-1872"/>
+                </a:stretch>
+              </a:blipFill>
+            </p:spPr>
+            <p:txBody>
+              <a:bodyPr/>
+              <a:lstStyle/>
+              <a:p>
+                <a:r>
+                  <a:rPr lang="ko-KR" altLang="en-US">
+                    <a:noFill/>
+                  </a:rPr>
+                  <a:t> </a:t>
+                </a:r>
+              </a:p>
+            </p:txBody>
+          </p:sp>
+        </mc:Fallback>
+      </mc:AlternateContent>
+    </p:spTree>
+    <p:extLst>
+      <p:ext uri="{BB962C8B-B14F-4D97-AF65-F5344CB8AC3E}">
+        <p14:creationId xmlns:p14="http://schemas.microsoft.com/office/powerpoint/2010/main" val="2163007426"/>
+      </p:ext>
+    </p:extLst>
+  </p:cSld>
+  <p:clrMapOvr>
+    <a:masterClrMapping/>
+  </p:clrMapOvr>
+</p:sld>
+</file>
+
+<file path=ppt/slides/slide4.xml><?xml version="1.0" encoding="utf-8"?>
+<p:sld xmlns:a="http://schemas.openxmlformats.org/drawingml/2006/main" xmlns:r="http://schemas.openxmlformats.org/officeDocument/2006/relationships" xmlns:p="http://schemas.openxmlformats.org/presentationml/2006/main">
+  <p:cSld>
+    <p:spTree>
+      <p:nvGrpSpPr>
+        <p:cNvPr id="1" name=""/>
+        <p:cNvGrpSpPr/>
+        <p:nvPr/>
+      </p:nvGrpSpPr>
+      <p:grpSpPr>
+        <a:xfrm>
+          <a:off x="0" y="0"/>
+          <a:ext cx="0" cy="0"/>
+          <a:chOff x="0" y="0"/>
+          <a:chExt cx="0" cy="0"/>
+        </a:xfrm>
+      </p:grpSpPr>
+      <p:sp>
+        <p:nvSpPr>
+          <p:cNvPr id="2" name="제목 1">
+            <a:extLst>
+              <a:ext uri="{FF2B5EF4-FFF2-40B4-BE49-F238E27FC236}">
+                <a16:creationId xmlns:a16="http://schemas.microsoft.com/office/drawing/2014/main" id="{32A4EF47-FCCA-4723-AF28-1B2DE76CE7E9}"/>
+              </a:ext>
+            </a:extLst>
+          </p:cNvPr>
+          <p:cNvSpPr>
+            <a:spLocks noGrp="1"/>
+          </p:cNvSpPr>
+          <p:nvPr>
+            <p:ph type="title"/>
+          </p:nvPr>
+        </p:nvSpPr>
+        <p:spPr/>
+        <p:txBody>
+          <a:bodyPr>
+            <a:normAutofit fontScale="90000"/>
+          </a:bodyPr>
+          <a:lstStyle/>
+          <a:p>
+            <a:r>
+              <a:rPr lang="en-US" altLang="ko-KR" dirty="0"/>
+              <a:t>Translation</a:t>
+            </a:r>
+            <a:endParaRPr lang="ko-KR" altLang="en-US" dirty="0"/>
+          </a:p>
+        </p:txBody>
+      </p:sp>
+      <p:pic>
+        <p:nvPicPr>
+          <p:cNvPr id="5" name="그림 4">
+            <a:extLst>
+              <a:ext uri="{FF2B5EF4-FFF2-40B4-BE49-F238E27FC236}">
+                <a16:creationId xmlns:a16="http://schemas.microsoft.com/office/drawing/2014/main" id="{084129CD-AD03-A919-A7B4-0A92BB3701A0}"/>
+              </a:ext>
+            </a:extLst>
+          </p:cNvPr>
+          <p:cNvPicPr>
+            <a:picLocks noChangeAspect="1"/>
+          </p:cNvPicPr>
+          <p:nvPr/>
+        </p:nvPicPr>
+        <p:blipFill>
+          <a:blip r:embed="rId2"/>
+          <a:stretch>
+            <a:fillRect/>
+          </a:stretch>
+        </p:blipFill>
+        <p:spPr>
+          <a:xfrm>
+            <a:off x="602042" y="2002982"/>
+            <a:ext cx="3613336" cy="3841947"/>
+          </a:xfrm>
+          <a:prstGeom prst="rect">
+            <a:avLst/>
+          </a:prstGeom>
+        </p:spPr>
+      </p:pic>
+      <p:sp>
+        <p:nvSpPr>
+          <p:cNvPr id="3" name="내용 개체 틀 2">
+            <a:extLst>
+              <a:ext uri="{FF2B5EF4-FFF2-40B4-BE49-F238E27FC236}">
+                <a16:creationId xmlns:a16="http://schemas.microsoft.com/office/drawing/2014/main" id="{25774E92-9B95-4123-B29D-F5E0D6956FCA}"/>
+              </a:ext>
+            </a:extLst>
+          </p:cNvPr>
+          <p:cNvSpPr>
+            <a:spLocks noGrp="1"/>
+          </p:cNvSpPr>
+          <p:nvPr>
+            <p:ph idx="1"/>
+          </p:nvPr>
+        </p:nvSpPr>
+        <p:spPr/>
+        <p:txBody>
+          <a:bodyPr>
+            <a:normAutofit/>
+          </a:bodyPr>
+          <a:lstStyle/>
+          <a:p>
+            <a:r>
+              <a:rPr lang="en-US" altLang="ko-KR" sz="2000" dirty="0"/>
+              <a:t>Define transformation matrix</a:t>
+            </a:r>
+            <a:endParaRPr lang="ko-KR" altLang="en-US" sz="2000" dirty="0"/>
+          </a:p>
+        </p:txBody>
+      </p:sp>
+      <p:cxnSp>
+        <p:nvCxnSpPr>
+          <p:cNvPr id="10" name="직선 화살표 연결선 9"/>
+          <p:cNvCxnSpPr>
+            <a:cxnSpLocks/>
+            <a:endCxn id="11" idx="1"/>
+          </p:cNvCxnSpPr>
+          <p:nvPr/>
+        </p:nvCxnSpPr>
+        <p:spPr>
+          <a:xfrm flipV="1">
+            <a:off x="2408710" y="4284975"/>
+            <a:ext cx="3435217" cy="858792"/>
+          </a:xfrm>
+          <a:prstGeom prst="straightConnector1">
+            <a:avLst/>
+          </a:prstGeom>
+          <a:ln>
+            <a:tailEnd type="triangle"/>
+          </a:ln>
+        </p:spPr>
+        <p:style>
+          <a:lnRef idx="1">
+            <a:schemeClr val="accent1"/>
+          </a:lnRef>
+          <a:fillRef idx="0">
+            <a:schemeClr val="accent1"/>
+          </a:fillRef>
+          <a:effectRef idx="0">
+            <a:schemeClr val="accent1"/>
+          </a:effectRef>
+          <a:fontRef idx="minor">
+            <a:schemeClr val="tx1"/>
+          </a:fontRef>
+        </p:style>
+      </p:cxnSp>
+      <p:sp>
+        <p:nvSpPr>
+          <p:cNvPr id="11" name="TextBox 10"/>
+          <p:cNvSpPr txBox="1"/>
+          <p:nvPr/>
+        </p:nvSpPr>
+        <p:spPr>
+          <a:xfrm>
+            <a:off x="5843927" y="4100309"/>
+            <a:ext cx="1493387" cy="369332"/>
+          </a:xfrm>
+          <a:prstGeom prst="rect">
+            <a:avLst/>
+          </a:prstGeom>
+          <a:noFill/>
+        </p:spPr>
+        <p:txBody>
+          <a:bodyPr wrap="square" rtlCol="0">
+            <a:spAutoFit/>
+          </a:bodyPr>
+          <a:lstStyle/>
+          <a:p>
+            <a:r>
+              <a:rPr lang="en-US" altLang="ko-KR" dirty="0"/>
+              <a:t>T for X’ = TX</a:t>
+            </a:r>
+            <a:endParaRPr lang="ko-KR" altLang="en-US" dirty="0"/>
+          </a:p>
+        </p:txBody>
+      </p:sp>
+      <p:cxnSp>
+        <p:nvCxnSpPr>
+          <p:cNvPr id="12" name="직선 화살표 연결선 11"/>
+          <p:cNvCxnSpPr>
+            <a:cxnSpLocks/>
+            <a:endCxn id="14" idx="1"/>
+          </p:cNvCxnSpPr>
+          <p:nvPr/>
+        </p:nvCxnSpPr>
+        <p:spPr>
+          <a:xfrm flipV="1">
+            <a:off x="2917704" y="4899237"/>
+            <a:ext cx="2926223" cy="751776"/>
+          </a:xfrm>
+          <a:prstGeom prst="straightConnector1">
+            <a:avLst/>
+          </a:prstGeom>
+          <a:ln>
+            <a:tailEnd type="triangle"/>
+          </a:ln>
+        </p:spPr>
+        <p:style>
+          <a:lnRef idx="1">
+            <a:schemeClr val="accent1"/>
+          </a:lnRef>
+          <a:fillRef idx="0">
+            <a:schemeClr val="accent1"/>
+          </a:fillRef>
+          <a:effectRef idx="0">
+            <a:schemeClr val="accent1"/>
+          </a:effectRef>
+          <a:fontRef idx="minor">
+            <a:schemeClr val="tx1"/>
+          </a:fontRef>
+        </p:style>
+      </p:cxnSp>
+      <mc:AlternateContent xmlns:mc="http://schemas.openxmlformats.org/markup-compatibility/2006" xmlns:a14="http://schemas.microsoft.com/office/drawing/2010/main">
+        <mc:Choice Requires="a14">
+          <p:sp>
+            <p:nvSpPr>
+              <p:cNvPr id="14" name="TextBox 13"/>
+              <p:cNvSpPr txBox="1"/>
+              <p:nvPr/>
+            </p:nvSpPr>
+            <p:spPr>
+              <a:xfrm>
+                <a:off x="5843927" y="4576071"/>
+                <a:ext cx="1493387" cy="646331"/>
+              </a:xfrm>
+              <a:prstGeom prst="rect">
+                <a:avLst/>
+              </a:prstGeom>
+              <a:noFill/>
+            </p:spPr>
+            <p:txBody>
+              <a:bodyPr wrap="square" rtlCol="0">
+                <a:spAutoFit/>
+              </a:bodyPr>
+              <a:lstStyle/>
+              <a:p>
+                <a:r>
+                  <a:rPr lang="en-US" altLang="ko-KR" dirty="0"/>
+                  <a:t>We need</a:t>
+                </a:r>
+                <a:br>
+                  <a:rPr lang="en-US" altLang="ko-KR" dirty="0"/>
+                </a:br>
+                <a:r>
+                  <a:rPr lang="en-US" altLang="ko-KR" dirty="0"/>
+                  <a:t>X = </a:t>
+                </a:r>
+                <a14:m>
+                  <m:oMath xmlns:m="http://schemas.openxmlformats.org/officeDocument/2006/math">
+                    <m:sSup>
+                      <m:sSupPr>
+                        <m:ctrlPr>
+                          <a:rPr lang="en-US" altLang="ko-KR" b="0" i="1" smtClean="0">
+                            <a:latin typeface="Cambria Math" panose="02040503050406030204" pitchFamily="18" charset="0"/>
+                          </a:rPr>
+                        </m:ctrlPr>
+                      </m:sSupPr>
+                      <m:e>
+                        <m:r>
+                          <m:rPr>
+                            <m:sty m:val="p"/>
+                          </m:rPr>
+                          <a:rPr lang="en-US" altLang="ko-KR" b="0" i="0" smtClean="0">
+                            <a:latin typeface="Cambria Math" panose="02040503050406030204" pitchFamily="18" charset="0"/>
+                          </a:rPr>
+                          <m:t>T</m:t>
+                        </m:r>
+                      </m:e>
+                      <m:sup>
+                        <m:r>
+                          <a:rPr lang="en-US" altLang="ko-KR" b="0" i="0" smtClean="0">
+                            <a:latin typeface="Cambria Math" panose="02040503050406030204" pitchFamily="18" charset="0"/>
+                          </a:rPr>
+                          <m:t>−1</m:t>
+                        </m:r>
+                      </m:sup>
+                    </m:sSup>
+                  </m:oMath>
+                </a14:m>
+                <a:r>
+                  <a:rPr lang="en-US" altLang="ko-KR" dirty="0"/>
+                  <a:t>X’</a:t>
+                </a:r>
+                <a:endParaRPr lang="ko-KR" altLang="en-US" dirty="0"/>
+              </a:p>
+            </p:txBody>
+          </p:sp>
+        </mc:Choice>
+        <mc:Fallback xmlns="">
+          <p:sp>
+            <p:nvSpPr>
+              <p:cNvPr id="14" name="TextBox 13"/>
+              <p:cNvSpPr txBox="1">
+                <a:spLocks noRot="1" noChangeAspect="1" noMove="1" noResize="1" noEditPoints="1" noAdjustHandles="1" noChangeArrowheads="1" noChangeShapeType="1" noTextEdit="1"/>
+              </p:cNvSpPr>
+              <p:nvPr/>
+            </p:nvSpPr>
+            <p:spPr>
+              <a:xfrm>
+                <a:off x="5843927" y="4576071"/>
+                <a:ext cx="1493387" cy="646331"/>
+              </a:xfrm>
+              <a:prstGeom prst="rect">
+                <a:avLst/>
+              </a:prstGeom>
+              <a:blipFill rotWithShape="0">
+                <a:blip r:embed="rId3"/>
+                <a:stretch>
+                  <a:fillRect l="-3673" t="-5660" b="-14151"/>
+                </a:stretch>
+              </a:blipFill>
+            </p:spPr>
+            <p:txBody>
+              <a:bodyPr/>
+              <a:lstStyle/>
+              <a:p>
+                <a:r>
+                  <a:rPr lang="ko-KR" altLang="en-US">
+                    <a:noFill/>
+                  </a:rPr>
+                  <a:t> </a:t>
+                </a:r>
+              </a:p>
+            </p:txBody>
+          </p:sp>
+        </mc:Fallback>
+      </mc:AlternateContent>
+    </p:spTree>
+    <p:extLst>
+      <p:ext uri="{BB962C8B-B14F-4D97-AF65-F5344CB8AC3E}">
+        <p14:creationId xmlns:p14="http://schemas.microsoft.com/office/powerpoint/2010/main" val="1455713041"/>
+      </p:ext>
+    </p:extLst>
+  </p:cSld>
+  <p:clrMapOvr>
+    <a:masterClrMapping/>
+  </p:clrMapOvr>
+</p:sld>
+</file>
+
+<file path=ppt/slides/slide5.xml><?xml version="1.0" encoding="utf-8"?>
+<p:sld xmlns:a="http://schemas.openxmlformats.org/drawingml/2006/main" xmlns:r="http://schemas.openxmlformats.org/officeDocument/2006/relationships" xmlns:p="http://schemas.openxmlformats.org/presentationml/2006/main">
+  <p:cSld>
+    <p:spTree>
+      <p:nvGrpSpPr>
+        <p:cNvPr id="1" name=""/>
+        <p:cNvGrpSpPr/>
+        <p:nvPr/>
+      </p:nvGrpSpPr>
+      <p:grpSpPr>
+        <a:xfrm>
+          <a:off x="0" y="0"/>
+          <a:ext cx="0" cy="0"/>
+          <a:chOff x="0" y="0"/>
+          <a:chExt cx="0" cy="0"/>
+        </a:xfrm>
+      </p:grpSpPr>
+      <p:pic>
+        <p:nvPicPr>
+          <p:cNvPr id="7" name="그림 6">
+            <a:extLst>
+              <a:ext uri="{FF2B5EF4-FFF2-40B4-BE49-F238E27FC236}">
+                <a16:creationId xmlns:a16="http://schemas.microsoft.com/office/drawing/2014/main" id="{6D0DCC3D-E289-10BB-54EC-7ADED9A38528}"/>
+              </a:ext>
+            </a:extLst>
+          </p:cNvPr>
+          <p:cNvPicPr>
+            <a:picLocks noChangeAspect="1"/>
+          </p:cNvPicPr>
+          <p:nvPr/>
+        </p:nvPicPr>
+        <p:blipFill>
+          <a:blip r:embed="rId2"/>
+          <a:stretch>
+            <a:fillRect/>
+          </a:stretch>
+        </p:blipFill>
+        <p:spPr>
+          <a:xfrm>
+            <a:off x="416830" y="1976741"/>
+            <a:ext cx="7276574" cy="3794402"/>
+          </a:xfrm>
+          <a:prstGeom prst="rect">
+            <a:avLst/>
+          </a:prstGeom>
+        </p:spPr>
+      </p:pic>
+      <p:sp>
+        <p:nvSpPr>
+          <p:cNvPr id="2" name="제목 1">
+            <a:extLst>
+              <a:ext uri="{FF2B5EF4-FFF2-40B4-BE49-F238E27FC236}">
+                <a16:creationId xmlns:a16="http://schemas.microsoft.com/office/drawing/2014/main" id="{32A4EF47-FCCA-4723-AF28-1B2DE76CE7E9}"/>
+              </a:ext>
+            </a:extLst>
+          </p:cNvPr>
+          <p:cNvSpPr>
+            <a:spLocks noGrp="1"/>
+          </p:cNvSpPr>
+          <p:nvPr>
+            <p:ph type="title"/>
+          </p:nvPr>
+        </p:nvSpPr>
+        <p:spPr/>
+        <p:txBody>
+          <a:bodyPr>
+            <a:normAutofit fontScale="90000"/>
+          </a:bodyPr>
+          <a:lstStyle/>
+          <a:p>
+            <a:r>
+              <a:rPr lang="en-US" altLang="ko-KR" dirty="0"/>
+              <a:t>Translation</a:t>
+            </a:r>
+            <a:endParaRPr lang="ko-KR" altLang="en-US" dirty="0"/>
+          </a:p>
+        </p:txBody>
+      </p:sp>
+      <p:sp>
+        <p:nvSpPr>
+          <p:cNvPr id="3" name="내용 개체 틀 2">
+            <a:extLst>
+              <a:ext uri="{FF2B5EF4-FFF2-40B4-BE49-F238E27FC236}">
+                <a16:creationId xmlns:a16="http://schemas.microsoft.com/office/drawing/2014/main" id="{25774E92-9B95-4123-B29D-F5E0D6956FCA}"/>
+              </a:ext>
+            </a:extLst>
+          </p:cNvPr>
+          <p:cNvSpPr>
+            <a:spLocks noGrp="1"/>
+          </p:cNvSpPr>
+          <p:nvPr>
+            <p:ph idx="1"/>
+          </p:nvPr>
+        </p:nvSpPr>
+        <p:spPr/>
+        <p:txBody>
+          <a:bodyPr>
+            <a:normAutofit/>
+          </a:bodyPr>
+          <a:lstStyle/>
+          <a:p>
+            <a:r>
+              <a:rPr lang="en-US" altLang="ko-KR" sz="2000" dirty="0"/>
+              <a:t>Apply transform</a:t>
+            </a:r>
+            <a:endParaRPr lang="ko-KR" altLang="en-US" sz="2000" dirty="0"/>
+          </a:p>
+        </p:txBody>
+      </p:sp>
+      <p:cxnSp>
+        <p:nvCxnSpPr>
+          <p:cNvPr id="6" name="직선 연결선 5"/>
+          <p:cNvCxnSpPr/>
+          <p:nvPr/>
+        </p:nvCxnSpPr>
+        <p:spPr>
+          <a:xfrm>
+            <a:off x="2639900" y="3544607"/>
+            <a:ext cx="3449964" cy="0"/>
+          </a:xfrm>
+          <a:prstGeom prst="line">
+            <a:avLst/>
+          </a:prstGeom>
+        </p:spPr>
+        <p:style>
+          <a:lnRef idx="1">
+            <a:schemeClr val="accent1"/>
+          </a:lnRef>
+          <a:fillRef idx="0">
+            <a:schemeClr val="accent1"/>
+          </a:fillRef>
+          <a:effectRef idx="0">
+            <a:schemeClr val="accent1"/>
+          </a:effectRef>
+          <a:fontRef idx="minor">
+            <a:schemeClr val="tx1"/>
+          </a:fontRef>
+        </p:style>
+      </p:cxnSp>
+      <mc:AlternateContent xmlns:mc="http://schemas.openxmlformats.org/markup-compatibility/2006" xmlns:a14="http://schemas.microsoft.com/office/drawing/2010/main">
+        <mc:Choice Requires="a14">
+          <p:sp>
+            <p:nvSpPr>
+              <p:cNvPr id="11" name="TextBox 10"/>
+              <p:cNvSpPr txBox="1"/>
+              <p:nvPr/>
+            </p:nvSpPr>
+            <p:spPr>
+              <a:xfrm>
+                <a:off x="4364882" y="1489632"/>
+                <a:ext cx="1493387" cy="369332"/>
+              </a:xfrm>
+              <a:prstGeom prst="rect">
+                <a:avLst/>
+              </a:prstGeom>
+              <a:noFill/>
+            </p:spPr>
+            <p:txBody>
+              <a:bodyPr wrap="square" rtlCol="0">
+                <a:spAutoFit/>
+              </a:bodyPr>
+              <a:lstStyle/>
+              <a:p>
+                <a:r>
+                  <a:rPr lang="en-US" altLang="ko-KR" dirty="0">
+                    <a:solidFill>
+                      <a:srgbClr val="FF0000"/>
+                    </a:solidFill>
+                  </a:rPr>
+                  <a:t>X = </a:t>
+                </a:r>
+                <a14:m>
+                  <m:oMath xmlns:m="http://schemas.openxmlformats.org/officeDocument/2006/math">
+                    <m:sSup>
+                      <m:sSupPr>
+                        <m:ctrlPr>
+                          <a:rPr lang="en-US" altLang="ko-KR" b="0" i="1" smtClean="0">
+                            <a:solidFill>
+                              <a:srgbClr val="FF0000"/>
+                            </a:solidFill>
+                            <a:latin typeface="Cambria Math" panose="02040503050406030204" pitchFamily="18" charset="0"/>
+                          </a:rPr>
+                        </m:ctrlPr>
+                      </m:sSupPr>
+                      <m:e>
+                        <m:r>
+                          <m:rPr>
+                            <m:sty m:val="p"/>
+                          </m:rPr>
+                          <a:rPr lang="en-US" altLang="ko-KR" b="0" i="0" smtClean="0">
+                            <a:solidFill>
+                              <a:srgbClr val="FF0000"/>
+                            </a:solidFill>
+                            <a:latin typeface="Cambria Math" panose="02040503050406030204" pitchFamily="18" charset="0"/>
+                          </a:rPr>
+                          <m:t>T</m:t>
+                        </m:r>
+                      </m:e>
+                      <m:sup>
+                        <m:r>
+                          <a:rPr lang="en-US" altLang="ko-KR" b="0" i="0" smtClean="0">
+                            <a:solidFill>
+                              <a:srgbClr val="FF0000"/>
+                            </a:solidFill>
+                            <a:latin typeface="Cambria Math" panose="02040503050406030204" pitchFamily="18" charset="0"/>
+                          </a:rPr>
+                          <m:t>−1</m:t>
+                        </m:r>
+                      </m:sup>
+                    </m:sSup>
+                  </m:oMath>
+                </a14:m>
+                <a:r>
+                  <a:rPr lang="en-US" altLang="ko-KR" dirty="0">
+                    <a:solidFill>
+                      <a:srgbClr val="FF0000"/>
+                    </a:solidFill>
+                  </a:rPr>
+                  <a:t>X’</a:t>
+                </a:r>
+                <a:endParaRPr lang="ko-KR" altLang="en-US" dirty="0">
+                  <a:solidFill>
+                    <a:srgbClr val="FF0000"/>
+                  </a:solidFill>
+                </a:endParaRPr>
+              </a:p>
+            </p:txBody>
+          </p:sp>
+        </mc:Choice>
+        <mc:Fallback xmlns="">
+          <p:sp>
+            <p:nvSpPr>
+              <p:cNvPr id="11" name="TextBox 10"/>
+              <p:cNvSpPr txBox="1">
+                <a:spLocks noRot="1" noChangeAspect="1" noMove="1" noResize="1" noEditPoints="1" noAdjustHandles="1" noChangeArrowheads="1" noChangeShapeType="1" noTextEdit="1"/>
+              </p:cNvSpPr>
+              <p:nvPr/>
+            </p:nvSpPr>
+            <p:spPr>
+              <a:xfrm>
+                <a:off x="4364882" y="1489632"/>
+                <a:ext cx="1493387" cy="369332"/>
+              </a:xfrm>
+              <a:prstGeom prst="rect">
+                <a:avLst/>
+              </a:prstGeom>
+              <a:blipFill>
+                <a:blip r:embed="rId3"/>
+                <a:stretch>
+                  <a:fillRect l="-3265" t="-8197" b="-24590"/>
+                </a:stretch>
+              </a:blipFill>
+            </p:spPr>
+            <p:txBody>
+              <a:bodyPr/>
+              <a:lstStyle/>
+              <a:p>
+                <a:r>
+                  <a:rPr lang="ko-KR" altLang="en-US">
+                    <a:noFill/>
+                  </a:rPr>
+                  <a:t> </a:t>
+                </a:r>
+              </a:p>
+            </p:txBody>
+          </p:sp>
+        </mc:Fallback>
+      </mc:AlternateContent>
+      <p:cxnSp>
+        <p:nvCxnSpPr>
+          <p:cNvPr id="12" name="직선 화살표 연결선 11"/>
+          <p:cNvCxnSpPr>
+            <a:cxnSpLocks/>
+            <a:endCxn id="11" idx="2"/>
+          </p:cNvCxnSpPr>
+          <p:nvPr/>
+        </p:nvCxnSpPr>
+        <p:spPr>
+          <a:xfrm flipV="1">
+            <a:off x="4494668" y="1858964"/>
+            <a:ext cx="616908" cy="1454429"/>
+          </a:xfrm>
+          <a:prstGeom prst="straightConnector1">
+            <a:avLst/>
+          </a:prstGeom>
+          <a:ln>
+            <a:tailEnd type="triangle"/>
+          </a:ln>
+        </p:spPr>
+        <p:style>
+          <a:lnRef idx="1">
+            <a:schemeClr val="accent1"/>
+          </a:lnRef>
+          <a:fillRef idx="0">
+            <a:schemeClr val="accent1"/>
+          </a:fillRef>
+          <a:effectRef idx="0">
+            <a:schemeClr val="accent1"/>
+          </a:effectRef>
+          <a:fontRef idx="minor">
+            <a:schemeClr val="tx1"/>
+          </a:fontRef>
+        </p:style>
+      </p:cxnSp>
+      <p:cxnSp>
+        <p:nvCxnSpPr>
+          <p:cNvPr id="13" name="직선 연결선 12"/>
+          <p:cNvCxnSpPr>
+            <a:cxnSpLocks/>
+          </p:cNvCxnSpPr>
+          <p:nvPr/>
+        </p:nvCxnSpPr>
+        <p:spPr>
+          <a:xfrm>
+            <a:off x="3925132" y="4046015"/>
+            <a:ext cx="3697195" cy="0"/>
+          </a:xfrm>
+          <a:prstGeom prst="line">
+            <a:avLst/>
+          </a:prstGeom>
+        </p:spPr>
+        <p:style>
+          <a:lnRef idx="1">
+            <a:schemeClr val="accent1"/>
+          </a:lnRef>
+          <a:fillRef idx="0">
+            <a:schemeClr val="accent1"/>
+          </a:fillRef>
+          <a:effectRef idx="0">
+            <a:schemeClr val="accent1"/>
+          </a:effectRef>
+          <a:fontRef idx="minor">
+            <a:schemeClr val="tx1"/>
+          </a:fontRef>
+        </p:style>
+      </p:cxnSp>
+      <p:sp>
+        <p:nvSpPr>
+          <p:cNvPr id="14" name="TextBox 13"/>
+          <p:cNvSpPr txBox="1"/>
+          <p:nvPr/>
+        </p:nvSpPr>
+        <p:spPr>
+          <a:xfrm>
+            <a:off x="6321296" y="1544246"/>
+            <a:ext cx="1493387" cy="369332"/>
+          </a:xfrm>
+          <a:prstGeom prst="rect">
+            <a:avLst/>
+          </a:prstGeom>
+          <a:noFill/>
+        </p:spPr>
+        <p:txBody>
+          <a:bodyPr wrap="square" rtlCol="0">
+            <a:spAutoFit/>
+          </a:bodyPr>
+          <a:lstStyle/>
+          <a:p>
+            <a:r>
+              <a:rPr lang="en-US" altLang="ko-KR" dirty="0">
+                <a:solidFill>
+                  <a:srgbClr val="FF0000"/>
+                </a:solidFill>
+              </a:rPr>
+              <a:t>Interpolation</a:t>
+            </a:r>
+            <a:endParaRPr lang="ko-KR" altLang="en-US" dirty="0">
+              <a:solidFill>
+                <a:srgbClr val="FF0000"/>
+              </a:solidFill>
+            </a:endParaRPr>
+          </a:p>
+        </p:txBody>
+      </p:sp>
+      <p:cxnSp>
+        <p:nvCxnSpPr>
+          <p:cNvPr id="15" name="직선 화살표 연결선 14"/>
+          <p:cNvCxnSpPr>
+            <a:cxnSpLocks/>
+            <a:endCxn id="14" idx="2"/>
+          </p:cNvCxnSpPr>
+          <p:nvPr/>
+        </p:nvCxnSpPr>
+        <p:spPr>
+          <a:xfrm flipV="1">
+            <a:off x="6321296" y="1913578"/>
+            <a:ext cx="746694" cy="1918526"/>
+          </a:xfrm>
+          <a:prstGeom prst="straightConnector1">
+            <a:avLst/>
+          </a:prstGeom>
+          <a:ln>
+            <a:tailEnd type="triangle"/>
+          </a:ln>
+        </p:spPr>
+        <p:style>
+          <a:lnRef idx="1">
+            <a:schemeClr val="accent1"/>
+          </a:lnRef>
+          <a:fillRef idx="0">
+            <a:schemeClr val="accent1"/>
+          </a:fillRef>
+          <a:effectRef idx="0">
+            <a:schemeClr val="accent1"/>
+          </a:effectRef>
+          <a:fontRef idx="minor">
+            <a:schemeClr val="tx1"/>
+          </a:fontRef>
+        </p:style>
+      </p:cxnSp>
+    </p:spTree>
+    <p:extLst>
+      <p:ext uri="{BB962C8B-B14F-4D97-AF65-F5344CB8AC3E}">
+        <p14:creationId xmlns:p14="http://schemas.microsoft.com/office/powerpoint/2010/main" val="3917931949"/>
+      </p:ext>
+    </p:extLst>
+  </p:cSld>
+  <p:clrMapOvr>
+    <a:masterClrMapping/>
+  </p:clrMapOvr>
+</p:sld>
+</file>
+
+<file path=ppt/slides/slide6.xml><?xml version="1.0" encoding="utf-8"?>
+<p:sld xmlns:a="http://schemas.openxmlformats.org/drawingml/2006/main" xmlns:r="http://schemas.openxmlformats.org/officeDocument/2006/relationships" xmlns:p="http://schemas.openxmlformats.org/presentationml/2006/main">
+  <p:cSld>
+    <p:spTree>
+      <p:nvGrpSpPr>
+        <p:cNvPr id="1" name=""/>
+        <p:cNvGrpSpPr/>
+        <p:nvPr/>
+      </p:nvGrpSpPr>
+      <p:grpSpPr>
+        <a:xfrm>
+          <a:off x="0" y="0"/>
+          <a:ext cx="0" cy="0"/>
+          <a:chOff x="0" y="0"/>
+          <a:chExt cx="0" cy="0"/>
+        </a:xfrm>
+      </p:grpSpPr>
+      <p:sp>
+        <p:nvSpPr>
+          <p:cNvPr id="2" name="제목 1">
+            <a:extLst>
+              <a:ext uri="{FF2B5EF4-FFF2-40B4-BE49-F238E27FC236}">
+                <a16:creationId xmlns:a16="http://schemas.microsoft.com/office/drawing/2014/main" id="{32A4EF47-FCCA-4723-AF28-1B2DE76CE7E9}"/>
+              </a:ext>
+            </a:extLst>
+          </p:cNvPr>
+          <p:cNvSpPr>
+            <a:spLocks noGrp="1"/>
+          </p:cNvSpPr>
+          <p:nvPr>
+            <p:ph type="title"/>
+          </p:nvPr>
+        </p:nvSpPr>
+        <p:spPr/>
+        <p:txBody>
+          <a:bodyPr>
+            <a:normAutofit fontScale="90000"/>
+          </a:bodyPr>
+          <a:lstStyle/>
+          <a:p>
+            <a:r>
+              <a:rPr lang="en-US" altLang="ko-KR" dirty="0"/>
+              <a:t>Translation</a:t>
+            </a:r>
+            <a:endParaRPr lang="ko-KR" altLang="en-US" dirty="0"/>
+          </a:p>
+        </p:txBody>
+      </p:sp>
+      <p:sp>
+        <p:nvSpPr>
+          <p:cNvPr id="3" name="내용 개체 틀 2">
+            <a:extLst>
+              <a:ext uri="{FF2B5EF4-FFF2-40B4-BE49-F238E27FC236}">
+                <a16:creationId xmlns:a16="http://schemas.microsoft.com/office/drawing/2014/main" id="{25774E92-9B95-4123-B29D-F5E0D6956FCA}"/>
+              </a:ext>
+            </a:extLst>
+          </p:cNvPr>
+          <p:cNvSpPr>
+            <a:spLocks noGrp="1"/>
+          </p:cNvSpPr>
+          <p:nvPr>
+            <p:ph idx="1"/>
+          </p:nvPr>
+        </p:nvSpPr>
+        <p:spPr/>
+        <p:txBody>
+          <a:bodyPr>
+            <a:normAutofit/>
+          </a:bodyPr>
+          <a:lstStyle/>
+          <a:p>
+            <a:r>
+              <a:rPr lang="en-US" altLang="ko-KR" sz="2000" dirty="0"/>
+              <a:t>Additional work : Simple way!</a:t>
+            </a:r>
+            <a:endParaRPr lang="ko-KR" altLang="en-US" sz="2000" dirty="0"/>
+          </a:p>
+        </p:txBody>
+      </p:sp>
+      <p:pic>
+        <p:nvPicPr>
+          <p:cNvPr id="6" name="그림 5">
+            <a:extLst>
+              <a:ext uri="{FF2B5EF4-FFF2-40B4-BE49-F238E27FC236}">
+                <a16:creationId xmlns:a16="http://schemas.microsoft.com/office/drawing/2014/main" id="{110A5551-40AD-449F-6328-EA990D4E601B}"/>
+              </a:ext>
+            </a:extLst>
+          </p:cNvPr>
+          <p:cNvPicPr>
+            <a:picLocks noChangeAspect="1"/>
+          </p:cNvPicPr>
+          <p:nvPr/>
+        </p:nvPicPr>
+        <p:blipFill>
+          <a:blip r:embed="rId2"/>
+          <a:stretch>
+            <a:fillRect/>
+          </a:stretch>
+        </p:blipFill>
+        <p:spPr>
+          <a:xfrm>
+            <a:off x="1476877" y="1907600"/>
+            <a:ext cx="6190246" cy="4806674"/>
+          </a:xfrm>
+          <a:prstGeom prst="rect">
+            <a:avLst/>
+          </a:prstGeom>
+        </p:spPr>
+      </p:pic>
+    </p:spTree>
+    <p:extLst>
+      <p:ext uri="{BB962C8B-B14F-4D97-AF65-F5344CB8AC3E}">
+        <p14:creationId xmlns:p14="http://schemas.microsoft.com/office/powerpoint/2010/main" val="4236646421"/>
+      </p:ext>
+    </p:extLst>
+  </p:cSld>
+  <p:clrMapOvr>
+    <a:masterClrMapping/>
+  </p:clrMapOvr>
+</p:sld>
+</file>
+
+<file path=ppt/slides/slide7.xml><?xml version="1.0" encoding="utf-8"?>
+<p:sld xmlns:a="http://schemas.openxmlformats.org/drawingml/2006/main" xmlns:r="http://schemas.openxmlformats.org/officeDocument/2006/relationships" xmlns:p="http://schemas.openxmlformats.org/presentationml/2006/main">
+  <p:cSld>
+    <p:spTree>
+      <p:nvGrpSpPr>
+        <p:cNvPr id="1" name=""/>
+        <p:cNvGrpSpPr/>
+        <p:nvPr/>
+      </p:nvGrpSpPr>
+      <p:grpSpPr>
+        <a:xfrm>
+          <a:off x="0" y="0"/>
+          <a:ext cx="0" cy="0"/>
+          <a:chOff x="0" y="0"/>
+          <a:chExt cx="0" cy="0"/>
+        </a:xfrm>
+      </p:grpSpPr>
+      <p:sp>
+        <p:nvSpPr>
+          <p:cNvPr id="2" name="제목 1">
+            <a:extLst>
+              <a:ext uri="{FF2B5EF4-FFF2-40B4-BE49-F238E27FC236}">
+                <a16:creationId xmlns:a16="http://schemas.microsoft.com/office/drawing/2014/main" id="{32A4EF47-FCCA-4723-AF28-1B2DE76CE7E9}"/>
+              </a:ext>
+            </a:extLst>
+          </p:cNvPr>
+          <p:cNvSpPr>
+            <a:spLocks noGrp="1"/>
+          </p:cNvSpPr>
+          <p:nvPr>
+            <p:ph type="title"/>
+          </p:nvPr>
+        </p:nvSpPr>
+        <p:spPr/>
+        <p:txBody>
+          <a:bodyPr>
+            <a:normAutofit fontScale="90000"/>
+          </a:bodyPr>
+          <a:lstStyle/>
+          <a:p>
+            <a:r>
+              <a:rPr lang="en-US" altLang="ko-KR" dirty="0"/>
+              <a:t>Rotation</a:t>
+            </a:r>
+            <a:endParaRPr lang="ko-KR" altLang="en-US" dirty="0"/>
+          </a:p>
+        </p:txBody>
+      </p:sp>
+      <p:sp>
+        <p:nvSpPr>
+          <p:cNvPr id="3" name="내용 개체 틀 2">
+            <a:extLst>
+              <a:ext uri="{FF2B5EF4-FFF2-40B4-BE49-F238E27FC236}">
+                <a16:creationId xmlns:a16="http://schemas.microsoft.com/office/drawing/2014/main" id="{25774E92-9B95-4123-B29D-F5E0D6956FCA}"/>
+              </a:ext>
+            </a:extLst>
+          </p:cNvPr>
+          <p:cNvSpPr>
+            <a:spLocks noGrp="1"/>
+          </p:cNvSpPr>
+          <p:nvPr>
+            <p:ph idx="1"/>
+          </p:nvPr>
+        </p:nvSpPr>
+        <p:spPr/>
+        <p:txBody>
+          <a:bodyPr>
+            <a:normAutofit/>
+          </a:bodyPr>
+          <a:lstStyle/>
+          <a:p>
+            <a:r>
+              <a:rPr lang="en-US" altLang="ko-KR" sz="2000" dirty="0"/>
+              <a:t>Define transformation matrix</a:t>
+            </a:r>
+            <a:endParaRPr lang="ko-KR" altLang="en-US" sz="2000" dirty="0"/>
+          </a:p>
+        </p:txBody>
+      </p:sp>
+      <p:pic>
+        <p:nvPicPr>
+          <p:cNvPr id="6" name="그림 5">
+            <a:extLst>
+              <a:ext uri="{FF2B5EF4-FFF2-40B4-BE49-F238E27FC236}">
+                <a16:creationId xmlns:a16="http://schemas.microsoft.com/office/drawing/2014/main" id="{00CC4BF8-5356-45B6-0C73-BA2F9E112147}"/>
+              </a:ext>
+            </a:extLst>
+          </p:cNvPr>
+          <p:cNvPicPr>
+            <a:picLocks noChangeAspect="1"/>
+          </p:cNvPicPr>
+          <p:nvPr/>
+        </p:nvPicPr>
+        <p:blipFill>
+          <a:blip r:embed="rId2"/>
+          <a:stretch>
+            <a:fillRect/>
+          </a:stretch>
+        </p:blipFill>
+        <p:spPr>
+          <a:xfrm>
+            <a:off x="2093274" y="3697830"/>
+            <a:ext cx="4957452" cy="1913253"/>
+          </a:xfrm>
+          <a:prstGeom prst="rect">
+            <a:avLst/>
+          </a:prstGeom>
+        </p:spPr>
+      </p:pic>
+      <mc:AlternateContent xmlns:mc="http://schemas.openxmlformats.org/markup-compatibility/2006" xmlns:a14="http://schemas.microsoft.com/office/drawing/2010/main">
+        <mc:Choice Requires="a14">
+          <p:sp>
+            <p:nvSpPr>
+              <p:cNvPr id="8" name="TextBox 7">
+                <a:extLst>
+                  <a:ext uri="{FF2B5EF4-FFF2-40B4-BE49-F238E27FC236}">
+                    <a16:creationId xmlns:a16="http://schemas.microsoft.com/office/drawing/2014/main" id="{D5BEBFE3-1011-5DC5-0059-EB3551F5AEFC}"/>
+                  </a:ext>
+                </a:extLst>
+              </p:cNvPr>
+              <p:cNvSpPr txBox="1"/>
+              <p:nvPr/>
+            </p:nvSpPr>
+            <p:spPr>
+              <a:xfrm>
+                <a:off x="3430822" y="1975420"/>
+                <a:ext cx="2282355" cy="1381212"/>
+              </a:xfrm>
+              <a:prstGeom prst="rect">
+                <a:avLst/>
+              </a:prstGeom>
+              <a:noFill/>
+            </p:spPr>
+            <p:txBody>
+              <a:bodyPr wrap="none" rtlCol="0">
+                <a:spAutoFit/>
+              </a:bodyPr>
+              <a:lstStyle/>
+              <a:p>
+                <a:pPr algn="ctr"/>
+                <a:r>
+                  <a:rPr lang="en-US" altLang="ko-KR" dirty="0"/>
+                  <a:t>Transformation matrix</a:t>
+                </a:r>
+              </a:p>
+              <a:p>
+                <a:pPr algn="ctr"/>
+                <a:endParaRPr lang="en-US" altLang="ko-KR" dirty="0"/>
+              </a:p>
+              <a:p>
+                <a:pPr algn="ctr"/>
+                <a14:m>
+                  <m:oMathPara xmlns:m="http://schemas.openxmlformats.org/officeDocument/2006/math">
+                    <m:oMathParaPr>
+                      <m:jc m:val="centerGroup"/>
+                    </m:oMathParaPr>
+                    <m:oMath xmlns:m="http://schemas.openxmlformats.org/officeDocument/2006/math">
+                      <m:d>
+                        <m:dPr>
+                          <m:begChr m:val="["/>
+                          <m:endChr m:val="]"/>
+                          <m:ctrlPr>
+                            <a:rPr lang="en-US" altLang="ko-KR" i="1">
+                              <a:latin typeface="Cambria Math" panose="02040503050406030204" pitchFamily="18" charset="0"/>
+                            </a:rPr>
+                          </m:ctrlPr>
+                        </m:dPr>
+                        <m:e>
+                          <m:m>
+                            <m:mPr>
+                              <m:mcs>
+                                <m:mc>
+                                  <m:mcPr>
+                                    <m:count m:val="3"/>
+                                    <m:mcJc m:val="center"/>
+                                  </m:mcPr>
+                                </m:mc>
+                              </m:mcs>
+                              <m:ctrlPr>
+                                <a:rPr lang="en-US" altLang="ko-KR" i="1">
+                                  <a:latin typeface="Cambria Math" panose="02040503050406030204" pitchFamily="18" charset="0"/>
+                                </a:rPr>
+                              </m:ctrlPr>
+                            </m:mPr>
+                            <m:mr>
+                              <m:e>
+                                <m:func>
+                                  <m:funcPr>
+                                    <m:ctrlPr>
+                                      <a:rPr lang="en-US" altLang="ko-KR" i="1">
+                                        <a:latin typeface="Cambria Math" panose="02040503050406030204" pitchFamily="18" charset="0"/>
+                                      </a:rPr>
+                                    </m:ctrlPr>
+                                  </m:funcPr>
+                                  <m:fName>
+                                    <m:r>
+                                      <m:rPr>
+                                        <m:sty m:val="p"/>
+                                      </m:rPr>
+                                      <a:rPr lang="en-US" altLang="ko-KR">
+                                        <a:latin typeface="Cambria Math" panose="02040503050406030204" pitchFamily="18" charset="0"/>
+                                      </a:rPr>
+                                      <m:t>cos</m:t>
+                                    </m:r>
+                                  </m:fName>
+                                  <m:e>
+                                    <m:r>
+                                      <a:rPr lang="en-US" altLang="ko-KR" i="1">
+                                        <a:latin typeface="Cambria Math" panose="02040503050406030204" pitchFamily="18" charset="0"/>
+                                      </a:rPr>
+                                      <m:t>𝜃</m:t>
+                                    </m:r>
+                                  </m:e>
+                                </m:func>
+                              </m:e>
+                              <m:e>
+                                <m:r>
+                                  <a:rPr lang="en-US" altLang="ko-KR" i="1">
+                                    <a:latin typeface="Cambria Math" panose="02040503050406030204" pitchFamily="18" charset="0"/>
+                                  </a:rPr>
+                                  <m:t>−</m:t>
+                                </m:r>
+                                <m:func>
+                                  <m:funcPr>
+                                    <m:ctrlPr>
+                                      <a:rPr lang="en-US" altLang="ko-KR" i="1">
+                                        <a:latin typeface="Cambria Math" panose="02040503050406030204" pitchFamily="18" charset="0"/>
+                                      </a:rPr>
+                                    </m:ctrlPr>
+                                  </m:funcPr>
+                                  <m:fName>
+                                    <m:r>
+                                      <m:rPr>
+                                        <m:sty m:val="p"/>
+                                      </m:rPr>
+                                      <a:rPr lang="en-US" altLang="ko-KR">
+                                        <a:latin typeface="Cambria Math" panose="02040503050406030204" pitchFamily="18" charset="0"/>
+                                      </a:rPr>
+                                      <m:t>sin</m:t>
+                                    </m:r>
+                                  </m:fName>
+                                  <m:e>
+                                    <m:r>
+                                      <a:rPr lang="en-US" altLang="ko-KR" i="1">
+                                        <a:latin typeface="Cambria Math" panose="02040503050406030204" pitchFamily="18" charset="0"/>
+                                      </a:rPr>
+                                      <m:t>𝜃</m:t>
+                                    </m:r>
+                                  </m:e>
+                                </m:func>
+                              </m:e>
+                              <m:e>
+                                <m:r>
+                                  <a:rPr lang="en-US" altLang="ko-KR" i="1">
+                                    <a:latin typeface="Cambria Math" panose="02040503050406030204" pitchFamily="18" charset="0"/>
+                                  </a:rPr>
+                                  <m:t>0</m:t>
+                                </m:r>
+                              </m:e>
+                            </m:mr>
+                            <m:mr>
+                              <m:e>
+                                <m:func>
+                                  <m:funcPr>
+                                    <m:ctrlPr>
+                                      <a:rPr lang="en-US" altLang="ko-KR" i="1">
+                                        <a:latin typeface="Cambria Math" panose="02040503050406030204" pitchFamily="18" charset="0"/>
+                                      </a:rPr>
+                                    </m:ctrlPr>
+                                  </m:funcPr>
+                                  <m:fName>
+                                    <m:r>
+                                      <m:rPr>
+                                        <m:sty m:val="p"/>
+                                      </m:rPr>
+                                      <a:rPr lang="en-US" altLang="ko-KR">
+                                        <a:latin typeface="Cambria Math" panose="02040503050406030204" pitchFamily="18" charset="0"/>
+                                      </a:rPr>
+                                      <m:t>sin</m:t>
+                                    </m:r>
+                                  </m:fName>
+                                  <m:e>
+                                    <m:r>
+                                      <a:rPr lang="en-US" altLang="ko-KR" i="1">
+                                        <a:latin typeface="Cambria Math" panose="02040503050406030204" pitchFamily="18" charset="0"/>
+                                      </a:rPr>
+                                      <m:t>𝜃</m:t>
+                                    </m:r>
+                                  </m:e>
+                                </m:func>
+                              </m:e>
+                              <m:e>
+                                <m:func>
+                                  <m:funcPr>
+                                    <m:ctrlPr>
+                                      <a:rPr lang="en-US" altLang="ko-KR" i="1">
+                                        <a:latin typeface="Cambria Math" panose="02040503050406030204" pitchFamily="18" charset="0"/>
+                                      </a:rPr>
+                                    </m:ctrlPr>
+                                  </m:funcPr>
+                                  <m:fName>
+                                    <m:r>
+                                      <m:rPr>
+                                        <m:sty m:val="p"/>
+                                      </m:rPr>
+                                      <a:rPr lang="en-US" altLang="ko-KR">
+                                        <a:latin typeface="Cambria Math" panose="02040503050406030204" pitchFamily="18" charset="0"/>
+                                      </a:rPr>
+                                      <m:t>cos</m:t>
+                                    </m:r>
+                                  </m:fName>
+                                  <m:e>
+                                    <m:r>
+                                      <a:rPr lang="en-US" altLang="ko-KR" i="1">
+                                        <a:latin typeface="Cambria Math" panose="02040503050406030204" pitchFamily="18" charset="0"/>
+                                      </a:rPr>
+                                      <m:t>𝜃</m:t>
+                                    </m:r>
+                                  </m:e>
+                                </m:func>
+                              </m:e>
+                              <m:e>
+                                <m:r>
+                                  <a:rPr lang="en-US" altLang="ko-KR" i="1">
+                                    <a:latin typeface="Cambria Math" panose="02040503050406030204" pitchFamily="18" charset="0"/>
+                                  </a:rPr>
+                                  <m:t>0</m:t>
+                                </m:r>
+                              </m:e>
+                            </m:mr>
+                            <m:mr>
+                              <m:e>
+                                <m:r>
+                                  <a:rPr lang="en-US" altLang="ko-KR" i="1">
+                                    <a:latin typeface="Cambria Math" panose="02040503050406030204" pitchFamily="18" charset="0"/>
+                                  </a:rPr>
+                                  <m:t>0</m:t>
+                                </m:r>
+                              </m:e>
+                              <m:e>
+                                <m:r>
+                                  <a:rPr lang="en-US" altLang="ko-KR" i="1">
+                                    <a:latin typeface="Cambria Math" panose="02040503050406030204" pitchFamily="18" charset="0"/>
+                                  </a:rPr>
+                                  <m:t>0</m:t>
+                                </m:r>
+                              </m:e>
+                              <m:e>
+                                <m:r>
+                                  <a:rPr lang="en-US" altLang="ko-KR" i="1">
+                                    <a:latin typeface="Cambria Math" panose="02040503050406030204" pitchFamily="18" charset="0"/>
+                                  </a:rPr>
+                                  <m:t>1</m:t>
+                                </m:r>
+                              </m:e>
+                            </m:mr>
+                          </m:m>
+                        </m:e>
+                      </m:d>
+                    </m:oMath>
+                  </m:oMathPara>
+                </a14:m>
+                <a:endParaRPr lang="ko-KR" altLang="en-US" dirty="0"/>
+              </a:p>
+            </p:txBody>
+          </p:sp>
+        </mc:Choice>
+        <mc:Fallback xmlns="">
+          <p:sp>
+            <p:nvSpPr>
+              <p:cNvPr id="8" name="TextBox 7">
+                <a:extLst>
+                  <a:ext uri="{FF2B5EF4-FFF2-40B4-BE49-F238E27FC236}">
+                    <a16:creationId xmlns:a16="http://schemas.microsoft.com/office/drawing/2014/main" id="{D5BEBFE3-1011-5DC5-0059-EB3551F5AEFC}"/>
+                  </a:ext>
+                </a:extLst>
+              </p:cNvPr>
+              <p:cNvSpPr txBox="1">
+                <a:spLocks noRot="1" noChangeAspect="1" noMove="1" noResize="1" noEditPoints="1" noAdjustHandles="1" noChangeArrowheads="1" noChangeShapeType="1" noTextEdit="1"/>
+              </p:cNvSpPr>
+              <p:nvPr/>
+            </p:nvSpPr>
+            <p:spPr>
+              <a:xfrm>
+                <a:off x="3430822" y="1975420"/>
+                <a:ext cx="2282355" cy="1381212"/>
+              </a:xfrm>
+              <a:prstGeom prst="rect">
+                <a:avLst/>
+              </a:prstGeom>
+              <a:blipFill>
+                <a:blip r:embed="rId3"/>
+                <a:stretch>
+                  <a:fillRect l="-2139" t="-2203" r="-1872"/>
+                </a:stretch>
+              </a:blipFill>
+            </p:spPr>
+            <p:txBody>
+              <a:bodyPr/>
+              <a:lstStyle/>
+              <a:p>
+                <a:r>
+                  <a:rPr lang="ko-KR" altLang="en-US">
+                    <a:noFill/>
+                  </a:rPr>
+                  <a:t> </a:t>
+                </a:r>
+              </a:p>
+            </p:txBody>
+          </p:sp>
+        </mc:Fallback>
+      </mc:AlternateContent>
+    </p:spTree>
+    <p:extLst>
+      <p:ext uri="{BB962C8B-B14F-4D97-AF65-F5344CB8AC3E}">
+        <p14:creationId xmlns:p14="http://schemas.microsoft.com/office/powerpoint/2010/main" val="1582764446"/>
+      </p:ext>
+    </p:extLst>
+  </p:cSld>
+  <p:clrMapOvr>
+    <a:masterClrMapping/>
+  </p:clrMapOvr>
+</p:sld>
+</file>
+
+<file path=ppt/slides/slide8.xml><?xml version="1.0" encoding="utf-8"?>
+<p:sld xmlns:a="http://schemas.openxmlformats.org/drawingml/2006/main" xmlns:r="http://schemas.openxmlformats.org/officeDocument/2006/relationships" xmlns:p="http://schemas.openxmlformats.org/presentationml/2006/main">
+  <p:cSld>
+    <p:spTree>
+      <p:nvGrpSpPr>
+        <p:cNvPr id="1" name=""/>
+        <p:cNvGrpSpPr/>
+        <p:nvPr/>
+      </p:nvGrpSpPr>
+      <p:grpSpPr>
+        <a:xfrm>
+          <a:off x="0" y="0"/>
+          <a:ext cx="0" cy="0"/>
+          <a:chOff x="0" y="0"/>
+          <a:chExt cx="0" cy="0"/>
+        </a:xfrm>
+      </p:grpSpPr>
+      <p:sp>
+        <p:nvSpPr>
+          <p:cNvPr id="2" name="제목 1">
+            <a:extLst>
+              <a:ext uri="{FF2B5EF4-FFF2-40B4-BE49-F238E27FC236}">
+                <a16:creationId xmlns:a16="http://schemas.microsoft.com/office/drawing/2014/main" id="{32A4EF47-FCCA-4723-AF28-1B2DE76CE7E9}"/>
+              </a:ext>
+            </a:extLst>
+          </p:cNvPr>
+          <p:cNvSpPr>
+            <a:spLocks noGrp="1"/>
+          </p:cNvSpPr>
+          <p:nvPr>
+            <p:ph type="title"/>
+          </p:nvPr>
+        </p:nvSpPr>
+        <p:spPr/>
+        <p:txBody>
+          <a:bodyPr>
+            <a:normAutofit fontScale="90000"/>
+          </a:bodyPr>
+          <a:lstStyle/>
+          <a:p>
+            <a:r>
+              <a:rPr lang="en-US" altLang="ko-KR" dirty="0"/>
+              <a:t>Rotation</a:t>
+            </a:r>
+            <a:endParaRPr lang="ko-KR" altLang="en-US" dirty="0"/>
+          </a:p>
+        </p:txBody>
+      </p:sp>
+      <p:pic>
+        <p:nvPicPr>
+          <p:cNvPr id="3" name="그림 2"/>
+          <p:cNvPicPr>
+            <a:picLocks noChangeAspect="1"/>
+          </p:cNvPicPr>
+          <p:nvPr/>
+        </p:nvPicPr>
+        <p:blipFill rotWithShape="1">
+          <a:blip r:embed="rId2">
+            <a:extLst>
+              <a:ext uri="{28A0092B-C50C-407E-A947-70E740481C1C}">
+                <a14:useLocalDpi xmlns:a14="http://schemas.microsoft.com/office/drawing/2010/main" val="0"/>
+              </a:ext>
+            </a:extLst>
+          </a:blip>
+          <a:srcRect t="21400" b="17134"/>
+          <a:stretch/>
+        </p:blipFill>
+        <p:spPr>
+          <a:xfrm>
+            <a:off x="1330430" y="1947117"/>
+            <a:ext cx="6483140" cy="2963766"/>
+          </a:xfrm>
+          <a:prstGeom prst="rect">
+            <a:avLst/>
+          </a:prstGeom>
+        </p:spPr>
+      </p:pic>
+    </p:spTree>
+    <p:extLst>
+      <p:ext uri="{BB962C8B-B14F-4D97-AF65-F5344CB8AC3E}">
+        <p14:creationId xmlns:p14="http://schemas.microsoft.com/office/powerpoint/2010/main" val="4253465744"/>
+      </p:ext>
+    </p:extLst>
+  </p:cSld>
+  <p:clrMapOvr>
+    <a:masterClrMapping/>
+  </p:clrMapOvr>
+</p:sld>
+</file>
+
+<file path=ppt/slides/slide9.xml><?xml version="1.0" encoding="utf-8"?>
+<p:sld xmlns:a="http://schemas.openxmlformats.org/drawingml/2006/main" xmlns:r="http://schemas.openxmlformats.org/officeDocument/2006/relationships" xmlns:p="http://schemas.openxmlformats.org/presentationml/2006/main">
+  <p:cSld>
+    <p:spTree>
+      <p:nvGrpSpPr>
+        <p:cNvPr id="1" name=""/>
+        <p:cNvGrpSpPr/>
+        <p:nvPr/>
+      </p:nvGrpSpPr>
+      <p:grpSpPr>
+        <a:xfrm>
+          <a:off x="0" y="0"/>
+          <a:ext cx="0" cy="0"/>
+          <a:chOff x="0" y="0"/>
+          <a:chExt cx="0" cy="0"/>
+        </a:xfrm>
+      </p:grpSpPr>
+      <p:sp>
+        <p:nvSpPr>
+          <p:cNvPr id="2" name="제목 1">
+            <a:extLst>
+              <a:ext uri="{FF2B5EF4-FFF2-40B4-BE49-F238E27FC236}">
+                <a16:creationId xmlns:a16="http://schemas.microsoft.com/office/drawing/2014/main" id="{32A4EF47-FCCA-4723-AF28-1B2DE76CE7E9}"/>
+              </a:ext>
+            </a:extLst>
+          </p:cNvPr>
+          <p:cNvSpPr>
+            <a:spLocks noGrp="1"/>
+          </p:cNvSpPr>
+          <p:nvPr>
+            <p:ph type="title"/>
+          </p:nvPr>
+        </p:nvSpPr>
+        <p:spPr/>
+        <p:txBody>
+          <a:bodyPr>
+            <a:normAutofit fontScale="90000"/>
+          </a:bodyPr>
+          <a:lstStyle/>
+          <a:p>
+            <a:r>
+              <a:rPr lang="en-US" altLang="ko-KR" dirty="0"/>
+              <a:t>Rotation</a:t>
+            </a:r>
+            <a:endParaRPr lang="ko-KR" altLang="en-US" dirty="0"/>
+          </a:p>
+        </p:txBody>
+      </p:sp>
+      <p:sp>
+        <p:nvSpPr>
+          <p:cNvPr id="3" name="내용 개체 틀 2">
+            <a:extLst>
+              <a:ext uri="{FF2B5EF4-FFF2-40B4-BE49-F238E27FC236}">
+                <a16:creationId xmlns:a16="http://schemas.microsoft.com/office/drawing/2014/main" id="{25774E92-9B95-4123-B29D-F5E0D6956FCA}"/>
+              </a:ext>
+            </a:extLst>
+          </p:cNvPr>
+          <p:cNvSpPr>
+            <a:spLocks noGrp="1"/>
+          </p:cNvSpPr>
+          <p:nvPr>
+            <p:ph idx="1"/>
+          </p:nvPr>
+        </p:nvSpPr>
+        <p:spPr/>
+        <p:txBody>
+          <a:bodyPr>
+            <a:normAutofit/>
+          </a:bodyPr>
+          <a:lstStyle/>
+          <a:p>
+            <a:r>
+              <a:rPr lang="en-US" altLang="ko-KR" sz="2000" dirty="0"/>
+              <a:t>Can we rotate the image around </a:t>
+            </a:r>
+            <a:r>
+              <a:rPr lang="en-US" altLang="ko-KR" sz="2000" b="1" dirty="0"/>
+              <a:t>the image center</a:t>
+            </a:r>
+            <a:r>
+              <a:rPr lang="en-US" altLang="ko-KR" sz="2000" dirty="0"/>
+              <a:t>?  </a:t>
+            </a:r>
+            <a:endParaRPr lang="ko-KR" altLang="en-US" sz="2000" dirty="0"/>
+          </a:p>
+        </p:txBody>
+      </p:sp>
+    </p:spTree>
+    <p:extLst>
+      <p:ext uri="{BB962C8B-B14F-4D97-AF65-F5344CB8AC3E}">
+        <p14:creationId xmlns:p14="http://schemas.microsoft.com/office/powerpoint/2010/main" val="2251233726"/>
       </p:ext>
     </p:extLst>
   </p:cSld>
